--- a/4-1/소프트웨어 종합설계/졸업작품제안서(201721963정찬욱).pptx
+++ b/4-1/소프트웨어 종합설계/졸업작품제안서(201721963정찬욱).pptx
@@ -11,13 +11,15 @@
     <p:sldId id="269" r:id="rId5"/>
     <p:sldId id="261" r:id="rId6"/>
     <p:sldId id="270" r:id="rId7"/>
-    <p:sldId id="260" r:id="rId8"/>
-    <p:sldId id="262" r:id="rId9"/>
-    <p:sldId id="263" r:id="rId10"/>
-    <p:sldId id="264" r:id="rId11"/>
-    <p:sldId id="265" r:id="rId12"/>
-    <p:sldId id="266" r:id="rId13"/>
-    <p:sldId id="267" r:id="rId14"/>
+    <p:sldId id="272" r:id="rId8"/>
+    <p:sldId id="273" r:id="rId9"/>
+    <p:sldId id="260" r:id="rId10"/>
+    <p:sldId id="262" r:id="rId11"/>
+    <p:sldId id="263" r:id="rId12"/>
+    <p:sldId id="264" r:id="rId13"/>
+    <p:sldId id="265" r:id="rId14"/>
+    <p:sldId id="266" r:id="rId15"/>
+    <p:sldId id="267" r:id="rId16"/>
   </p:sldIdLst>
   <p:sldSz cx="12192000" cy="6858000"/>
   <p:notesSz cx="6858000" cy="9144000"/>
@@ -278,7 +280,7 @@
                 </a:solidFill>
               </a:rPr>
               <a:pPr/>
-              <a:t>2022. 3. 13.</a:t>
+              <a:t>2022. 4. 6.</a:t>
             </a:fld>
             <a:endParaRPr lang="ko-KR" altLang="en-US">
               <a:solidFill>
@@ -508,7 +510,7 @@
                 </a:solidFill>
               </a:rPr>
               <a:pPr/>
-              <a:t>2022. 3. 13.</a:t>
+              <a:t>2022. 4. 6.</a:t>
             </a:fld>
             <a:endParaRPr lang="ko-KR" altLang="en-US">
               <a:solidFill>
@@ -748,7 +750,7 @@
                 </a:solidFill>
               </a:rPr>
               <a:pPr/>
-              <a:t>2022. 3. 13.</a:t>
+              <a:t>2022. 4. 6.</a:t>
             </a:fld>
             <a:endParaRPr lang="ko-KR" altLang="en-US">
               <a:solidFill>
@@ -978,7 +980,7 @@
                 </a:solidFill>
               </a:rPr>
               <a:pPr/>
-              <a:t>2022. 3. 13.</a:t>
+              <a:t>2022. 4. 6.</a:t>
             </a:fld>
             <a:endParaRPr lang="ko-KR" altLang="en-US">
               <a:solidFill>
@@ -1285,7 +1287,7 @@
                 </a:solidFill>
               </a:rPr>
               <a:pPr/>
-              <a:t>2022. 3. 13.</a:t>
+              <a:t>2022. 4. 6.</a:t>
             </a:fld>
             <a:endParaRPr lang="ko-KR" altLang="en-US">
               <a:solidFill>
@@ -1582,7 +1584,7 @@
                 </a:solidFill>
               </a:rPr>
               <a:pPr/>
-              <a:t>2022. 3. 13.</a:t>
+              <a:t>2022. 4. 6.</a:t>
             </a:fld>
             <a:endParaRPr lang="ko-KR" altLang="en-US">
               <a:solidFill>
@@ -2026,7 +2028,7 @@
                 </a:solidFill>
               </a:rPr>
               <a:pPr/>
-              <a:t>2022. 3. 13.</a:t>
+              <a:t>2022. 4. 6.</a:t>
             </a:fld>
             <a:endParaRPr lang="ko-KR" altLang="en-US">
               <a:solidFill>
@@ -2199,7 +2201,7 @@
                 </a:solidFill>
               </a:rPr>
               <a:pPr/>
-              <a:t>2022. 3. 13.</a:t>
+              <a:t>2022. 4. 6.</a:t>
             </a:fld>
             <a:endParaRPr lang="ko-KR" altLang="en-US">
               <a:solidFill>
@@ -2344,7 +2346,7 @@
                 </a:solidFill>
               </a:rPr>
               <a:pPr/>
-              <a:t>2022. 3. 13.</a:t>
+              <a:t>2022. 4. 6.</a:t>
             </a:fld>
             <a:endParaRPr lang="ko-KR" altLang="en-US">
               <a:solidFill>
@@ -2687,7 +2689,7 @@
                 </a:solidFill>
               </a:rPr>
               <a:pPr/>
-              <a:t>2022. 3. 13.</a:t>
+              <a:t>2022. 4. 6.</a:t>
             </a:fld>
             <a:endParaRPr lang="ko-KR" altLang="en-US">
               <a:solidFill>
@@ -3007,7 +3009,7 @@
                 </a:solidFill>
               </a:rPr>
               <a:pPr/>
-              <a:t>2022. 3. 13.</a:t>
+              <a:t>2022. 4. 6.</a:t>
             </a:fld>
             <a:endParaRPr lang="ko-KR" altLang="en-US">
               <a:solidFill>
@@ -3283,7 +3285,7 @@
                 </a:solidFill>
               </a:rPr>
               <a:pPr/>
-              <a:t>2022. 3. 13.</a:t>
+              <a:t>2022. 4. 6.</a:t>
             </a:fld>
             <a:endParaRPr lang="ko-KR" altLang="en-US">
               <a:solidFill>
@@ -9119,22 +9121,15 @@
           <a:p>
             <a:pPr algn="ctr"/>
             <a:r>
-              <a:rPr lang="ko-KR" altLang="en-US" sz="1600" b="1" dirty="0" err="1">
+              <a:rPr lang="en-US" altLang="ko-KR" sz="1600" b="1" dirty="0">
                 <a:solidFill>
                   <a:srgbClr val="44546A">
                     <a:lumMod val="75000"/>
                   </a:srgbClr>
                 </a:solidFill>
               </a:rPr>
-              <a:t>다리어리</a:t>
+              <a:t>Polaroid Diary</a:t>
             </a:r>
-            <a:endParaRPr lang="en-US" altLang="ko-KR" sz="1600" b="1" dirty="0">
-              <a:solidFill>
-                <a:srgbClr val="44546A">
-                  <a:lumMod val="75000"/>
-                </a:srgbClr>
-              </a:solidFill>
-            </a:endParaRPr>
           </a:p>
         </p:txBody>
       </p:sp>
@@ -9271,6 +9266,2890 @@
 </file>
 
 <file path=ppt/slides/slide10.xml><?xml version="1.0" encoding="utf-8"?>
+<p:sld xmlns:a="http://schemas.openxmlformats.org/drawingml/2006/main" xmlns:r="http://schemas.openxmlformats.org/officeDocument/2006/relationships" xmlns:p="http://schemas.openxmlformats.org/presentationml/2006/main">
+  <p:cSld>
+    <p:spTree>
+      <p:nvGrpSpPr>
+        <p:cNvPr id="1" name=""/>
+        <p:cNvGrpSpPr/>
+        <p:nvPr/>
+      </p:nvGrpSpPr>
+      <p:grpSpPr>
+        <a:xfrm>
+          <a:off x="0" y="0"/>
+          <a:ext cx="0" cy="0"/>
+          <a:chOff x="0" y="0"/>
+          <a:chExt cx="0" cy="0"/>
+        </a:xfrm>
+      </p:grpSpPr>
+      <p:grpSp>
+        <p:nvGrpSpPr>
+          <p:cNvPr id="2" name="그룹 1"/>
+          <p:cNvGrpSpPr/>
+          <p:nvPr/>
+        </p:nvGrpSpPr>
+        <p:grpSpPr>
+          <a:xfrm>
+            <a:off x="593355" y="180975"/>
+            <a:ext cx="11291582" cy="6429550"/>
+            <a:chOff x="593355" y="180975"/>
+            <a:chExt cx="11291582" cy="6429550"/>
+          </a:xfrm>
+        </p:grpSpPr>
+        <p:sp>
+          <p:nvSpPr>
+            <p:cNvPr id="5" name="사각형: 둥근 모서리 4">
+              <a:extLst>
+                <a:ext uri="{FF2B5EF4-FFF2-40B4-BE49-F238E27FC236}">
+                  <a16:creationId xmlns:a16="http://schemas.microsoft.com/office/drawing/2014/main" id="{C79FA5BF-BBE6-47CD-92AB-FB20439A4C12}"/>
+                </a:ext>
+              </a:extLst>
+            </p:cNvPr>
+            <p:cNvSpPr/>
+            <p:nvPr/>
+          </p:nvSpPr>
+          <p:spPr>
+            <a:xfrm>
+              <a:off x="593355" y="180975"/>
+              <a:ext cx="11291582" cy="6429550"/>
+            </a:xfrm>
+            <a:prstGeom prst="roundRect">
+              <a:avLst>
+                <a:gd name="adj" fmla="val 4058"/>
+              </a:avLst>
+            </a:prstGeom>
+            <a:solidFill>
+              <a:srgbClr val="3E4B51"/>
+            </a:solidFill>
+            <a:ln>
+              <a:noFill/>
+            </a:ln>
+            <a:effectLst>
+              <a:outerShdw dist="114300" dir="2700000" algn="t" rotWithShape="0">
+                <a:prstClr val="black">
+                  <a:alpha val="61000"/>
+                </a:prstClr>
+              </a:outerShdw>
+            </a:effectLst>
+          </p:spPr>
+          <p:style>
+            <a:lnRef idx="2">
+              <a:schemeClr val="accent1">
+                <a:shade val="50000"/>
+              </a:schemeClr>
+            </a:lnRef>
+            <a:fillRef idx="1">
+              <a:schemeClr val="accent1"/>
+            </a:fillRef>
+            <a:effectRef idx="0">
+              <a:schemeClr val="accent1"/>
+            </a:effectRef>
+            <a:fontRef idx="minor">
+              <a:schemeClr val="lt1"/>
+            </a:fontRef>
+          </p:style>
+          <p:txBody>
+            <a:bodyPr rtlCol="0" anchor="ctr"/>
+            <a:lstStyle/>
+            <a:p>
+              <a:pPr algn="ctr"/>
+              <a:endParaRPr lang="ko-KR" altLang="en-US">
+                <a:solidFill>
+                  <a:prstClr val="white"/>
+                </a:solidFill>
+              </a:endParaRPr>
+            </a:p>
+          </p:txBody>
+        </p:sp>
+        <p:sp>
+          <p:nvSpPr>
+            <p:cNvPr id="6" name="사각형: 둥근 모서리 5">
+              <a:extLst>
+                <a:ext uri="{FF2B5EF4-FFF2-40B4-BE49-F238E27FC236}">
+                  <a16:creationId xmlns:a16="http://schemas.microsoft.com/office/drawing/2014/main" id="{5EC94052-FB69-45D7-B8E2-9276EEAB5956}"/>
+                </a:ext>
+              </a:extLst>
+            </p:cNvPr>
+            <p:cNvSpPr/>
+            <p:nvPr/>
+          </p:nvSpPr>
+          <p:spPr>
+            <a:xfrm>
+              <a:off x="665410" y="247475"/>
+              <a:ext cx="11147472" cy="6286605"/>
+            </a:xfrm>
+            <a:prstGeom prst="roundRect">
+              <a:avLst>
+                <a:gd name="adj" fmla="val 3669"/>
+              </a:avLst>
+            </a:prstGeom>
+            <a:noFill/>
+            <a:ln>
+              <a:solidFill>
+                <a:schemeClr val="bg1">
+                  <a:lumMod val="75000"/>
+                </a:schemeClr>
+              </a:solidFill>
+              <a:prstDash val="dash"/>
+            </a:ln>
+          </p:spPr>
+          <p:style>
+            <a:lnRef idx="2">
+              <a:schemeClr val="accent1">
+                <a:shade val="50000"/>
+              </a:schemeClr>
+            </a:lnRef>
+            <a:fillRef idx="1">
+              <a:schemeClr val="accent1"/>
+            </a:fillRef>
+            <a:effectRef idx="0">
+              <a:schemeClr val="accent1"/>
+            </a:effectRef>
+            <a:fontRef idx="minor">
+              <a:schemeClr val="lt1"/>
+            </a:fontRef>
+          </p:style>
+          <p:txBody>
+            <a:bodyPr rtlCol="0" anchor="ctr"/>
+            <a:lstStyle/>
+            <a:p>
+              <a:pPr algn="ctr"/>
+              <a:endParaRPr lang="ko-KR" altLang="en-US">
+                <a:solidFill>
+                  <a:prstClr val="white"/>
+                </a:solidFill>
+              </a:endParaRPr>
+            </a:p>
+          </p:txBody>
+        </p:sp>
+        <p:sp>
+          <p:nvSpPr>
+            <p:cNvPr id="9" name="직사각형 8">
+              <a:extLst>
+                <a:ext uri="{FF2B5EF4-FFF2-40B4-BE49-F238E27FC236}">
+                  <a16:creationId xmlns:a16="http://schemas.microsoft.com/office/drawing/2014/main" id="{06EEE8F7-76B9-4B0A-9135-4D0962DE24DF}"/>
+                </a:ext>
+              </a:extLst>
+            </p:cNvPr>
+            <p:cNvSpPr/>
+            <p:nvPr/>
+          </p:nvSpPr>
+          <p:spPr>
+            <a:xfrm>
+              <a:off x="1211616" y="419100"/>
+              <a:ext cx="10049278" cy="6146129"/>
+            </a:xfrm>
+            <a:prstGeom prst="rect">
+              <a:avLst/>
+            </a:prstGeom>
+            <a:solidFill>
+              <a:schemeClr val="bg1"/>
+            </a:solidFill>
+            <a:ln>
+              <a:noFill/>
+            </a:ln>
+            <a:effectLst>
+              <a:outerShdw dist="114300" algn="l" rotWithShape="0">
+                <a:schemeClr val="bg1">
+                  <a:lumMod val="85000"/>
+                </a:schemeClr>
+              </a:outerShdw>
+            </a:effectLst>
+          </p:spPr>
+          <p:style>
+            <a:lnRef idx="2">
+              <a:schemeClr val="accent1">
+                <a:shade val="50000"/>
+              </a:schemeClr>
+            </a:lnRef>
+            <a:fillRef idx="1">
+              <a:schemeClr val="accent1"/>
+            </a:fillRef>
+            <a:effectRef idx="0">
+              <a:schemeClr val="accent1"/>
+            </a:effectRef>
+            <a:fontRef idx="minor">
+              <a:schemeClr val="lt1"/>
+            </a:fontRef>
+          </p:style>
+          <p:txBody>
+            <a:bodyPr rtlCol="0" anchor="ctr"/>
+            <a:lstStyle/>
+            <a:p>
+              <a:pPr algn="ctr"/>
+              <a:endParaRPr lang="ko-KR" altLang="en-US">
+                <a:solidFill>
+                  <a:prstClr val="white"/>
+                </a:solidFill>
+              </a:endParaRPr>
+            </a:p>
+          </p:txBody>
+        </p:sp>
+        <p:cxnSp>
+          <p:nvCxnSpPr>
+            <p:cNvPr id="79" name="직선 연결선 78">
+              <a:extLst>
+                <a:ext uri="{FF2B5EF4-FFF2-40B4-BE49-F238E27FC236}">
+                  <a16:creationId xmlns:a16="http://schemas.microsoft.com/office/drawing/2014/main" id="{074BC6BF-D8B6-442E-96AB-1C328700FAC7}"/>
+                </a:ext>
+              </a:extLst>
+            </p:cNvPr>
+            <p:cNvCxnSpPr>
+              <a:cxnSpLocks/>
+            </p:cNvCxnSpPr>
+            <p:nvPr/>
+          </p:nvCxnSpPr>
+          <p:spPr>
+            <a:xfrm>
+              <a:off x="1393278" y="1126651"/>
+              <a:ext cx="4320000" cy="0"/>
+            </a:xfrm>
+            <a:prstGeom prst="line">
+              <a:avLst/>
+            </a:prstGeom>
+            <a:ln>
+              <a:solidFill>
+                <a:schemeClr val="tx1">
+                  <a:lumMod val="65000"/>
+                  <a:lumOff val="35000"/>
+                </a:schemeClr>
+              </a:solidFill>
+            </a:ln>
+          </p:spPr>
+          <p:style>
+            <a:lnRef idx="1">
+              <a:schemeClr val="accent1"/>
+            </a:lnRef>
+            <a:fillRef idx="0">
+              <a:schemeClr val="accent1"/>
+            </a:fillRef>
+            <a:effectRef idx="0">
+              <a:schemeClr val="accent1"/>
+            </a:effectRef>
+            <a:fontRef idx="minor">
+              <a:schemeClr val="tx1"/>
+            </a:fontRef>
+          </p:style>
+        </p:cxnSp>
+        <p:grpSp>
+          <p:nvGrpSpPr>
+            <p:cNvPr id="104" name="그룹 103">
+              <a:extLst>
+                <a:ext uri="{FF2B5EF4-FFF2-40B4-BE49-F238E27FC236}">
+                  <a16:creationId xmlns:a16="http://schemas.microsoft.com/office/drawing/2014/main" id="{44E9A6E4-08B0-46E7-BFDD-391AB2F853B7}"/>
+                </a:ext>
+              </a:extLst>
+            </p:cNvPr>
+            <p:cNvGrpSpPr/>
+            <p:nvPr/>
+          </p:nvGrpSpPr>
+          <p:grpSpPr>
+            <a:xfrm>
+              <a:off x="11363432" y="1095053"/>
+              <a:ext cx="454211" cy="4563504"/>
+              <a:chOff x="11479544" y="1095053"/>
+              <a:chExt cx="454211" cy="4563504"/>
+            </a:xfrm>
+          </p:grpSpPr>
+          <p:sp>
+            <p:nvSpPr>
+              <p:cNvPr id="95" name="직사각형 94">
+                <a:extLst>
+                  <a:ext uri="{FF2B5EF4-FFF2-40B4-BE49-F238E27FC236}">
+                    <a16:creationId xmlns:a16="http://schemas.microsoft.com/office/drawing/2014/main" id="{DBAD4D6F-159E-41DA-8F1E-758BA6F93C5A}"/>
+                  </a:ext>
+                </a:extLst>
+              </p:cNvPr>
+              <p:cNvSpPr/>
+              <p:nvPr/>
+            </p:nvSpPr>
+            <p:spPr>
+              <a:xfrm>
+                <a:off x="11611683" y="1371994"/>
+                <a:ext cx="187297" cy="3899295"/>
+              </a:xfrm>
+              <a:prstGeom prst="rect">
+                <a:avLst/>
+              </a:prstGeom>
+              <a:solidFill>
+                <a:srgbClr val="6F5027"/>
+              </a:solidFill>
+              <a:ln>
+                <a:noFill/>
+              </a:ln>
+            </p:spPr>
+            <p:style>
+              <a:lnRef idx="2">
+                <a:schemeClr val="accent1">
+                  <a:shade val="50000"/>
+                </a:schemeClr>
+              </a:lnRef>
+              <a:fillRef idx="1">
+                <a:schemeClr val="accent1"/>
+              </a:fillRef>
+              <a:effectRef idx="0">
+                <a:schemeClr val="accent1"/>
+              </a:effectRef>
+              <a:fontRef idx="minor">
+                <a:schemeClr val="lt1"/>
+              </a:fontRef>
+            </p:style>
+            <p:txBody>
+              <a:bodyPr rtlCol="0" anchor="ctr"/>
+              <a:lstStyle/>
+              <a:p>
+                <a:pPr algn="ctr"/>
+                <a:endParaRPr lang="ko-KR" altLang="en-US">
+                  <a:solidFill>
+                    <a:prstClr val="white"/>
+                  </a:solidFill>
+                </a:endParaRPr>
+              </a:p>
+            </p:txBody>
+          </p:sp>
+          <p:sp>
+            <p:nvSpPr>
+              <p:cNvPr id="96" name="직사각형 95">
+                <a:extLst>
+                  <a:ext uri="{FF2B5EF4-FFF2-40B4-BE49-F238E27FC236}">
+                    <a16:creationId xmlns:a16="http://schemas.microsoft.com/office/drawing/2014/main" id="{A0B99B32-C45D-4962-B023-4D4B474740BC}"/>
+                  </a:ext>
+                </a:extLst>
+              </p:cNvPr>
+              <p:cNvSpPr/>
+              <p:nvPr/>
+            </p:nvSpPr>
+            <p:spPr>
+              <a:xfrm>
+                <a:off x="11712575" y="1371994"/>
+                <a:ext cx="86405" cy="3899295"/>
+              </a:xfrm>
+              <a:prstGeom prst="rect">
+                <a:avLst/>
+              </a:prstGeom>
+              <a:solidFill>
+                <a:schemeClr val="tx1">
+                  <a:alpha val="28000"/>
+                </a:schemeClr>
+              </a:solidFill>
+              <a:ln>
+                <a:noFill/>
+              </a:ln>
+            </p:spPr>
+            <p:style>
+              <a:lnRef idx="2">
+                <a:schemeClr val="accent1">
+                  <a:shade val="50000"/>
+                </a:schemeClr>
+              </a:lnRef>
+              <a:fillRef idx="1">
+                <a:schemeClr val="accent1"/>
+              </a:fillRef>
+              <a:effectRef idx="0">
+                <a:schemeClr val="accent1"/>
+              </a:effectRef>
+              <a:fontRef idx="minor">
+                <a:schemeClr val="lt1"/>
+              </a:fontRef>
+            </p:style>
+            <p:txBody>
+              <a:bodyPr rtlCol="0" anchor="ctr"/>
+              <a:lstStyle/>
+              <a:p>
+                <a:pPr algn="ctr"/>
+                <a:endParaRPr lang="ko-KR" altLang="en-US">
+                  <a:solidFill>
+                    <a:prstClr val="white"/>
+                  </a:solidFill>
+                </a:endParaRPr>
+              </a:p>
+            </p:txBody>
+          </p:sp>
+          <p:grpSp>
+            <p:nvGrpSpPr>
+              <p:cNvPr id="97" name="그룹 96">
+                <a:extLst>
+                  <a:ext uri="{FF2B5EF4-FFF2-40B4-BE49-F238E27FC236}">
+                    <a16:creationId xmlns:a16="http://schemas.microsoft.com/office/drawing/2014/main" id="{90677592-F1A5-4457-9EA0-C5A6F73EDA9D}"/>
+                  </a:ext>
+                </a:extLst>
+              </p:cNvPr>
+              <p:cNvGrpSpPr/>
+              <p:nvPr/>
+            </p:nvGrpSpPr>
+            <p:grpSpPr>
+              <a:xfrm>
+                <a:off x="11479544" y="1484130"/>
+                <a:ext cx="454211" cy="856503"/>
+                <a:chOff x="11479544" y="1121273"/>
+                <a:chExt cx="454211" cy="856503"/>
+              </a:xfrm>
+            </p:grpSpPr>
+            <p:sp>
+              <p:nvSpPr>
+                <p:cNvPr id="93" name="타원 92">
+                  <a:extLst>
+                    <a:ext uri="{FF2B5EF4-FFF2-40B4-BE49-F238E27FC236}">
+                      <a16:creationId xmlns:a16="http://schemas.microsoft.com/office/drawing/2014/main" id="{87842A73-D4F2-41D9-BCB6-9FC900378EC8}"/>
+                    </a:ext>
+                  </a:extLst>
+                </p:cNvPr>
+                <p:cNvSpPr/>
+                <p:nvPr/>
+              </p:nvSpPr>
+              <p:spPr>
+                <a:xfrm>
+                  <a:off x="11479544" y="1121273"/>
+                  <a:ext cx="451577" cy="304268"/>
+                </a:xfrm>
+                <a:prstGeom prst="ellipse">
+                  <a:avLst/>
+                </a:prstGeom>
+                <a:solidFill>
+                  <a:schemeClr val="tx1">
+                    <a:alpha val="93000"/>
+                  </a:schemeClr>
+                </a:solidFill>
+                <a:ln>
+                  <a:noFill/>
+                </a:ln>
+                <a:effectLst>
+                  <a:softEdge rad="127000"/>
+                </a:effectLst>
+              </p:spPr>
+              <p:style>
+                <a:lnRef idx="2">
+                  <a:schemeClr val="accent1">
+                    <a:shade val="50000"/>
+                  </a:schemeClr>
+                </a:lnRef>
+                <a:fillRef idx="1">
+                  <a:schemeClr val="accent1"/>
+                </a:fillRef>
+                <a:effectRef idx="0">
+                  <a:schemeClr val="accent1"/>
+                </a:effectRef>
+                <a:fontRef idx="minor">
+                  <a:schemeClr val="lt1"/>
+                </a:fontRef>
+              </p:style>
+              <p:txBody>
+                <a:bodyPr rtlCol="0" anchor="ctr"/>
+                <a:lstStyle/>
+                <a:p>
+                  <a:pPr algn="ctr"/>
+                  <a:endParaRPr lang="ko-KR" altLang="en-US">
+                    <a:solidFill>
+                      <a:prstClr val="white"/>
+                    </a:solidFill>
+                  </a:endParaRPr>
+                </a:p>
+              </p:txBody>
+            </p:sp>
+            <p:sp>
+              <p:nvSpPr>
+                <p:cNvPr id="94" name="타원 93">
+                  <a:extLst>
+                    <a:ext uri="{FF2B5EF4-FFF2-40B4-BE49-F238E27FC236}">
+                      <a16:creationId xmlns:a16="http://schemas.microsoft.com/office/drawing/2014/main" id="{DEFD5710-DE52-4EAC-93A3-9F1AE039DE6E}"/>
+                    </a:ext>
+                  </a:extLst>
+                </p:cNvPr>
+                <p:cNvSpPr/>
+                <p:nvPr/>
+              </p:nvSpPr>
+              <p:spPr>
+                <a:xfrm>
+                  <a:off x="11482178" y="1673508"/>
+                  <a:ext cx="451577" cy="304268"/>
+                </a:xfrm>
+                <a:prstGeom prst="ellipse">
+                  <a:avLst/>
+                </a:prstGeom>
+                <a:solidFill>
+                  <a:schemeClr val="tx1">
+                    <a:alpha val="93000"/>
+                  </a:schemeClr>
+                </a:solidFill>
+                <a:ln>
+                  <a:noFill/>
+                </a:ln>
+                <a:effectLst>
+                  <a:softEdge rad="127000"/>
+                </a:effectLst>
+              </p:spPr>
+              <p:style>
+                <a:lnRef idx="2">
+                  <a:schemeClr val="accent1">
+                    <a:shade val="50000"/>
+                  </a:schemeClr>
+                </a:lnRef>
+                <a:fillRef idx="1">
+                  <a:schemeClr val="accent1"/>
+                </a:fillRef>
+                <a:effectRef idx="0">
+                  <a:schemeClr val="accent1"/>
+                </a:effectRef>
+                <a:fontRef idx="minor">
+                  <a:schemeClr val="lt1"/>
+                </a:fontRef>
+              </p:style>
+              <p:txBody>
+                <a:bodyPr rtlCol="0" anchor="ctr"/>
+                <a:lstStyle/>
+                <a:p>
+                  <a:pPr algn="ctr"/>
+                  <a:endParaRPr lang="ko-KR" altLang="en-US">
+                    <a:solidFill>
+                      <a:prstClr val="white"/>
+                    </a:solidFill>
+                  </a:endParaRPr>
+                </a:p>
+              </p:txBody>
+            </p:sp>
+            <p:sp>
+              <p:nvSpPr>
+                <p:cNvPr id="92" name="순서도: 저장 데이터 91">
+                  <a:extLst>
+                    <a:ext uri="{FF2B5EF4-FFF2-40B4-BE49-F238E27FC236}">
+                      <a16:creationId xmlns:a16="http://schemas.microsoft.com/office/drawing/2014/main" id="{BDB101CE-9AF9-4366-BA62-B4318DDD8049}"/>
+                    </a:ext>
+                  </a:extLst>
+                </p:cNvPr>
+                <p:cNvSpPr/>
+                <p:nvPr/>
+              </p:nvSpPr>
+              <p:spPr>
+                <a:xfrm rot="16200000">
+                  <a:off x="11393429" y="1386221"/>
+                  <a:ext cx="633365" cy="259403"/>
+                </a:xfrm>
+                <a:prstGeom prst="flowChartOnlineStorage">
+                  <a:avLst/>
+                </a:prstGeom>
+                <a:gradFill flip="none" rotWithShape="1">
+                  <a:gsLst>
+                    <a:gs pos="0">
+                      <a:srgbClr val="3E4B51">
+                        <a:shade val="30000"/>
+                        <a:satMod val="115000"/>
+                      </a:srgbClr>
+                    </a:gs>
+                    <a:gs pos="50000">
+                      <a:srgbClr val="3E4B51">
+                        <a:shade val="67500"/>
+                        <a:satMod val="115000"/>
+                      </a:srgbClr>
+                    </a:gs>
+                    <a:gs pos="100000">
+                      <a:srgbClr val="1F282C"/>
+                    </a:gs>
+                  </a:gsLst>
+                  <a:lin ang="5400000" scaled="1"/>
+                  <a:tileRect/>
+                </a:gradFill>
+                <a:ln>
+                  <a:noFill/>
+                </a:ln>
+              </p:spPr>
+              <p:style>
+                <a:lnRef idx="2">
+                  <a:schemeClr val="accent1">
+                    <a:shade val="50000"/>
+                  </a:schemeClr>
+                </a:lnRef>
+                <a:fillRef idx="1">
+                  <a:schemeClr val="accent1"/>
+                </a:fillRef>
+                <a:effectRef idx="0">
+                  <a:schemeClr val="accent1"/>
+                </a:effectRef>
+                <a:fontRef idx="minor">
+                  <a:schemeClr val="lt1"/>
+                </a:fontRef>
+              </p:style>
+              <p:txBody>
+                <a:bodyPr rtlCol="0" anchor="ctr"/>
+                <a:lstStyle/>
+                <a:p>
+                  <a:pPr algn="ctr"/>
+                  <a:endParaRPr lang="ko-KR" altLang="en-US">
+                    <a:solidFill>
+                      <a:prstClr val="white"/>
+                    </a:solidFill>
+                  </a:endParaRPr>
+                </a:p>
+              </p:txBody>
+            </p:sp>
+          </p:grpSp>
+          <p:grpSp>
+            <p:nvGrpSpPr>
+              <p:cNvPr id="100" name="그룹 99">
+                <a:extLst>
+                  <a:ext uri="{FF2B5EF4-FFF2-40B4-BE49-F238E27FC236}">
+                    <a16:creationId xmlns:a16="http://schemas.microsoft.com/office/drawing/2014/main" id="{1884ABE6-B7A7-4A2B-85CE-384137D54DA1}"/>
+                  </a:ext>
+                </a:extLst>
+              </p:cNvPr>
+              <p:cNvGrpSpPr/>
+              <p:nvPr/>
+            </p:nvGrpSpPr>
+            <p:grpSpPr>
+              <a:xfrm>
+                <a:off x="11606922" y="5271289"/>
+                <a:ext cx="192058" cy="387268"/>
+                <a:chOff x="11613401" y="3134496"/>
+                <a:chExt cx="183860" cy="191264"/>
+              </a:xfrm>
+            </p:grpSpPr>
+            <p:sp>
+              <p:nvSpPr>
+                <p:cNvPr id="98" name="이등변 삼각형 97">
+                  <a:extLst>
+                    <a:ext uri="{FF2B5EF4-FFF2-40B4-BE49-F238E27FC236}">
+                      <a16:creationId xmlns:a16="http://schemas.microsoft.com/office/drawing/2014/main" id="{8AA8E928-C59F-4CD4-A265-D2D23A71A067}"/>
+                    </a:ext>
+                  </a:extLst>
+                </p:cNvPr>
+                <p:cNvSpPr/>
+                <p:nvPr/>
+              </p:nvSpPr>
+              <p:spPr>
+                <a:xfrm flipV="1">
+                  <a:off x="11613401" y="3134496"/>
+                  <a:ext cx="183860" cy="188413"/>
+                </a:xfrm>
+                <a:prstGeom prst="triangle">
+                  <a:avLst/>
+                </a:prstGeom>
+                <a:solidFill>
+                  <a:srgbClr val="C99E67"/>
+                </a:solidFill>
+                <a:ln>
+                  <a:noFill/>
+                </a:ln>
+              </p:spPr>
+              <p:style>
+                <a:lnRef idx="2">
+                  <a:schemeClr val="accent1">
+                    <a:shade val="50000"/>
+                  </a:schemeClr>
+                </a:lnRef>
+                <a:fillRef idx="1">
+                  <a:schemeClr val="accent1"/>
+                </a:fillRef>
+                <a:effectRef idx="0">
+                  <a:schemeClr val="accent1"/>
+                </a:effectRef>
+                <a:fontRef idx="minor">
+                  <a:schemeClr val="lt1"/>
+                </a:fontRef>
+              </p:style>
+              <p:txBody>
+                <a:bodyPr rtlCol="0" anchor="ctr"/>
+                <a:lstStyle/>
+                <a:p>
+                  <a:pPr algn="ctr"/>
+                  <a:endParaRPr lang="ko-KR" altLang="en-US">
+                    <a:solidFill>
+                      <a:prstClr val="white"/>
+                    </a:solidFill>
+                  </a:endParaRPr>
+                </a:p>
+              </p:txBody>
+            </p:sp>
+            <p:sp>
+              <p:nvSpPr>
+                <p:cNvPr id="99" name="이등변 삼각형 98">
+                  <a:extLst>
+                    <a:ext uri="{FF2B5EF4-FFF2-40B4-BE49-F238E27FC236}">
+                      <a16:creationId xmlns:a16="http://schemas.microsoft.com/office/drawing/2014/main" id="{55D2FB07-C4C0-4654-892A-A58CBDAF0764}"/>
+                    </a:ext>
+                  </a:extLst>
+                </p:cNvPr>
+                <p:cNvSpPr/>
+                <p:nvPr/>
+              </p:nvSpPr>
+              <p:spPr>
+                <a:xfrm flipV="1">
+                  <a:off x="11682471" y="3278909"/>
+                  <a:ext cx="45719" cy="46851"/>
+                </a:xfrm>
+                <a:prstGeom prst="triangle">
+                  <a:avLst/>
+                </a:prstGeom>
+                <a:solidFill>
+                  <a:schemeClr val="tx1"/>
+                </a:solidFill>
+                <a:ln>
+                  <a:noFill/>
+                </a:ln>
+              </p:spPr>
+              <p:style>
+                <a:lnRef idx="2">
+                  <a:schemeClr val="accent1">
+                    <a:shade val="50000"/>
+                  </a:schemeClr>
+                </a:lnRef>
+                <a:fillRef idx="1">
+                  <a:schemeClr val="accent1"/>
+                </a:fillRef>
+                <a:effectRef idx="0">
+                  <a:schemeClr val="accent1"/>
+                </a:effectRef>
+                <a:fontRef idx="minor">
+                  <a:schemeClr val="lt1"/>
+                </a:fontRef>
+              </p:style>
+              <p:txBody>
+                <a:bodyPr rtlCol="0" anchor="ctr"/>
+                <a:lstStyle/>
+                <a:p>
+                  <a:pPr algn="ctr"/>
+                  <a:endParaRPr lang="ko-KR" altLang="en-US">
+                    <a:solidFill>
+                      <a:prstClr val="white"/>
+                    </a:solidFill>
+                  </a:endParaRPr>
+                </a:p>
+              </p:txBody>
+            </p:sp>
+          </p:grpSp>
+          <p:sp>
+            <p:nvSpPr>
+              <p:cNvPr id="101" name="직각 삼각형 100">
+                <a:extLst>
+                  <a:ext uri="{FF2B5EF4-FFF2-40B4-BE49-F238E27FC236}">
+                    <a16:creationId xmlns:a16="http://schemas.microsoft.com/office/drawing/2014/main" id="{DE40DE56-B15D-4B2B-B1A6-EB63F4545DC4}"/>
+                  </a:ext>
+                </a:extLst>
+              </p:cNvPr>
+              <p:cNvSpPr/>
+              <p:nvPr/>
+            </p:nvSpPr>
+            <p:spPr>
+              <a:xfrm flipV="1">
+                <a:off x="11710111" y="5265515"/>
+                <a:ext cx="91166" cy="393041"/>
+              </a:xfrm>
+              <a:prstGeom prst="rtTriangle">
+                <a:avLst/>
+              </a:prstGeom>
+              <a:solidFill>
+                <a:schemeClr val="tx1">
+                  <a:alpha val="27000"/>
+                </a:schemeClr>
+              </a:solidFill>
+              <a:ln>
+                <a:noFill/>
+              </a:ln>
+            </p:spPr>
+            <p:style>
+              <a:lnRef idx="2">
+                <a:schemeClr val="accent1">
+                  <a:shade val="50000"/>
+                </a:schemeClr>
+              </a:lnRef>
+              <a:fillRef idx="1">
+                <a:schemeClr val="accent1"/>
+              </a:fillRef>
+              <a:effectRef idx="0">
+                <a:schemeClr val="accent1"/>
+              </a:effectRef>
+              <a:fontRef idx="minor">
+                <a:schemeClr val="lt1"/>
+              </a:fontRef>
+            </p:style>
+            <p:txBody>
+              <a:bodyPr rtlCol="0" anchor="ctr"/>
+              <a:lstStyle/>
+              <a:p>
+                <a:pPr algn="ctr"/>
+                <a:endParaRPr lang="ko-KR" altLang="en-US">
+                  <a:solidFill>
+                    <a:prstClr val="white"/>
+                  </a:solidFill>
+                </a:endParaRPr>
+              </a:p>
+            </p:txBody>
+          </p:sp>
+          <p:sp>
+            <p:nvSpPr>
+              <p:cNvPr id="102" name="사각형: 둥근 모서리 101">
+                <a:extLst>
+                  <a:ext uri="{FF2B5EF4-FFF2-40B4-BE49-F238E27FC236}">
+                    <a16:creationId xmlns:a16="http://schemas.microsoft.com/office/drawing/2014/main" id="{85A4E99B-00A3-4D87-BDCA-A49FC06BD3DC}"/>
+                  </a:ext>
+                </a:extLst>
+              </p:cNvPr>
+              <p:cNvSpPr/>
+              <p:nvPr/>
+            </p:nvSpPr>
+            <p:spPr>
+              <a:xfrm>
+                <a:off x="11600941" y="1233270"/>
+                <a:ext cx="218340" cy="138724"/>
+              </a:xfrm>
+              <a:prstGeom prst="roundRect">
+                <a:avLst/>
+              </a:prstGeom>
+              <a:gradFill flip="none" rotWithShape="1">
+                <a:gsLst>
+                  <a:gs pos="0">
+                    <a:schemeClr val="bg1">
+                      <a:shade val="30000"/>
+                      <a:satMod val="115000"/>
+                    </a:schemeClr>
+                  </a:gs>
+                  <a:gs pos="50000">
+                    <a:schemeClr val="bg1">
+                      <a:shade val="67500"/>
+                      <a:satMod val="115000"/>
+                    </a:schemeClr>
+                  </a:gs>
+                  <a:gs pos="100000">
+                    <a:schemeClr val="bg1">
+                      <a:shade val="100000"/>
+                      <a:satMod val="115000"/>
+                    </a:schemeClr>
+                  </a:gs>
+                </a:gsLst>
+                <a:lin ang="0" scaled="1"/>
+                <a:tileRect/>
+              </a:gradFill>
+              <a:ln>
+                <a:noFill/>
+              </a:ln>
+            </p:spPr>
+            <p:style>
+              <a:lnRef idx="2">
+                <a:schemeClr val="accent1">
+                  <a:shade val="50000"/>
+                </a:schemeClr>
+              </a:lnRef>
+              <a:fillRef idx="1">
+                <a:schemeClr val="accent1"/>
+              </a:fillRef>
+              <a:effectRef idx="0">
+                <a:schemeClr val="accent1"/>
+              </a:effectRef>
+              <a:fontRef idx="minor">
+                <a:schemeClr val="lt1"/>
+              </a:fontRef>
+            </p:style>
+            <p:txBody>
+              <a:bodyPr rtlCol="0" anchor="ctr"/>
+              <a:lstStyle/>
+              <a:p>
+                <a:pPr algn="ctr"/>
+                <a:endParaRPr lang="ko-KR" altLang="en-US">
+                  <a:solidFill>
+                    <a:prstClr val="white"/>
+                  </a:solidFill>
+                </a:endParaRPr>
+              </a:p>
+            </p:txBody>
+          </p:sp>
+          <p:sp>
+            <p:nvSpPr>
+              <p:cNvPr id="103" name="사각형: 둥근 위쪽 모서리 102">
+                <a:extLst>
+                  <a:ext uri="{FF2B5EF4-FFF2-40B4-BE49-F238E27FC236}">
+                    <a16:creationId xmlns:a16="http://schemas.microsoft.com/office/drawing/2014/main" id="{6182D714-5316-4DB3-8801-9F6D4B29A3C1}"/>
+                  </a:ext>
+                </a:extLst>
+              </p:cNvPr>
+              <p:cNvSpPr/>
+              <p:nvPr/>
+            </p:nvSpPr>
+            <p:spPr>
+              <a:xfrm>
+                <a:off x="11618933" y="1095053"/>
+                <a:ext cx="182356" cy="138724"/>
+              </a:xfrm>
+              <a:prstGeom prst="round2SameRect">
+                <a:avLst/>
+              </a:prstGeom>
+              <a:solidFill>
+                <a:srgbClr val="FFCCCC"/>
+              </a:solidFill>
+              <a:ln>
+                <a:noFill/>
+              </a:ln>
+            </p:spPr>
+            <p:style>
+              <a:lnRef idx="2">
+                <a:schemeClr val="accent1">
+                  <a:shade val="50000"/>
+                </a:schemeClr>
+              </a:lnRef>
+              <a:fillRef idx="1">
+                <a:schemeClr val="accent1"/>
+              </a:fillRef>
+              <a:effectRef idx="0">
+                <a:schemeClr val="accent1"/>
+              </a:effectRef>
+              <a:fontRef idx="minor">
+                <a:schemeClr val="lt1"/>
+              </a:fontRef>
+            </p:style>
+            <p:txBody>
+              <a:bodyPr rtlCol="0" anchor="ctr"/>
+              <a:lstStyle/>
+              <a:p>
+                <a:pPr algn="ctr"/>
+                <a:endParaRPr lang="ko-KR" altLang="en-US">
+                  <a:solidFill>
+                    <a:prstClr val="white"/>
+                  </a:solidFill>
+                </a:endParaRPr>
+              </a:p>
+            </p:txBody>
+          </p:sp>
+        </p:grpSp>
+      </p:grpSp>
+      <p:sp>
+        <p:nvSpPr>
+          <p:cNvPr id="77" name="직사각형 76">
+            <a:extLst>
+              <a:ext uri="{FF2B5EF4-FFF2-40B4-BE49-F238E27FC236}">
+                <a16:creationId xmlns:a16="http://schemas.microsoft.com/office/drawing/2014/main" id="{D3DE655E-52EA-4471-BA87-42A53EDF34DE}"/>
+              </a:ext>
+            </a:extLst>
+          </p:cNvPr>
+          <p:cNvSpPr/>
+          <p:nvPr/>
+        </p:nvSpPr>
+        <p:spPr>
+          <a:xfrm>
+            <a:off x="1289454" y="478076"/>
+            <a:ext cx="3601861" cy="655372"/>
+          </a:xfrm>
+          <a:prstGeom prst="rect">
+            <a:avLst/>
+          </a:prstGeom>
+        </p:spPr>
+        <p:txBody>
+          <a:bodyPr wrap="square">
+            <a:spAutoFit/>
+          </a:bodyPr>
+          <a:lstStyle/>
+          <a:p>
+            <a:pPr>
+              <a:lnSpc>
+                <a:spcPct val="150000"/>
+              </a:lnSpc>
+            </a:pPr>
+            <a:r>
+              <a:rPr lang="ko-KR" altLang="en-US" sz="2800" b="1" dirty="0">
+                <a:solidFill>
+                  <a:prstClr val="black">
+                    <a:lumMod val="65000"/>
+                    <a:lumOff val="35000"/>
+                  </a:prstClr>
+                </a:solidFill>
+              </a:rPr>
+              <a:t>요구사항분석</a:t>
+            </a:r>
+            <a:endParaRPr lang="en-US" altLang="ko-KR" sz="2800" b="1" dirty="0">
+              <a:solidFill>
+                <a:prstClr val="black">
+                  <a:lumMod val="65000"/>
+                  <a:lumOff val="35000"/>
+                </a:prstClr>
+              </a:solidFill>
+            </a:endParaRPr>
+          </a:p>
+        </p:txBody>
+      </p:sp>
+      <p:sp>
+        <p:nvSpPr>
+          <p:cNvPr id="3" name="TextBox 2">
+            <a:extLst>
+              <a:ext uri="{FF2B5EF4-FFF2-40B4-BE49-F238E27FC236}">
+                <a16:creationId xmlns:a16="http://schemas.microsoft.com/office/drawing/2014/main" id="{D7AAC12D-C00B-4A34-875D-4D88AA04B571}"/>
+              </a:ext>
+            </a:extLst>
+          </p:cNvPr>
+          <p:cNvSpPr txBox="1"/>
+          <p:nvPr/>
+        </p:nvSpPr>
+        <p:spPr>
+          <a:xfrm>
+            <a:off x="1719743" y="1333850"/>
+            <a:ext cx="9102055" cy="3416320"/>
+          </a:xfrm>
+          <a:prstGeom prst="rect">
+            <a:avLst/>
+          </a:prstGeom>
+          <a:noFill/>
+          <a:ln>
+            <a:solidFill>
+              <a:schemeClr val="tx1"/>
+            </a:solidFill>
+          </a:ln>
+        </p:spPr>
+        <p:txBody>
+          <a:bodyPr wrap="square" rtlCol="0">
+            <a:spAutoFit/>
+          </a:bodyPr>
+          <a:lstStyle/>
+          <a:p>
+            <a:pPr marL="228600" indent="-228600">
+              <a:buAutoNum type="arabicParenR"/>
+            </a:pPr>
+            <a:r>
+              <a:rPr lang="ko-KR" altLang="en-US" sz="1200" dirty="0"/>
+              <a:t>다이어리 입력기능</a:t>
+            </a:r>
+            <a:endParaRPr lang="en-US" altLang="ko-KR" sz="1200" dirty="0"/>
+          </a:p>
+          <a:p>
+            <a:pPr marL="171450" indent="-171450">
+              <a:buFontTx/>
+              <a:buChar char="-"/>
+            </a:pPr>
+            <a:r>
+              <a:rPr lang="ko-KR" altLang="en-US" sz="1200" dirty="0"/>
+              <a:t>사진 첨부</a:t>
+            </a:r>
+            <a:r>
+              <a:rPr lang="en-US" altLang="ko-KR" sz="1200" dirty="0"/>
+              <a:t>, </a:t>
+            </a:r>
+            <a:r>
+              <a:rPr lang="ko-KR" altLang="en-US" sz="1200" dirty="0"/>
+              <a:t>날짜 설정</a:t>
+            </a:r>
+            <a:r>
+              <a:rPr lang="en-US" altLang="ko-KR" sz="1200" dirty="0"/>
+              <a:t>, </a:t>
+            </a:r>
+            <a:r>
+              <a:rPr lang="ko-KR" altLang="en-US" sz="1200" dirty="0"/>
+              <a:t>내용 입력</a:t>
+            </a:r>
+            <a:r>
+              <a:rPr lang="en-US" altLang="ko-KR" sz="1200" dirty="0"/>
+              <a:t>, </a:t>
+            </a:r>
+            <a:r>
+              <a:rPr lang="ko-KR" altLang="en-US" sz="1200" dirty="0" err="1"/>
+              <a:t>해쉬태그</a:t>
+            </a:r>
+            <a:r>
+              <a:rPr lang="ko-KR" altLang="en-US" sz="1200" dirty="0"/>
+              <a:t> 입력</a:t>
+            </a:r>
+            <a:endParaRPr lang="en-US" altLang="ko-KR" sz="1200" dirty="0"/>
+          </a:p>
+          <a:p>
+            <a:pPr marL="171450" indent="-171450">
+              <a:buFontTx/>
+              <a:buChar char="-"/>
+            </a:pPr>
+            <a:r>
+              <a:rPr lang="ko-KR" altLang="en-US" sz="1200" dirty="0"/>
+              <a:t>항목 편집기능 </a:t>
+            </a:r>
+            <a:r>
+              <a:rPr lang="en-US" altLang="ko-KR" sz="1200" dirty="0"/>
+              <a:t>(</a:t>
+            </a:r>
+            <a:r>
+              <a:rPr lang="ko-KR" altLang="en-US" sz="1200" dirty="0"/>
+              <a:t>수정</a:t>
+            </a:r>
+            <a:r>
+              <a:rPr lang="en-US" altLang="ko-KR" sz="1200" dirty="0"/>
+              <a:t>, </a:t>
+            </a:r>
+            <a:r>
+              <a:rPr lang="ko-KR" altLang="en-US" sz="1200" dirty="0"/>
+              <a:t>삭제</a:t>
+            </a:r>
+            <a:r>
+              <a:rPr lang="en-US" altLang="ko-KR" sz="1200" dirty="0"/>
+              <a:t>)</a:t>
+            </a:r>
+          </a:p>
+          <a:p>
+            <a:endParaRPr lang="en-US" altLang="ko-KR" sz="1200" dirty="0"/>
+          </a:p>
+          <a:p>
+            <a:r>
+              <a:rPr lang="en-US" altLang="ko-KR" sz="1200" dirty="0"/>
+              <a:t>2) To-Do </a:t>
+            </a:r>
+            <a:r>
+              <a:rPr lang="ko-KR" altLang="en-US" sz="1200" dirty="0"/>
+              <a:t>입력기능</a:t>
+            </a:r>
+            <a:endParaRPr lang="en-US" altLang="ko-KR" sz="1200" dirty="0"/>
+          </a:p>
+          <a:p>
+            <a:pPr marL="171450" indent="-171450">
+              <a:buFontTx/>
+              <a:buChar char="-"/>
+            </a:pPr>
+            <a:r>
+              <a:rPr lang="ko-KR" altLang="en-US" sz="1200" dirty="0"/>
+              <a:t>제목</a:t>
+            </a:r>
+            <a:r>
+              <a:rPr lang="en-US" altLang="ko-KR" sz="1200" dirty="0"/>
+              <a:t>, </a:t>
+            </a:r>
+            <a:r>
+              <a:rPr lang="ko-KR" altLang="en-US" sz="1200" dirty="0"/>
+              <a:t>메모</a:t>
+            </a:r>
+            <a:r>
+              <a:rPr lang="en-US" altLang="ko-KR" sz="1200" dirty="0"/>
+              <a:t>, To-Do </a:t>
+            </a:r>
+            <a:r>
+              <a:rPr lang="ko-KR" altLang="en-US" sz="1200" dirty="0"/>
+              <a:t>체크 입력</a:t>
+            </a:r>
+            <a:endParaRPr lang="en-US" altLang="ko-KR" sz="1200" dirty="0"/>
+          </a:p>
+          <a:p>
+            <a:pPr marL="171450" indent="-171450">
+              <a:buFontTx/>
+              <a:buChar char="-"/>
+            </a:pPr>
+            <a:r>
+              <a:rPr lang="ko-KR" altLang="en-US" sz="1200" dirty="0"/>
+              <a:t>항목 편집기능 </a:t>
+            </a:r>
+            <a:r>
+              <a:rPr lang="en-US" altLang="ko-KR" sz="1200" dirty="0"/>
+              <a:t>(</a:t>
+            </a:r>
+            <a:r>
+              <a:rPr lang="ko-KR" altLang="en-US" sz="1200" dirty="0"/>
+              <a:t>수정</a:t>
+            </a:r>
+            <a:r>
+              <a:rPr lang="en-US" altLang="ko-KR" sz="1200" dirty="0"/>
+              <a:t>, </a:t>
+            </a:r>
+            <a:r>
+              <a:rPr lang="ko-KR" altLang="en-US" sz="1200" dirty="0"/>
+              <a:t>삭제</a:t>
+            </a:r>
+            <a:r>
+              <a:rPr lang="en-US" altLang="ko-KR" sz="1200" dirty="0"/>
+              <a:t>) </a:t>
+            </a:r>
+          </a:p>
+          <a:p>
+            <a:pPr marL="171450" indent="-171450">
+              <a:buFontTx/>
+              <a:buChar char="-"/>
+            </a:pPr>
+            <a:endParaRPr lang="en-US" altLang="ko-KR" sz="1200" dirty="0"/>
+          </a:p>
+          <a:p>
+            <a:r>
+              <a:rPr lang="en-US" altLang="ko-KR" sz="1200" dirty="0"/>
+              <a:t>3) </a:t>
+            </a:r>
+            <a:r>
+              <a:rPr lang="ko-KR" altLang="en-US" sz="1200" dirty="0"/>
+              <a:t>다이어리 출력기능</a:t>
+            </a:r>
+            <a:endParaRPr lang="en-US" altLang="ko-KR" sz="1200" dirty="0"/>
+          </a:p>
+          <a:p>
+            <a:pPr marL="171450" indent="-171450">
+              <a:buFontTx/>
+              <a:buChar char="-"/>
+            </a:pPr>
+            <a:r>
+              <a:rPr lang="ko-KR" altLang="en-US" sz="1200" dirty="0"/>
+              <a:t>사진</a:t>
+            </a:r>
+            <a:r>
+              <a:rPr lang="en-US" altLang="ko-KR" sz="1200" dirty="0"/>
+              <a:t>, </a:t>
+            </a:r>
+            <a:r>
+              <a:rPr lang="ko-KR" altLang="en-US" sz="1200" dirty="0"/>
+              <a:t>날짜</a:t>
+            </a:r>
+            <a:r>
+              <a:rPr lang="en-US" altLang="ko-KR" sz="1200" dirty="0"/>
+              <a:t>, </a:t>
+            </a:r>
+            <a:r>
+              <a:rPr lang="ko-KR" altLang="en-US" sz="1200" dirty="0"/>
+              <a:t>내용</a:t>
+            </a:r>
+            <a:r>
+              <a:rPr lang="en-US" altLang="ko-KR" sz="1200" dirty="0"/>
+              <a:t>, </a:t>
+            </a:r>
+            <a:r>
+              <a:rPr lang="ko-KR" altLang="en-US" sz="1200" dirty="0" err="1"/>
+              <a:t>해쉬태그</a:t>
+            </a:r>
+            <a:r>
+              <a:rPr lang="en-US" altLang="ko-KR" sz="1200" dirty="0"/>
+              <a:t>, </a:t>
+            </a:r>
+            <a:r>
+              <a:rPr lang="ko-KR" altLang="en-US" sz="1200" dirty="0"/>
+              <a:t>캘린더 출력</a:t>
+            </a:r>
+            <a:endParaRPr lang="en-US" altLang="ko-KR" sz="1200" dirty="0"/>
+          </a:p>
+          <a:p>
+            <a:pPr marL="171450" indent="-171450">
+              <a:buFontTx/>
+              <a:buChar char="-"/>
+            </a:pPr>
+            <a:r>
+              <a:rPr lang="ko-KR" altLang="en-US" sz="1200" dirty="0" err="1"/>
+              <a:t>해쉬태그</a:t>
+            </a:r>
+            <a:r>
+              <a:rPr lang="ko-KR" altLang="en-US" sz="1200" dirty="0"/>
+              <a:t> 검색기능을 통해 다이어리가 존재하는 날짜를 캘린더에 출력</a:t>
+            </a:r>
+            <a:endParaRPr lang="en-US" altLang="ko-KR" sz="1200" dirty="0"/>
+          </a:p>
+          <a:p>
+            <a:pPr marL="171450" indent="-171450">
+              <a:buFontTx/>
+              <a:buChar char="-"/>
+            </a:pPr>
+            <a:endParaRPr lang="en-US" altLang="ko-KR" sz="1200" dirty="0"/>
+          </a:p>
+          <a:p>
+            <a:r>
+              <a:rPr lang="en-US" altLang="ko-KR" sz="1200" dirty="0"/>
+              <a:t>4) To-Do </a:t>
+            </a:r>
+            <a:r>
+              <a:rPr lang="ko-KR" altLang="en-US" sz="1200" dirty="0"/>
+              <a:t>출력기능</a:t>
+            </a:r>
+            <a:endParaRPr lang="en-US" altLang="ko-KR" sz="1200" dirty="0"/>
+          </a:p>
+          <a:p>
+            <a:pPr marL="171450" indent="-171450">
+              <a:buFontTx/>
+              <a:buChar char="-"/>
+            </a:pPr>
+            <a:r>
+              <a:rPr lang="ko-KR" altLang="en-US" sz="1200" dirty="0"/>
+              <a:t>제목</a:t>
+            </a:r>
+            <a:r>
+              <a:rPr lang="en-US" altLang="ko-KR" sz="1200" dirty="0"/>
+              <a:t>, </a:t>
+            </a:r>
+            <a:r>
+              <a:rPr lang="ko-KR" altLang="en-US" sz="1200" dirty="0"/>
+              <a:t>메모</a:t>
+            </a:r>
+            <a:r>
+              <a:rPr lang="en-US" altLang="ko-KR" sz="1200" dirty="0"/>
+              <a:t>, To-Do </a:t>
+            </a:r>
+            <a:r>
+              <a:rPr lang="ko-KR" altLang="en-US" sz="1200" dirty="0"/>
+              <a:t>개수 출력</a:t>
+            </a:r>
+            <a:endParaRPr lang="en-US" altLang="ko-KR" sz="1200" dirty="0"/>
+          </a:p>
+          <a:p>
+            <a:pPr marL="171450" indent="-171450">
+              <a:buFontTx/>
+              <a:buChar char="-"/>
+            </a:pPr>
+            <a:r>
+              <a:rPr lang="ko-KR" altLang="en-US" sz="1200" dirty="0"/>
+              <a:t>체크버튼으로 인해 전체비중 현재 진행률 출력</a:t>
+            </a:r>
+            <a:endParaRPr lang="en-US" altLang="ko-KR" sz="1200" dirty="0"/>
+          </a:p>
+          <a:p>
+            <a:endParaRPr lang="en-US" altLang="ko-KR" sz="1200" dirty="0"/>
+          </a:p>
+          <a:p>
+            <a:pPr marL="171450" indent="-171450">
+              <a:buFontTx/>
+              <a:buChar char="-"/>
+            </a:pPr>
+            <a:endParaRPr lang="en-US" altLang="ko-KR" sz="1200" dirty="0"/>
+          </a:p>
+          <a:p>
+            <a:pPr marL="171450" indent="-171450">
+              <a:buFontTx/>
+              <a:buChar char="-"/>
+            </a:pPr>
+            <a:endParaRPr lang="ko-KR" altLang="en-US" sz="1200" dirty="0"/>
+          </a:p>
+        </p:txBody>
+      </p:sp>
+    </p:spTree>
+    <p:extLst>
+      <p:ext uri="{BB962C8B-B14F-4D97-AF65-F5344CB8AC3E}">
+        <p14:creationId xmlns:p14="http://schemas.microsoft.com/office/powerpoint/2010/main" val="3526444062"/>
+      </p:ext>
+    </p:extLst>
+  </p:cSld>
+  <p:clrMapOvr>
+    <a:masterClrMapping/>
+  </p:clrMapOvr>
+</p:sld>
+</file>
+
+<file path=ppt/slides/slide11.xml><?xml version="1.0" encoding="utf-8"?>
+<p:sld xmlns:a="http://schemas.openxmlformats.org/drawingml/2006/main" xmlns:r="http://schemas.openxmlformats.org/officeDocument/2006/relationships" xmlns:p="http://schemas.openxmlformats.org/presentationml/2006/main">
+  <p:cSld>
+    <p:spTree>
+      <p:nvGrpSpPr>
+        <p:cNvPr id="1" name=""/>
+        <p:cNvGrpSpPr/>
+        <p:nvPr/>
+      </p:nvGrpSpPr>
+      <p:grpSpPr>
+        <a:xfrm>
+          <a:off x="0" y="0"/>
+          <a:ext cx="0" cy="0"/>
+          <a:chOff x="0" y="0"/>
+          <a:chExt cx="0" cy="0"/>
+        </a:xfrm>
+      </p:grpSpPr>
+      <p:grpSp>
+        <p:nvGrpSpPr>
+          <p:cNvPr id="2" name="그룹 1"/>
+          <p:cNvGrpSpPr/>
+          <p:nvPr/>
+        </p:nvGrpSpPr>
+        <p:grpSpPr>
+          <a:xfrm>
+            <a:off x="593355" y="180975"/>
+            <a:ext cx="11291582" cy="6429550"/>
+            <a:chOff x="593355" y="180975"/>
+            <a:chExt cx="11291582" cy="6429550"/>
+          </a:xfrm>
+        </p:grpSpPr>
+        <p:sp>
+          <p:nvSpPr>
+            <p:cNvPr id="5" name="사각형: 둥근 모서리 4">
+              <a:extLst>
+                <a:ext uri="{FF2B5EF4-FFF2-40B4-BE49-F238E27FC236}">
+                  <a16:creationId xmlns:a16="http://schemas.microsoft.com/office/drawing/2014/main" id="{C79FA5BF-BBE6-47CD-92AB-FB20439A4C12}"/>
+                </a:ext>
+              </a:extLst>
+            </p:cNvPr>
+            <p:cNvSpPr/>
+            <p:nvPr/>
+          </p:nvSpPr>
+          <p:spPr>
+            <a:xfrm>
+              <a:off x="593355" y="180975"/>
+              <a:ext cx="11291582" cy="6429550"/>
+            </a:xfrm>
+            <a:prstGeom prst="roundRect">
+              <a:avLst>
+                <a:gd name="adj" fmla="val 4058"/>
+              </a:avLst>
+            </a:prstGeom>
+            <a:solidFill>
+              <a:srgbClr val="3E4B51"/>
+            </a:solidFill>
+            <a:ln>
+              <a:noFill/>
+            </a:ln>
+            <a:effectLst>
+              <a:outerShdw dist="114300" dir="2700000" algn="t" rotWithShape="0">
+                <a:prstClr val="black">
+                  <a:alpha val="61000"/>
+                </a:prstClr>
+              </a:outerShdw>
+            </a:effectLst>
+          </p:spPr>
+          <p:style>
+            <a:lnRef idx="2">
+              <a:schemeClr val="accent1">
+                <a:shade val="50000"/>
+              </a:schemeClr>
+            </a:lnRef>
+            <a:fillRef idx="1">
+              <a:schemeClr val="accent1"/>
+            </a:fillRef>
+            <a:effectRef idx="0">
+              <a:schemeClr val="accent1"/>
+            </a:effectRef>
+            <a:fontRef idx="minor">
+              <a:schemeClr val="lt1"/>
+            </a:fontRef>
+          </p:style>
+          <p:txBody>
+            <a:bodyPr rtlCol="0" anchor="ctr"/>
+            <a:lstStyle/>
+            <a:p>
+              <a:pPr algn="ctr"/>
+              <a:endParaRPr lang="ko-KR" altLang="en-US">
+                <a:solidFill>
+                  <a:prstClr val="white"/>
+                </a:solidFill>
+              </a:endParaRPr>
+            </a:p>
+          </p:txBody>
+        </p:sp>
+        <p:sp>
+          <p:nvSpPr>
+            <p:cNvPr id="6" name="사각형: 둥근 모서리 5">
+              <a:extLst>
+                <a:ext uri="{FF2B5EF4-FFF2-40B4-BE49-F238E27FC236}">
+                  <a16:creationId xmlns:a16="http://schemas.microsoft.com/office/drawing/2014/main" id="{5EC94052-FB69-45D7-B8E2-9276EEAB5956}"/>
+                </a:ext>
+              </a:extLst>
+            </p:cNvPr>
+            <p:cNvSpPr/>
+            <p:nvPr/>
+          </p:nvSpPr>
+          <p:spPr>
+            <a:xfrm>
+              <a:off x="665410" y="247475"/>
+              <a:ext cx="11147472" cy="6286605"/>
+            </a:xfrm>
+            <a:prstGeom prst="roundRect">
+              <a:avLst>
+                <a:gd name="adj" fmla="val 3669"/>
+              </a:avLst>
+            </a:prstGeom>
+            <a:noFill/>
+            <a:ln>
+              <a:solidFill>
+                <a:schemeClr val="bg1">
+                  <a:lumMod val="75000"/>
+                </a:schemeClr>
+              </a:solidFill>
+              <a:prstDash val="dash"/>
+            </a:ln>
+          </p:spPr>
+          <p:style>
+            <a:lnRef idx="2">
+              <a:schemeClr val="accent1">
+                <a:shade val="50000"/>
+              </a:schemeClr>
+            </a:lnRef>
+            <a:fillRef idx="1">
+              <a:schemeClr val="accent1"/>
+            </a:fillRef>
+            <a:effectRef idx="0">
+              <a:schemeClr val="accent1"/>
+            </a:effectRef>
+            <a:fontRef idx="minor">
+              <a:schemeClr val="lt1"/>
+            </a:fontRef>
+          </p:style>
+          <p:txBody>
+            <a:bodyPr rtlCol="0" anchor="ctr"/>
+            <a:lstStyle/>
+            <a:p>
+              <a:pPr algn="ctr"/>
+              <a:endParaRPr lang="ko-KR" altLang="en-US">
+                <a:solidFill>
+                  <a:prstClr val="white"/>
+                </a:solidFill>
+              </a:endParaRPr>
+            </a:p>
+          </p:txBody>
+        </p:sp>
+        <p:sp>
+          <p:nvSpPr>
+            <p:cNvPr id="9" name="직사각형 8">
+              <a:extLst>
+                <a:ext uri="{FF2B5EF4-FFF2-40B4-BE49-F238E27FC236}">
+                  <a16:creationId xmlns:a16="http://schemas.microsoft.com/office/drawing/2014/main" id="{06EEE8F7-76B9-4B0A-9135-4D0962DE24DF}"/>
+                </a:ext>
+              </a:extLst>
+            </p:cNvPr>
+            <p:cNvSpPr/>
+            <p:nvPr/>
+          </p:nvSpPr>
+          <p:spPr>
+            <a:xfrm>
+              <a:off x="1211616" y="419100"/>
+              <a:ext cx="10049278" cy="6146129"/>
+            </a:xfrm>
+            <a:prstGeom prst="rect">
+              <a:avLst/>
+            </a:prstGeom>
+            <a:solidFill>
+              <a:schemeClr val="bg1"/>
+            </a:solidFill>
+            <a:ln>
+              <a:noFill/>
+            </a:ln>
+            <a:effectLst>
+              <a:outerShdw dist="114300" algn="l" rotWithShape="0">
+                <a:schemeClr val="bg1">
+                  <a:lumMod val="85000"/>
+                </a:schemeClr>
+              </a:outerShdw>
+            </a:effectLst>
+          </p:spPr>
+          <p:style>
+            <a:lnRef idx="2">
+              <a:schemeClr val="accent1">
+                <a:shade val="50000"/>
+              </a:schemeClr>
+            </a:lnRef>
+            <a:fillRef idx="1">
+              <a:schemeClr val="accent1"/>
+            </a:fillRef>
+            <a:effectRef idx="0">
+              <a:schemeClr val="accent1"/>
+            </a:effectRef>
+            <a:fontRef idx="minor">
+              <a:schemeClr val="lt1"/>
+            </a:fontRef>
+          </p:style>
+          <p:txBody>
+            <a:bodyPr rtlCol="0" anchor="ctr"/>
+            <a:lstStyle/>
+            <a:p>
+              <a:pPr algn="ctr"/>
+              <a:endParaRPr lang="ko-KR" altLang="en-US">
+                <a:solidFill>
+                  <a:prstClr val="white"/>
+                </a:solidFill>
+              </a:endParaRPr>
+            </a:p>
+          </p:txBody>
+        </p:sp>
+        <p:cxnSp>
+          <p:nvCxnSpPr>
+            <p:cNvPr id="79" name="직선 연결선 78">
+              <a:extLst>
+                <a:ext uri="{FF2B5EF4-FFF2-40B4-BE49-F238E27FC236}">
+                  <a16:creationId xmlns:a16="http://schemas.microsoft.com/office/drawing/2014/main" id="{074BC6BF-D8B6-442E-96AB-1C328700FAC7}"/>
+                </a:ext>
+              </a:extLst>
+            </p:cNvPr>
+            <p:cNvCxnSpPr>
+              <a:cxnSpLocks/>
+            </p:cNvCxnSpPr>
+            <p:nvPr/>
+          </p:nvCxnSpPr>
+          <p:spPr>
+            <a:xfrm>
+              <a:off x="1393278" y="1126651"/>
+              <a:ext cx="4320000" cy="0"/>
+            </a:xfrm>
+            <a:prstGeom prst="line">
+              <a:avLst/>
+            </a:prstGeom>
+            <a:ln>
+              <a:solidFill>
+                <a:schemeClr val="tx1">
+                  <a:lumMod val="65000"/>
+                  <a:lumOff val="35000"/>
+                </a:schemeClr>
+              </a:solidFill>
+            </a:ln>
+          </p:spPr>
+          <p:style>
+            <a:lnRef idx="1">
+              <a:schemeClr val="accent1"/>
+            </a:lnRef>
+            <a:fillRef idx="0">
+              <a:schemeClr val="accent1"/>
+            </a:fillRef>
+            <a:effectRef idx="0">
+              <a:schemeClr val="accent1"/>
+            </a:effectRef>
+            <a:fontRef idx="minor">
+              <a:schemeClr val="tx1"/>
+            </a:fontRef>
+          </p:style>
+        </p:cxnSp>
+        <p:grpSp>
+          <p:nvGrpSpPr>
+            <p:cNvPr id="104" name="그룹 103">
+              <a:extLst>
+                <a:ext uri="{FF2B5EF4-FFF2-40B4-BE49-F238E27FC236}">
+                  <a16:creationId xmlns:a16="http://schemas.microsoft.com/office/drawing/2014/main" id="{44E9A6E4-08B0-46E7-BFDD-391AB2F853B7}"/>
+                </a:ext>
+              </a:extLst>
+            </p:cNvPr>
+            <p:cNvGrpSpPr/>
+            <p:nvPr/>
+          </p:nvGrpSpPr>
+          <p:grpSpPr>
+            <a:xfrm>
+              <a:off x="11363432" y="1095053"/>
+              <a:ext cx="454211" cy="4563504"/>
+              <a:chOff x="11479544" y="1095053"/>
+              <a:chExt cx="454211" cy="4563504"/>
+            </a:xfrm>
+          </p:grpSpPr>
+          <p:sp>
+            <p:nvSpPr>
+              <p:cNvPr id="95" name="직사각형 94">
+                <a:extLst>
+                  <a:ext uri="{FF2B5EF4-FFF2-40B4-BE49-F238E27FC236}">
+                    <a16:creationId xmlns:a16="http://schemas.microsoft.com/office/drawing/2014/main" id="{DBAD4D6F-159E-41DA-8F1E-758BA6F93C5A}"/>
+                  </a:ext>
+                </a:extLst>
+              </p:cNvPr>
+              <p:cNvSpPr/>
+              <p:nvPr/>
+            </p:nvSpPr>
+            <p:spPr>
+              <a:xfrm>
+                <a:off x="11611683" y="1371994"/>
+                <a:ext cx="187297" cy="3899295"/>
+              </a:xfrm>
+              <a:prstGeom prst="rect">
+                <a:avLst/>
+              </a:prstGeom>
+              <a:solidFill>
+                <a:srgbClr val="6F5027"/>
+              </a:solidFill>
+              <a:ln>
+                <a:noFill/>
+              </a:ln>
+            </p:spPr>
+            <p:style>
+              <a:lnRef idx="2">
+                <a:schemeClr val="accent1">
+                  <a:shade val="50000"/>
+                </a:schemeClr>
+              </a:lnRef>
+              <a:fillRef idx="1">
+                <a:schemeClr val="accent1"/>
+              </a:fillRef>
+              <a:effectRef idx="0">
+                <a:schemeClr val="accent1"/>
+              </a:effectRef>
+              <a:fontRef idx="minor">
+                <a:schemeClr val="lt1"/>
+              </a:fontRef>
+            </p:style>
+            <p:txBody>
+              <a:bodyPr rtlCol="0" anchor="ctr"/>
+              <a:lstStyle/>
+              <a:p>
+                <a:pPr algn="ctr"/>
+                <a:endParaRPr lang="ko-KR" altLang="en-US">
+                  <a:solidFill>
+                    <a:prstClr val="white"/>
+                  </a:solidFill>
+                </a:endParaRPr>
+              </a:p>
+            </p:txBody>
+          </p:sp>
+          <p:sp>
+            <p:nvSpPr>
+              <p:cNvPr id="96" name="직사각형 95">
+                <a:extLst>
+                  <a:ext uri="{FF2B5EF4-FFF2-40B4-BE49-F238E27FC236}">
+                    <a16:creationId xmlns:a16="http://schemas.microsoft.com/office/drawing/2014/main" id="{A0B99B32-C45D-4962-B023-4D4B474740BC}"/>
+                  </a:ext>
+                </a:extLst>
+              </p:cNvPr>
+              <p:cNvSpPr/>
+              <p:nvPr/>
+            </p:nvSpPr>
+            <p:spPr>
+              <a:xfrm>
+                <a:off x="11712575" y="1371994"/>
+                <a:ext cx="86405" cy="3899295"/>
+              </a:xfrm>
+              <a:prstGeom prst="rect">
+                <a:avLst/>
+              </a:prstGeom>
+              <a:solidFill>
+                <a:schemeClr val="tx1">
+                  <a:alpha val="28000"/>
+                </a:schemeClr>
+              </a:solidFill>
+              <a:ln>
+                <a:noFill/>
+              </a:ln>
+            </p:spPr>
+            <p:style>
+              <a:lnRef idx="2">
+                <a:schemeClr val="accent1">
+                  <a:shade val="50000"/>
+                </a:schemeClr>
+              </a:lnRef>
+              <a:fillRef idx="1">
+                <a:schemeClr val="accent1"/>
+              </a:fillRef>
+              <a:effectRef idx="0">
+                <a:schemeClr val="accent1"/>
+              </a:effectRef>
+              <a:fontRef idx="minor">
+                <a:schemeClr val="lt1"/>
+              </a:fontRef>
+            </p:style>
+            <p:txBody>
+              <a:bodyPr rtlCol="0" anchor="ctr"/>
+              <a:lstStyle/>
+              <a:p>
+                <a:pPr algn="ctr"/>
+                <a:endParaRPr lang="ko-KR" altLang="en-US">
+                  <a:solidFill>
+                    <a:prstClr val="white"/>
+                  </a:solidFill>
+                </a:endParaRPr>
+              </a:p>
+            </p:txBody>
+          </p:sp>
+          <p:grpSp>
+            <p:nvGrpSpPr>
+              <p:cNvPr id="97" name="그룹 96">
+                <a:extLst>
+                  <a:ext uri="{FF2B5EF4-FFF2-40B4-BE49-F238E27FC236}">
+                    <a16:creationId xmlns:a16="http://schemas.microsoft.com/office/drawing/2014/main" id="{90677592-F1A5-4457-9EA0-C5A6F73EDA9D}"/>
+                  </a:ext>
+                </a:extLst>
+              </p:cNvPr>
+              <p:cNvGrpSpPr/>
+              <p:nvPr/>
+            </p:nvGrpSpPr>
+            <p:grpSpPr>
+              <a:xfrm>
+                <a:off x="11479544" y="1484130"/>
+                <a:ext cx="454211" cy="856503"/>
+                <a:chOff x="11479544" y="1121273"/>
+                <a:chExt cx="454211" cy="856503"/>
+              </a:xfrm>
+            </p:grpSpPr>
+            <p:sp>
+              <p:nvSpPr>
+                <p:cNvPr id="93" name="타원 92">
+                  <a:extLst>
+                    <a:ext uri="{FF2B5EF4-FFF2-40B4-BE49-F238E27FC236}">
+                      <a16:creationId xmlns:a16="http://schemas.microsoft.com/office/drawing/2014/main" id="{87842A73-D4F2-41D9-BCB6-9FC900378EC8}"/>
+                    </a:ext>
+                  </a:extLst>
+                </p:cNvPr>
+                <p:cNvSpPr/>
+                <p:nvPr/>
+              </p:nvSpPr>
+              <p:spPr>
+                <a:xfrm>
+                  <a:off x="11479544" y="1121273"/>
+                  <a:ext cx="451577" cy="304268"/>
+                </a:xfrm>
+                <a:prstGeom prst="ellipse">
+                  <a:avLst/>
+                </a:prstGeom>
+                <a:solidFill>
+                  <a:schemeClr val="tx1">
+                    <a:alpha val="93000"/>
+                  </a:schemeClr>
+                </a:solidFill>
+                <a:ln>
+                  <a:noFill/>
+                </a:ln>
+                <a:effectLst>
+                  <a:softEdge rad="127000"/>
+                </a:effectLst>
+              </p:spPr>
+              <p:style>
+                <a:lnRef idx="2">
+                  <a:schemeClr val="accent1">
+                    <a:shade val="50000"/>
+                  </a:schemeClr>
+                </a:lnRef>
+                <a:fillRef idx="1">
+                  <a:schemeClr val="accent1"/>
+                </a:fillRef>
+                <a:effectRef idx="0">
+                  <a:schemeClr val="accent1"/>
+                </a:effectRef>
+                <a:fontRef idx="minor">
+                  <a:schemeClr val="lt1"/>
+                </a:fontRef>
+              </p:style>
+              <p:txBody>
+                <a:bodyPr rtlCol="0" anchor="ctr"/>
+                <a:lstStyle/>
+                <a:p>
+                  <a:pPr algn="ctr"/>
+                  <a:endParaRPr lang="ko-KR" altLang="en-US">
+                    <a:solidFill>
+                      <a:prstClr val="white"/>
+                    </a:solidFill>
+                  </a:endParaRPr>
+                </a:p>
+              </p:txBody>
+            </p:sp>
+            <p:sp>
+              <p:nvSpPr>
+                <p:cNvPr id="94" name="타원 93">
+                  <a:extLst>
+                    <a:ext uri="{FF2B5EF4-FFF2-40B4-BE49-F238E27FC236}">
+                      <a16:creationId xmlns:a16="http://schemas.microsoft.com/office/drawing/2014/main" id="{DEFD5710-DE52-4EAC-93A3-9F1AE039DE6E}"/>
+                    </a:ext>
+                  </a:extLst>
+                </p:cNvPr>
+                <p:cNvSpPr/>
+                <p:nvPr/>
+              </p:nvSpPr>
+              <p:spPr>
+                <a:xfrm>
+                  <a:off x="11482178" y="1673508"/>
+                  <a:ext cx="451577" cy="304268"/>
+                </a:xfrm>
+                <a:prstGeom prst="ellipse">
+                  <a:avLst/>
+                </a:prstGeom>
+                <a:solidFill>
+                  <a:schemeClr val="tx1">
+                    <a:alpha val="93000"/>
+                  </a:schemeClr>
+                </a:solidFill>
+                <a:ln>
+                  <a:noFill/>
+                </a:ln>
+                <a:effectLst>
+                  <a:softEdge rad="127000"/>
+                </a:effectLst>
+              </p:spPr>
+              <p:style>
+                <a:lnRef idx="2">
+                  <a:schemeClr val="accent1">
+                    <a:shade val="50000"/>
+                  </a:schemeClr>
+                </a:lnRef>
+                <a:fillRef idx="1">
+                  <a:schemeClr val="accent1"/>
+                </a:fillRef>
+                <a:effectRef idx="0">
+                  <a:schemeClr val="accent1"/>
+                </a:effectRef>
+                <a:fontRef idx="minor">
+                  <a:schemeClr val="lt1"/>
+                </a:fontRef>
+              </p:style>
+              <p:txBody>
+                <a:bodyPr rtlCol="0" anchor="ctr"/>
+                <a:lstStyle/>
+                <a:p>
+                  <a:pPr algn="ctr"/>
+                  <a:endParaRPr lang="ko-KR" altLang="en-US">
+                    <a:solidFill>
+                      <a:prstClr val="white"/>
+                    </a:solidFill>
+                  </a:endParaRPr>
+                </a:p>
+              </p:txBody>
+            </p:sp>
+            <p:sp>
+              <p:nvSpPr>
+                <p:cNvPr id="92" name="순서도: 저장 데이터 91">
+                  <a:extLst>
+                    <a:ext uri="{FF2B5EF4-FFF2-40B4-BE49-F238E27FC236}">
+                      <a16:creationId xmlns:a16="http://schemas.microsoft.com/office/drawing/2014/main" id="{BDB101CE-9AF9-4366-BA62-B4318DDD8049}"/>
+                    </a:ext>
+                  </a:extLst>
+                </p:cNvPr>
+                <p:cNvSpPr/>
+                <p:nvPr/>
+              </p:nvSpPr>
+              <p:spPr>
+                <a:xfrm rot="16200000">
+                  <a:off x="11393429" y="1386221"/>
+                  <a:ext cx="633365" cy="259403"/>
+                </a:xfrm>
+                <a:prstGeom prst="flowChartOnlineStorage">
+                  <a:avLst/>
+                </a:prstGeom>
+                <a:gradFill flip="none" rotWithShape="1">
+                  <a:gsLst>
+                    <a:gs pos="0">
+                      <a:srgbClr val="3E4B51">
+                        <a:shade val="30000"/>
+                        <a:satMod val="115000"/>
+                      </a:srgbClr>
+                    </a:gs>
+                    <a:gs pos="50000">
+                      <a:srgbClr val="3E4B51">
+                        <a:shade val="67500"/>
+                        <a:satMod val="115000"/>
+                      </a:srgbClr>
+                    </a:gs>
+                    <a:gs pos="100000">
+                      <a:srgbClr val="1F282C"/>
+                    </a:gs>
+                  </a:gsLst>
+                  <a:lin ang="5400000" scaled="1"/>
+                  <a:tileRect/>
+                </a:gradFill>
+                <a:ln>
+                  <a:noFill/>
+                </a:ln>
+              </p:spPr>
+              <p:style>
+                <a:lnRef idx="2">
+                  <a:schemeClr val="accent1">
+                    <a:shade val="50000"/>
+                  </a:schemeClr>
+                </a:lnRef>
+                <a:fillRef idx="1">
+                  <a:schemeClr val="accent1"/>
+                </a:fillRef>
+                <a:effectRef idx="0">
+                  <a:schemeClr val="accent1"/>
+                </a:effectRef>
+                <a:fontRef idx="minor">
+                  <a:schemeClr val="lt1"/>
+                </a:fontRef>
+              </p:style>
+              <p:txBody>
+                <a:bodyPr rtlCol="0" anchor="ctr"/>
+                <a:lstStyle/>
+                <a:p>
+                  <a:pPr algn="ctr"/>
+                  <a:endParaRPr lang="ko-KR" altLang="en-US">
+                    <a:solidFill>
+                      <a:prstClr val="white"/>
+                    </a:solidFill>
+                  </a:endParaRPr>
+                </a:p>
+              </p:txBody>
+            </p:sp>
+          </p:grpSp>
+          <p:grpSp>
+            <p:nvGrpSpPr>
+              <p:cNvPr id="100" name="그룹 99">
+                <a:extLst>
+                  <a:ext uri="{FF2B5EF4-FFF2-40B4-BE49-F238E27FC236}">
+                    <a16:creationId xmlns:a16="http://schemas.microsoft.com/office/drawing/2014/main" id="{1884ABE6-B7A7-4A2B-85CE-384137D54DA1}"/>
+                  </a:ext>
+                </a:extLst>
+              </p:cNvPr>
+              <p:cNvGrpSpPr/>
+              <p:nvPr/>
+            </p:nvGrpSpPr>
+            <p:grpSpPr>
+              <a:xfrm>
+                <a:off x="11606922" y="5271289"/>
+                <a:ext cx="192058" cy="387268"/>
+                <a:chOff x="11613401" y="3134496"/>
+                <a:chExt cx="183860" cy="191264"/>
+              </a:xfrm>
+            </p:grpSpPr>
+            <p:sp>
+              <p:nvSpPr>
+                <p:cNvPr id="98" name="이등변 삼각형 97">
+                  <a:extLst>
+                    <a:ext uri="{FF2B5EF4-FFF2-40B4-BE49-F238E27FC236}">
+                      <a16:creationId xmlns:a16="http://schemas.microsoft.com/office/drawing/2014/main" id="{8AA8E928-C59F-4CD4-A265-D2D23A71A067}"/>
+                    </a:ext>
+                  </a:extLst>
+                </p:cNvPr>
+                <p:cNvSpPr/>
+                <p:nvPr/>
+              </p:nvSpPr>
+              <p:spPr>
+                <a:xfrm flipV="1">
+                  <a:off x="11613401" y="3134496"/>
+                  <a:ext cx="183860" cy="188413"/>
+                </a:xfrm>
+                <a:prstGeom prst="triangle">
+                  <a:avLst/>
+                </a:prstGeom>
+                <a:solidFill>
+                  <a:srgbClr val="C99E67"/>
+                </a:solidFill>
+                <a:ln>
+                  <a:noFill/>
+                </a:ln>
+              </p:spPr>
+              <p:style>
+                <a:lnRef idx="2">
+                  <a:schemeClr val="accent1">
+                    <a:shade val="50000"/>
+                  </a:schemeClr>
+                </a:lnRef>
+                <a:fillRef idx="1">
+                  <a:schemeClr val="accent1"/>
+                </a:fillRef>
+                <a:effectRef idx="0">
+                  <a:schemeClr val="accent1"/>
+                </a:effectRef>
+                <a:fontRef idx="minor">
+                  <a:schemeClr val="lt1"/>
+                </a:fontRef>
+              </p:style>
+              <p:txBody>
+                <a:bodyPr rtlCol="0" anchor="ctr"/>
+                <a:lstStyle/>
+                <a:p>
+                  <a:pPr algn="ctr"/>
+                  <a:endParaRPr lang="ko-KR" altLang="en-US">
+                    <a:solidFill>
+                      <a:prstClr val="white"/>
+                    </a:solidFill>
+                  </a:endParaRPr>
+                </a:p>
+              </p:txBody>
+            </p:sp>
+            <p:sp>
+              <p:nvSpPr>
+                <p:cNvPr id="99" name="이등변 삼각형 98">
+                  <a:extLst>
+                    <a:ext uri="{FF2B5EF4-FFF2-40B4-BE49-F238E27FC236}">
+                      <a16:creationId xmlns:a16="http://schemas.microsoft.com/office/drawing/2014/main" id="{55D2FB07-C4C0-4654-892A-A58CBDAF0764}"/>
+                    </a:ext>
+                  </a:extLst>
+                </p:cNvPr>
+                <p:cNvSpPr/>
+                <p:nvPr/>
+              </p:nvSpPr>
+              <p:spPr>
+                <a:xfrm flipV="1">
+                  <a:off x="11682471" y="3278909"/>
+                  <a:ext cx="45719" cy="46851"/>
+                </a:xfrm>
+                <a:prstGeom prst="triangle">
+                  <a:avLst/>
+                </a:prstGeom>
+                <a:solidFill>
+                  <a:schemeClr val="tx1"/>
+                </a:solidFill>
+                <a:ln>
+                  <a:noFill/>
+                </a:ln>
+              </p:spPr>
+              <p:style>
+                <a:lnRef idx="2">
+                  <a:schemeClr val="accent1">
+                    <a:shade val="50000"/>
+                  </a:schemeClr>
+                </a:lnRef>
+                <a:fillRef idx="1">
+                  <a:schemeClr val="accent1"/>
+                </a:fillRef>
+                <a:effectRef idx="0">
+                  <a:schemeClr val="accent1"/>
+                </a:effectRef>
+                <a:fontRef idx="minor">
+                  <a:schemeClr val="lt1"/>
+                </a:fontRef>
+              </p:style>
+              <p:txBody>
+                <a:bodyPr rtlCol="0" anchor="ctr"/>
+                <a:lstStyle/>
+                <a:p>
+                  <a:pPr algn="ctr"/>
+                  <a:endParaRPr lang="ko-KR" altLang="en-US">
+                    <a:solidFill>
+                      <a:prstClr val="white"/>
+                    </a:solidFill>
+                  </a:endParaRPr>
+                </a:p>
+              </p:txBody>
+            </p:sp>
+          </p:grpSp>
+          <p:sp>
+            <p:nvSpPr>
+              <p:cNvPr id="101" name="직각 삼각형 100">
+                <a:extLst>
+                  <a:ext uri="{FF2B5EF4-FFF2-40B4-BE49-F238E27FC236}">
+                    <a16:creationId xmlns:a16="http://schemas.microsoft.com/office/drawing/2014/main" id="{DE40DE56-B15D-4B2B-B1A6-EB63F4545DC4}"/>
+                  </a:ext>
+                </a:extLst>
+              </p:cNvPr>
+              <p:cNvSpPr/>
+              <p:nvPr/>
+            </p:nvSpPr>
+            <p:spPr>
+              <a:xfrm flipV="1">
+                <a:off x="11710111" y="5265515"/>
+                <a:ext cx="91166" cy="393041"/>
+              </a:xfrm>
+              <a:prstGeom prst="rtTriangle">
+                <a:avLst/>
+              </a:prstGeom>
+              <a:solidFill>
+                <a:schemeClr val="tx1">
+                  <a:alpha val="27000"/>
+                </a:schemeClr>
+              </a:solidFill>
+              <a:ln>
+                <a:noFill/>
+              </a:ln>
+            </p:spPr>
+            <p:style>
+              <a:lnRef idx="2">
+                <a:schemeClr val="accent1">
+                  <a:shade val="50000"/>
+                </a:schemeClr>
+              </a:lnRef>
+              <a:fillRef idx="1">
+                <a:schemeClr val="accent1"/>
+              </a:fillRef>
+              <a:effectRef idx="0">
+                <a:schemeClr val="accent1"/>
+              </a:effectRef>
+              <a:fontRef idx="minor">
+                <a:schemeClr val="lt1"/>
+              </a:fontRef>
+            </p:style>
+            <p:txBody>
+              <a:bodyPr rtlCol="0" anchor="ctr"/>
+              <a:lstStyle/>
+              <a:p>
+                <a:pPr algn="ctr"/>
+                <a:endParaRPr lang="ko-KR" altLang="en-US">
+                  <a:solidFill>
+                    <a:prstClr val="white"/>
+                  </a:solidFill>
+                </a:endParaRPr>
+              </a:p>
+            </p:txBody>
+          </p:sp>
+          <p:sp>
+            <p:nvSpPr>
+              <p:cNvPr id="102" name="사각형: 둥근 모서리 101">
+                <a:extLst>
+                  <a:ext uri="{FF2B5EF4-FFF2-40B4-BE49-F238E27FC236}">
+                    <a16:creationId xmlns:a16="http://schemas.microsoft.com/office/drawing/2014/main" id="{85A4E99B-00A3-4D87-BDCA-A49FC06BD3DC}"/>
+                  </a:ext>
+                </a:extLst>
+              </p:cNvPr>
+              <p:cNvSpPr/>
+              <p:nvPr/>
+            </p:nvSpPr>
+            <p:spPr>
+              <a:xfrm>
+                <a:off x="11600941" y="1233270"/>
+                <a:ext cx="218340" cy="138724"/>
+              </a:xfrm>
+              <a:prstGeom prst="roundRect">
+                <a:avLst/>
+              </a:prstGeom>
+              <a:gradFill flip="none" rotWithShape="1">
+                <a:gsLst>
+                  <a:gs pos="0">
+                    <a:schemeClr val="bg1">
+                      <a:shade val="30000"/>
+                      <a:satMod val="115000"/>
+                    </a:schemeClr>
+                  </a:gs>
+                  <a:gs pos="50000">
+                    <a:schemeClr val="bg1">
+                      <a:shade val="67500"/>
+                      <a:satMod val="115000"/>
+                    </a:schemeClr>
+                  </a:gs>
+                  <a:gs pos="100000">
+                    <a:schemeClr val="bg1">
+                      <a:shade val="100000"/>
+                      <a:satMod val="115000"/>
+                    </a:schemeClr>
+                  </a:gs>
+                </a:gsLst>
+                <a:lin ang="0" scaled="1"/>
+                <a:tileRect/>
+              </a:gradFill>
+              <a:ln>
+                <a:noFill/>
+              </a:ln>
+            </p:spPr>
+            <p:style>
+              <a:lnRef idx="2">
+                <a:schemeClr val="accent1">
+                  <a:shade val="50000"/>
+                </a:schemeClr>
+              </a:lnRef>
+              <a:fillRef idx="1">
+                <a:schemeClr val="accent1"/>
+              </a:fillRef>
+              <a:effectRef idx="0">
+                <a:schemeClr val="accent1"/>
+              </a:effectRef>
+              <a:fontRef idx="minor">
+                <a:schemeClr val="lt1"/>
+              </a:fontRef>
+            </p:style>
+            <p:txBody>
+              <a:bodyPr rtlCol="0" anchor="ctr"/>
+              <a:lstStyle/>
+              <a:p>
+                <a:pPr algn="ctr"/>
+                <a:endParaRPr lang="ko-KR" altLang="en-US">
+                  <a:solidFill>
+                    <a:prstClr val="white"/>
+                  </a:solidFill>
+                </a:endParaRPr>
+              </a:p>
+            </p:txBody>
+          </p:sp>
+          <p:sp>
+            <p:nvSpPr>
+              <p:cNvPr id="103" name="사각형: 둥근 위쪽 모서리 102">
+                <a:extLst>
+                  <a:ext uri="{FF2B5EF4-FFF2-40B4-BE49-F238E27FC236}">
+                    <a16:creationId xmlns:a16="http://schemas.microsoft.com/office/drawing/2014/main" id="{6182D714-5316-4DB3-8801-9F6D4B29A3C1}"/>
+                  </a:ext>
+                </a:extLst>
+              </p:cNvPr>
+              <p:cNvSpPr/>
+              <p:nvPr/>
+            </p:nvSpPr>
+            <p:spPr>
+              <a:xfrm>
+                <a:off x="11618933" y="1095053"/>
+                <a:ext cx="182356" cy="138724"/>
+              </a:xfrm>
+              <a:prstGeom prst="round2SameRect">
+                <a:avLst/>
+              </a:prstGeom>
+              <a:solidFill>
+                <a:srgbClr val="FFCCCC"/>
+              </a:solidFill>
+              <a:ln>
+                <a:noFill/>
+              </a:ln>
+            </p:spPr>
+            <p:style>
+              <a:lnRef idx="2">
+                <a:schemeClr val="accent1">
+                  <a:shade val="50000"/>
+                </a:schemeClr>
+              </a:lnRef>
+              <a:fillRef idx="1">
+                <a:schemeClr val="accent1"/>
+              </a:fillRef>
+              <a:effectRef idx="0">
+                <a:schemeClr val="accent1"/>
+              </a:effectRef>
+              <a:fontRef idx="minor">
+                <a:schemeClr val="lt1"/>
+              </a:fontRef>
+            </p:style>
+            <p:txBody>
+              <a:bodyPr rtlCol="0" anchor="ctr"/>
+              <a:lstStyle/>
+              <a:p>
+                <a:pPr algn="ctr"/>
+                <a:endParaRPr lang="ko-KR" altLang="en-US">
+                  <a:solidFill>
+                    <a:prstClr val="white"/>
+                  </a:solidFill>
+                </a:endParaRPr>
+              </a:p>
+            </p:txBody>
+          </p:sp>
+        </p:grpSp>
+      </p:grpSp>
+      <p:sp>
+        <p:nvSpPr>
+          <p:cNvPr id="77" name="직사각형 76">
+            <a:extLst>
+              <a:ext uri="{FF2B5EF4-FFF2-40B4-BE49-F238E27FC236}">
+                <a16:creationId xmlns:a16="http://schemas.microsoft.com/office/drawing/2014/main" id="{D3DE655E-52EA-4471-BA87-42A53EDF34DE}"/>
+              </a:ext>
+            </a:extLst>
+          </p:cNvPr>
+          <p:cNvSpPr/>
+          <p:nvPr/>
+        </p:nvSpPr>
+        <p:spPr>
+          <a:xfrm>
+            <a:off x="1289454" y="478076"/>
+            <a:ext cx="3601861" cy="655372"/>
+          </a:xfrm>
+          <a:prstGeom prst="rect">
+            <a:avLst/>
+          </a:prstGeom>
+        </p:spPr>
+        <p:txBody>
+          <a:bodyPr wrap="square">
+            <a:spAutoFit/>
+          </a:bodyPr>
+          <a:lstStyle/>
+          <a:p>
+            <a:pPr>
+              <a:lnSpc>
+                <a:spcPct val="150000"/>
+              </a:lnSpc>
+            </a:pPr>
+            <a:r>
+              <a:rPr lang="ko-KR" altLang="en-US" sz="2800" b="1" dirty="0">
+                <a:solidFill>
+                  <a:prstClr val="black">
+                    <a:lumMod val="65000"/>
+                    <a:lumOff val="35000"/>
+                  </a:prstClr>
+                </a:solidFill>
+              </a:rPr>
+              <a:t>시스템 구성도</a:t>
+            </a:r>
+            <a:endParaRPr lang="en-US" altLang="ko-KR" sz="2800" b="1" dirty="0">
+              <a:solidFill>
+                <a:prstClr val="black">
+                  <a:lumMod val="65000"/>
+                  <a:lumOff val="35000"/>
+                </a:prstClr>
+              </a:solidFill>
+            </a:endParaRPr>
+          </a:p>
+        </p:txBody>
+      </p:sp>
+      <p:grpSp>
+        <p:nvGrpSpPr>
+          <p:cNvPr id="4" name="그룹 3">
+            <a:extLst>
+              <a:ext uri="{FF2B5EF4-FFF2-40B4-BE49-F238E27FC236}">
+                <a16:creationId xmlns:a16="http://schemas.microsoft.com/office/drawing/2014/main" id="{C4258FD8-C15F-4F03-BA55-EA4201E58BB3}"/>
+              </a:ext>
+            </a:extLst>
+          </p:cNvPr>
+          <p:cNvGrpSpPr/>
+          <p:nvPr/>
+        </p:nvGrpSpPr>
+        <p:grpSpPr>
+          <a:xfrm>
+            <a:off x="5517197" y="4515738"/>
+            <a:ext cx="1157605" cy="946297"/>
+            <a:chOff x="3972505" y="3637419"/>
+            <a:chExt cx="1157605" cy="946297"/>
+          </a:xfrm>
+        </p:grpSpPr>
+        <p:sp>
+          <p:nvSpPr>
+            <p:cNvPr id="21" name="object 34">
+              <a:extLst>
+                <a:ext uri="{FF2B5EF4-FFF2-40B4-BE49-F238E27FC236}">
+                  <a16:creationId xmlns:a16="http://schemas.microsoft.com/office/drawing/2014/main" id="{FDE82A8E-F929-4C98-8AE6-558533B5917C}"/>
+                </a:ext>
+              </a:extLst>
+            </p:cNvPr>
+            <p:cNvSpPr/>
+            <p:nvPr/>
+          </p:nvSpPr>
+          <p:spPr>
+            <a:xfrm>
+              <a:off x="3972505" y="3755676"/>
+              <a:ext cx="1157605" cy="828040"/>
+            </a:xfrm>
+            <a:custGeom>
+              <a:avLst/>
+              <a:gdLst/>
+              <a:ahLst/>
+              <a:cxnLst/>
+              <a:rect l="l" t="t" r="r" b="b"/>
+              <a:pathLst>
+                <a:path w="1157604" h="828040">
+                  <a:moveTo>
+                    <a:pt x="0" y="0"/>
+                  </a:moveTo>
+                  <a:lnTo>
+                    <a:pt x="0" y="709537"/>
+                  </a:lnTo>
+                  <a:lnTo>
+                    <a:pt x="4507" y="724371"/>
+                  </a:lnTo>
+                  <a:lnTo>
+                    <a:pt x="38938" y="752278"/>
+                  </a:lnTo>
+                  <a:lnTo>
+                    <a:pt x="103646" y="777100"/>
+                  </a:lnTo>
+                  <a:lnTo>
+                    <a:pt x="145997" y="788076"/>
+                  </a:lnTo>
+                  <a:lnTo>
+                    <a:pt x="194291" y="797949"/>
+                  </a:lnTo>
+                  <a:lnTo>
+                    <a:pt x="247986" y="806606"/>
+                  </a:lnTo>
+                  <a:lnTo>
+                    <a:pt x="306539" y="813938"/>
+                  </a:lnTo>
+                  <a:lnTo>
+                    <a:pt x="369408" y="819834"/>
+                  </a:lnTo>
+                  <a:lnTo>
+                    <a:pt x="436051" y="824182"/>
+                  </a:lnTo>
+                  <a:lnTo>
+                    <a:pt x="505926" y="826872"/>
+                  </a:lnTo>
+                  <a:lnTo>
+                    <a:pt x="578491" y="827794"/>
+                  </a:lnTo>
+                  <a:lnTo>
+                    <a:pt x="651056" y="826872"/>
+                  </a:lnTo>
+                  <a:lnTo>
+                    <a:pt x="720931" y="824182"/>
+                  </a:lnTo>
+                  <a:lnTo>
+                    <a:pt x="787574" y="819834"/>
+                  </a:lnTo>
+                  <a:lnTo>
+                    <a:pt x="850443" y="813938"/>
+                  </a:lnTo>
+                  <a:lnTo>
+                    <a:pt x="908996" y="806606"/>
+                  </a:lnTo>
+                  <a:lnTo>
+                    <a:pt x="962691" y="797949"/>
+                  </a:lnTo>
+                  <a:lnTo>
+                    <a:pt x="1010985" y="788076"/>
+                  </a:lnTo>
+                  <a:lnTo>
+                    <a:pt x="1053337" y="777100"/>
+                  </a:lnTo>
+                  <a:lnTo>
+                    <a:pt x="1118044" y="752278"/>
+                  </a:lnTo>
+                  <a:lnTo>
+                    <a:pt x="1152476" y="724371"/>
+                  </a:lnTo>
+                  <a:lnTo>
+                    <a:pt x="1156983" y="709537"/>
+                  </a:lnTo>
+                  <a:lnTo>
+                    <a:pt x="1156983" y="118256"/>
+                  </a:lnTo>
+                  <a:lnTo>
+                    <a:pt x="578491" y="118256"/>
+                  </a:lnTo>
+                  <a:lnTo>
+                    <a:pt x="505926" y="117335"/>
+                  </a:lnTo>
+                  <a:lnTo>
+                    <a:pt x="436051" y="114645"/>
+                  </a:lnTo>
+                  <a:lnTo>
+                    <a:pt x="369408" y="110296"/>
+                  </a:lnTo>
+                  <a:lnTo>
+                    <a:pt x="306539" y="104401"/>
+                  </a:lnTo>
+                  <a:lnTo>
+                    <a:pt x="247986" y="97069"/>
+                  </a:lnTo>
+                  <a:lnTo>
+                    <a:pt x="194291" y="88411"/>
+                  </a:lnTo>
+                  <a:lnTo>
+                    <a:pt x="145997" y="78539"/>
+                  </a:lnTo>
+                  <a:lnTo>
+                    <a:pt x="103646" y="67562"/>
+                  </a:lnTo>
+                  <a:lnTo>
+                    <a:pt x="38938" y="42741"/>
+                  </a:lnTo>
+                  <a:lnTo>
+                    <a:pt x="4507" y="14833"/>
+                  </a:lnTo>
+                  <a:lnTo>
+                    <a:pt x="0" y="0"/>
+                  </a:lnTo>
+                  <a:close/>
+                </a:path>
+                <a:path w="1157604" h="828040">
+                  <a:moveTo>
+                    <a:pt x="1156983" y="0"/>
+                  </a:moveTo>
+                  <a:lnTo>
+                    <a:pt x="1118044" y="42741"/>
+                  </a:lnTo>
+                  <a:lnTo>
+                    <a:pt x="1053337" y="67562"/>
+                  </a:lnTo>
+                  <a:lnTo>
+                    <a:pt x="1010985" y="78539"/>
+                  </a:lnTo>
+                  <a:lnTo>
+                    <a:pt x="962691" y="88411"/>
+                  </a:lnTo>
+                  <a:lnTo>
+                    <a:pt x="908996" y="97069"/>
+                  </a:lnTo>
+                  <a:lnTo>
+                    <a:pt x="850443" y="104401"/>
+                  </a:lnTo>
+                  <a:lnTo>
+                    <a:pt x="787574" y="110296"/>
+                  </a:lnTo>
+                  <a:lnTo>
+                    <a:pt x="720931" y="114645"/>
+                  </a:lnTo>
+                  <a:lnTo>
+                    <a:pt x="651056" y="117335"/>
+                  </a:lnTo>
+                  <a:lnTo>
+                    <a:pt x="578491" y="118256"/>
+                  </a:lnTo>
+                  <a:lnTo>
+                    <a:pt x="1156983" y="118256"/>
+                  </a:lnTo>
+                  <a:lnTo>
+                    <a:pt x="1156983" y="0"/>
+                  </a:lnTo>
+                  <a:close/>
+                </a:path>
+              </a:pathLst>
+            </a:custGeom>
+            <a:solidFill>
+              <a:srgbClr val="CA9E67"/>
+            </a:solidFill>
+            <a:ln>
+              <a:solidFill>
+                <a:schemeClr val="tx1"/>
+              </a:solidFill>
+            </a:ln>
+          </p:spPr>
+          <p:txBody>
+            <a:bodyPr wrap="square" lIns="0" tIns="0" rIns="0" bIns="0" rtlCol="0" anchor="ctr"/>
+            <a:lstStyle/>
+            <a:p>
+              <a:pPr algn="ctr"/>
+              <a:r>
+                <a:rPr lang="en-US" altLang="ko-KR" b="1" dirty="0"/>
+                <a:t>DB</a:t>
+              </a:r>
+              <a:endParaRPr b="1" dirty="0"/>
+            </a:p>
+          </p:txBody>
+        </p:sp>
+        <p:sp>
+          <p:nvSpPr>
+            <p:cNvPr id="22" name="object 36">
+              <a:extLst>
+                <a:ext uri="{FF2B5EF4-FFF2-40B4-BE49-F238E27FC236}">
+                  <a16:creationId xmlns:a16="http://schemas.microsoft.com/office/drawing/2014/main" id="{C0F04F5D-2186-4556-8038-2D674EBB1327}"/>
+                </a:ext>
+              </a:extLst>
+            </p:cNvPr>
+            <p:cNvSpPr/>
+            <p:nvPr/>
+          </p:nvSpPr>
+          <p:spPr>
+            <a:xfrm>
+              <a:off x="3972505" y="3637419"/>
+              <a:ext cx="1157605" cy="236854"/>
+            </a:xfrm>
+            <a:custGeom>
+              <a:avLst/>
+              <a:gdLst/>
+              <a:ahLst/>
+              <a:cxnLst/>
+              <a:rect l="l" t="t" r="r" b="b"/>
+              <a:pathLst>
+                <a:path w="1157604" h="236854">
+                  <a:moveTo>
+                    <a:pt x="1156984" y="118256"/>
+                  </a:moveTo>
+                  <a:lnTo>
+                    <a:pt x="1118044" y="160998"/>
+                  </a:lnTo>
+                  <a:lnTo>
+                    <a:pt x="1053337" y="185819"/>
+                  </a:lnTo>
+                  <a:lnTo>
+                    <a:pt x="1010985" y="196796"/>
+                  </a:lnTo>
+                  <a:lnTo>
+                    <a:pt x="962691" y="206668"/>
+                  </a:lnTo>
+                  <a:lnTo>
+                    <a:pt x="908996" y="215326"/>
+                  </a:lnTo>
+                  <a:lnTo>
+                    <a:pt x="850444" y="222658"/>
+                  </a:lnTo>
+                  <a:lnTo>
+                    <a:pt x="787574" y="228553"/>
+                  </a:lnTo>
+                  <a:lnTo>
+                    <a:pt x="720931" y="232902"/>
+                  </a:lnTo>
+                  <a:lnTo>
+                    <a:pt x="651056" y="235592"/>
+                  </a:lnTo>
+                  <a:lnTo>
+                    <a:pt x="578492" y="236513"/>
+                  </a:lnTo>
+                  <a:lnTo>
+                    <a:pt x="505927" y="235592"/>
+                  </a:lnTo>
+                  <a:lnTo>
+                    <a:pt x="436052" y="232902"/>
+                  </a:lnTo>
+                  <a:lnTo>
+                    <a:pt x="369409" y="228553"/>
+                  </a:lnTo>
+                  <a:lnTo>
+                    <a:pt x="306540" y="222658"/>
+                  </a:lnTo>
+                  <a:lnTo>
+                    <a:pt x="247987" y="215326"/>
+                  </a:lnTo>
+                  <a:lnTo>
+                    <a:pt x="194292" y="206668"/>
+                  </a:lnTo>
+                  <a:lnTo>
+                    <a:pt x="145998" y="196796"/>
+                  </a:lnTo>
+                  <a:lnTo>
+                    <a:pt x="103646" y="185819"/>
+                  </a:lnTo>
+                  <a:lnTo>
+                    <a:pt x="38939" y="160998"/>
+                  </a:lnTo>
+                  <a:lnTo>
+                    <a:pt x="4507" y="133090"/>
+                  </a:lnTo>
+                  <a:lnTo>
+                    <a:pt x="0" y="118256"/>
+                  </a:lnTo>
+                  <a:lnTo>
+                    <a:pt x="4507" y="103423"/>
+                  </a:lnTo>
+                  <a:lnTo>
+                    <a:pt x="38939" y="75515"/>
+                  </a:lnTo>
+                  <a:lnTo>
+                    <a:pt x="103646" y="50694"/>
+                  </a:lnTo>
+                  <a:lnTo>
+                    <a:pt x="145998" y="39717"/>
+                  </a:lnTo>
+                  <a:lnTo>
+                    <a:pt x="194292" y="29845"/>
+                  </a:lnTo>
+                  <a:lnTo>
+                    <a:pt x="247987" y="21187"/>
+                  </a:lnTo>
+                  <a:lnTo>
+                    <a:pt x="306540" y="13855"/>
+                  </a:lnTo>
+                  <a:lnTo>
+                    <a:pt x="369409" y="7960"/>
+                  </a:lnTo>
+                  <a:lnTo>
+                    <a:pt x="436052" y="3611"/>
+                  </a:lnTo>
+                  <a:lnTo>
+                    <a:pt x="505927" y="921"/>
+                  </a:lnTo>
+                  <a:lnTo>
+                    <a:pt x="578492" y="0"/>
+                  </a:lnTo>
+                  <a:lnTo>
+                    <a:pt x="651056" y="921"/>
+                  </a:lnTo>
+                  <a:lnTo>
+                    <a:pt x="720931" y="3611"/>
+                  </a:lnTo>
+                  <a:lnTo>
+                    <a:pt x="787574" y="7960"/>
+                  </a:lnTo>
+                  <a:lnTo>
+                    <a:pt x="850444" y="13855"/>
+                  </a:lnTo>
+                  <a:lnTo>
+                    <a:pt x="908996" y="21187"/>
+                  </a:lnTo>
+                  <a:lnTo>
+                    <a:pt x="962691" y="29845"/>
+                  </a:lnTo>
+                  <a:lnTo>
+                    <a:pt x="1010985" y="39717"/>
+                  </a:lnTo>
+                  <a:lnTo>
+                    <a:pt x="1053337" y="50694"/>
+                  </a:lnTo>
+                  <a:lnTo>
+                    <a:pt x="1118044" y="75515"/>
+                  </a:lnTo>
+                  <a:lnTo>
+                    <a:pt x="1152476" y="103423"/>
+                  </a:lnTo>
+                  <a:lnTo>
+                    <a:pt x="1156984" y="118256"/>
+                  </a:lnTo>
+                  <a:close/>
+                </a:path>
+              </a:pathLst>
+            </a:custGeom>
+            <a:solidFill>
+              <a:srgbClr val="CA9E67"/>
+            </a:solidFill>
+            <a:ln w="12700">
+              <a:solidFill>
+                <a:schemeClr val="tx1"/>
+              </a:solidFill>
+            </a:ln>
+          </p:spPr>
+          <p:txBody>
+            <a:bodyPr wrap="square" lIns="0" tIns="0" rIns="0" bIns="0" rtlCol="0"/>
+            <a:lstStyle/>
+            <a:p>
+              <a:endParaRPr/>
+            </a:p>
+          </p:txBody>
+        </p:sp>
+      </p:grpSp>
+      <p:sp>
+        <p:nvSpPr>
+          <p:cNvPr id="7" name="직사각형 6">
+            <a:extLst>
+              <a:ext uri="{FF2B5EF4-FFF2-40B4-BE49-F238E27FC236}">
+                <a16:creationId xmlns:a16="http://schemas.microsoft.com/office/drawing/2014/main" id="{64068B38-E494-4DFB-B7E9-A3130A72FFC9}"/>
+              </a:ext>
+            </a:extLst>
+          </p:cNvPr>
+          <p:cNvSpPr/>
+          <p:nvPr/>
+        </p:nvSpPr>
+        <p:spPr>
+          <a:xfrm>
+            <a:off x="3090384" y="4026716"/>
+            <a:ext cx="1246724" cy="489022"/>
+          </a:xfrm>
+          <a:prstGeom prst="rect">
+            <a:avLst/>
+          </a:prstGeom>
+          <a:solidFill>
+            <a:srgbClr val="EAB574"/>
+          </a:solidFill>
+          <a:ln>
+            <a:noFill/>
+          </a:ln>
+        </p:spPr>
+        <p:style>
+          <a:lnRef idx="2">
+            <a:schemeClr val="accent1">
+              <a:shade val="50000"/>
+            </a:schemeClr>
+          </a:lnRef>
+          <a:fillRef idx="1">
+            <a:schemeClr val="accent1"/>
+          </a:fillRef>
+          <a:effectRef idx="0">
+            <a:schemeClr val="accent1"/>
+          </a:effectRef>
+          <a:fontRef idx="minor">
+            <a:schemeClr val="lt1"/>
+          </a:fontRef>
+        </p:style>
+        <p:txBody>
+          <a:bodyPr rtlCol="0" anchor="ctr"/>
+          <a:lstStyle/>
+          <a:p>
+            <a:pPr algn="ctr"/>
+            <a:r>
+              <a:rPr lang="en-US" altLang="ko-KR" b="1" dirty="0">
+                <a:solidFill>
+                  <a:schemeClr val="tx1"/>
+                </a:solidFill>
+              </a:rPr>
+              <a:t>Diary</a:t>
+            </a:r>
+            <a:endParaRPr lang="ko-KR" altLang="en-US" b="1" dirty="0">
+              <a:solidFill>
+                <a:schemeClr val="tx1"/>
+              </a:solidFill>
+            </a:endParaRPr>
+          </a:p>
+        </p:txBody>
+      </p:sp>
+      <p:sp>
+        <p:nvSpPr>
+          <p:cNvPr id="28" name="직사각형 27">
+            <a:extLst>
+              <a:ext uri="{FF2B5EF4-FFF2-40B4-BE49-F238E27FC236}">
+                <a16:creationId xmlns:a16="http://schemas.microsoft.com/office/drawing/2014/main" id="{7767284E-E211-4806-AB5D-BD46597CE485}"/>
+              </a:ext>
+            </a:extLst>
+          </p:cNvPr>
+          <p:cNvSpPr/>
+          <p:nvPr/>
+        </p:nvSpPr>
+        <p:spPr>
+          <a:xfrm>
+            <a:off x="7854894" y="4021688"/>
+            <a:ext cx="1246724" cy="489022"/>
+          </a:xfrm>
+          <a:prstGeom prst="rect">
+            <a:avLst/>
+          </a:prstGeom>
+          <a:solidFill>
+            <a:srgbClr val="EAB574"/>
+          </a:solidFill>
+          <a:ln>
+            <a:noFill/>
+          </a:ln>
+        </p:spPr>
+        <p:style>
+          <a:lnRef idx="2">
+            <a:schemeClr val="accent1">
+              <a:shade val="50000"/>
+            </a:schemeClr>
+          </a:lnRef>
+          <a:fillRef idx="1">
+            <a:schemeClr val="accent1"/>
+          </a:fillRef>
+          <a:effectRef idx="0">
+            <a:schemeClr val="accent1"/>
+          </a:effectRef>
+          <a:fontRef idx="minor">
+            <a:schemeClr val="lt1"/>
+          </a:fontRef>
+        </p:style>
+        <p:txBody>
+          <a:bodyPr rtlCol="0" anchor="ctr"/>
+          <a:lstStyle/>
+          <a:p>
+            <a:pPr algn="ctr"/>
+            <a:r>
+              <a:rPr lang="en-US" altLang="ko-KR" b="1" dirty="0">
+                <a:solidFill>
+                  <a:schemeClr val="tx1"/>
+                </a:solidFill>
+              </a:rPr>
+              <a:t>To-Do</a:t>
+            </a:r>
+            <a:endParaRPr lang="ko-KR" altLang="en-US" b="1" dirty="0">
+              <a:solidFill>
+                <a:schemeClr val="tx1"/>
+              </a:solidFill>
+            </a:endParaRPr>
+          </a:p>
+        </p:txBody>
+      </p:sp>
+    </p:spTree>
+    <p:extLst>
+      <p:ext uri="{BB962C8B-B14F-4D97-AF65-F5344CB8AC3E}">
+        <p14:creationId xmlns:p14="http://schemas.microsoft.com/office/powerpoint/2010/main" val="250681416"/>
+      </p:ext>
+    </p:extLst>
+  </p:cSld>
+  <p:clrMapOvr>
+    <a:masterClrMapping/>
+  </p:clrMapOvr>
+</p:sld>
+</file>
+
+<file path=ppt/slides/slide12.xml><?xml version="1.0" encoding="utf-8"?>
 <p:sld xmlns:a="http://schemas.openxmlformats.org/drawingml/2006/main" xmlns:r="http://schemas.openxmlformats.org/officeDocument/2006/relationships" xmlns:p="http://schemas.openxmlformats.org/presentationml/2006/main">
   <p:cSld>
     <p:spTree>
@@ -10524,7 +13403,7 @@
 </p:sld>
 </file>
 
-<file path=ppt/slides/slide11.xml><?xml version="1.0" encoding="utf-8"?>
+<file path=ppt/slides/slide13.xml><?xml version="1.0" encoding="utf-8"?>
 <p:sld xmlns:a="http://schemas.openxmlformats.org/drawingml/2006/main" xmlns:r="http://schemas.openxmlformats.org/officeDocument/2006/relationships" xmlns:p="http://schemas.openxmlformats.org/presentationml/2006/main">
   <p:cSld>
     <p:spTree>
@@ -11534,7 +14413,7 @@
 </p:sld>
 </file>
 
-<file path=ppt/slides/slide12.xml><?xml version="1.0" encoding="utf-8"?>
+<file path=ppt/slides/slide14.xml><?xml version="1.0" encoding="utf-8"?>
 <p:sld xmlns:a="http://schemas.openxmlformats.org/drawingml/2006/main" xmlns:r="http://schemas.openxmlformats.org/officeDocument/2006/relationships" xmlns:p="http://schemas.openxmlformats.org/presentationml/2006/main">
   <p:cSld>
     <p:spTree>
@@ -15686,7 +18565,7 @@
 </p:sld>
 </file>
 
-<file path=ppt/slides/slide13.xml><?xml version="1.0" encoding="utf-8"?>
+<file path=ppt/slides/slide15.xml><?xml version="1.0" encoding="utf-8"?>
 <p:sld xmlns:a="http://schemas.openxmlformats.org/drawingml/2006/main" xmlns:r="http://schemas.openxmlformats.org/officeDocument/2006/relationships" xmlns:p="http://schemas.openxmlformats.org/presentationml/2006/main">
   <p:cSld>
     <p:spTree>
@@ -19492,6 +22371,14 @@
                 <a:buChar char="-"/>
               </a:pPr>
               <a:r>
+                <a:rPr lang="en-US" altLang="ko-KR" dirty="0">
+                  <a:solidFill>
+                    <a:schemeClr val="tx1"/>
+                  </a:solidFill>
+                </a:rPr>
+                <a:t>‘</a:t>
+              </a:r>
+              <a:r>
                 <a:rPr lang="ko-KR" altLang="en-US" dirty="0">
                   <a:solidFill>
                     <a:schemeClr val="tx1"/>
@@ -19505,21 +22392,8 @@
                     <a:schemeClr val="tx1"/>
                   </a:solidFill>
                 </a:rPr>
-                <a:t>.</a:t>
+                <a:t>.’</a:t>
               </a:r>
-              <a:r>
-                <a:rPr lang="ko-KR" altLang="en-US" dirty="0">
-                  <a:solidFill>
-                    <a:schemeClr val="tx1"/>
-                  </a:solidFill>
-                </a:rPr>
-                <a:t> </a:t>
-              </a:r>
-              <a:endParaRPr lang="en-US" altLang="ko-KR" dirty="0">
-                <a:solidFill>
-                  <a:schemeClr val="tx1"/>
-                </a:solidFill>
-              </a:endParaRPr>
             </a:p>
             <a:p>
               <a:r>
@@ -19528,7 +22402,7 @@
                     <a:schemeClr val="tx1"/>
                   </a:solidFill>
                 </a:rPr>
-                <a:t>   동등한 그 시간 활용에 따라 지루한 하루</a:t>
+                <a:t>   시간 활용에 따라 지루한 하루</a:t>
               </a:r>
               <a:r>
                 <a:rPr lang="en-US" altLang="ko-KR" dirty="0">
@@ -19573,6 +22447,40 @@
                     <a:schemeClr val="tx1"/>
                   </a:solidFill>
                 </a:rPr>
+                <a:t>‘</a:t>
+              </a:r>
+              <a:r>
+                <a:rPr lang="ko-KR" altLang="en-US" dirty="0">
+                  <a:solidFill>
+                    <a:schemeClr val="tx1"/>
+                  </a:solidFill>
+                </a:rPr>
+                <a:t>검색기능을 통해 쉽게 찾을 수 있습니다</a:t>
+              </a:r>
+              <a:r>
+                <a:rPr lang="en-US" altLang="ko-KR" dirty="0">
+                  <a:solidFill>
+                    <a:schemeClr val="tx1"/>
+                  </a:solidFill>
+                </a:rPr>
+                <a:t>.’</a:t>
+              </a:r>
+            </a:p>
+            <a:p>
+              <a:r>
+                <a:rPr lang="ko-KR" altLang="en-US" dirty="0">
+                  <a:solidFill>
+                    <a:schemeClr val="tx1"/>
+                  </a:solidFill>
+                </a:rPr>
+                <a:t>    </a:t>
+              </a:r>
+              <a:r>
+                <a:rPr lang="en-US" altLang="ko-KR" dirty="0">
+                  <a:solidFill>
+                    <a:schemeClr val="tx1"/>
+                  </a:solidFill>
+                </a:rPr>
                 <a:t>“</a:t>
               </a:r>
               <a:r>
@@ -19581,15 +22489,7 @@
                     <a:schemeClr val="tx1"/>
                   </a:solidFill>
                 </a:rPr>
-                <a:t>어제 내가 </a:t>
-              </a:r>
-              <a:r>
-                <a:rPr lang="ko-KR" altLang="en-US" dirty="0" err="1">
-                  <a:solidFill>
-                    <a:schemeClr val="tx1"/>
-                  </a:solidFill>
-                </a:rPr>
-                <a:t>뭐먹었지</a:t>
+                <a:t>어제 내가 뭐 먹었지</a:t>
               </a:r>
               <a:r>
                 <a:rPr lang="en-US" altLang="ko-KR" dirty="0">
@@ -19621,7 +22521,15 @@
                     <a:schemeClr val="tx1"/>
                   </a:solidFill>
                 </a:rPr>
-                <a:t>지난주 월요일에 뭘 했지</a:t>
+                <a:t>주말에 </a:t>
+              </a:r>
+              <a:r>
+                <a:rPr lang="ko-KR" altLang="en-US" dirty="0" err="1">
+                  <a:solidFill>
+                    <a:schemeClr val="tx1"/>
+                  </a:solidFill>
+                </a:rPr>
+                <a:t>뭐했지</a:t>
               </a:r>
               <a:r>
                 <a:rPr lang="en-US" altLang="ko-KR" dirty="0">
@@ -19631,15 +22539,13 @@
                 </a:rPr>
                 <a:t>?”</a:t>
               </a:r>
-            </a:p>
-            <a:p>
               <a:r>
                 <a:rPr lang="ko-KR" altLang="en-US" dirty="0">
                   <a:solidFill>
                     <a:schemeClr val="tx1"/>
                   </a:solidFill>
                 </a:rPr>
-                <a:t>    위의 말처럼 최근의 일도 기억해내지 못하는 상황이 일어납니다</a:t>
+                <a:t> 검색기능을 통해 바로 기억을 되찾을 수 있습니다</a:t>
               </a:r>
               <a:r>
                 <a:rPr lang="en-US" altLang="ko-KR" dirty="0">
@@ -19657,7 +22563,76 @@
                     <a:schemeClr val="tx1"/>
                   </a:solidFill>
                 </a:rPr>
-                <a:t>    검색 기능을 통해 좀 더 쉽게 상기 시켜줍니다</a:t>
+                <a:t>    </a:t>
+              </a:r>
+              <a:endParaRPr lang="en-US" altLang="ko-KR" dirty="0">
+                <a:solidFill>
+                  <a:schemeClr val="tx1"/>
+                </a:solidFill>
+              </a:endParaRPr>
+            </a:p>
+            <a:p>
+              <a:pPr marL="285750" indent="-285750">
+                <a:buFontTx/>
+                <a:buChar char="-"/>
+              </a:pPr>
+              <a:r>
+                <a:rPr lang="en-US" altLang="ko-KR" dirty="0">
+                  <a:solidFill>
+                    <a:schemeClr val="tx1"/>
+                  </a:solidFill>
+                </a:rPr>
+                <a:t>‘</a:t>
+              </a:r>
+              <a:r>
+                <a:rPr lang="ko-KR" altLang="en-US" dirty="0">
+                  <a:solidFill>
+                    <a:schemeClr val="tx1"/>
+                  </a:solidFill>
+                </a:rPr>
+                <a:t>바쁜 현대인들은 일과 공부에 </a:t>
+              </a:r>
+              <a:r>
+                <a:rPr lang="ko-KR" altLang="en-US" dirty="0" err="1">
+                  <a:solidFill>
+                    <a:schemeClr val="tx1"/>
+                  </a:solidFill>
+                </a:rPr>
+                <a:t>치여살고있습니다</a:t>
+              </a:r>
+              <a:r>
+                <a:rPr lang="en-US" altLang="ko-KR" dirty="0">
+                  <a:solidFill>
+                    <a:schemeClr val="tx1"/>
+                  </a:solidFill>
+                </a:rPr>
+                <a:t>.’</a:t>
+              </a:r>
+            </a:p>
+            <a:p>
+              <a:r>
+                <a:rPr lang="ko-KR" altLang="en-US" dirty="0">
+                  <a:solidFill>
+                    <a:schemeClr val="tx1"/>
+                  </a:solidFill>
+                </a:rPr>
+                <a:t>    하나씩 할 일을 완료해 나가는 </a:t>
+              </a:r>
+              <a:r>
+                <a:rPr lang="ko-KR" altLang="en-US" dirty="0" err="1">
+                  <a:solidFill>
+                    <a:schemeClr val="tx1"/>
+                  </a:solidFill>
+                </a:rPr>
+                <a:t>과정속에서</a:t>
+              </a:r>
+              <a:r>
+                <a:rPr lang="ko-KR" altLang="en-US" dirty="0">
+                  <a:solidFill>
+                    <a:schemeClr val="tx1"/>
+                  </a:solidFill>
+                </a:rPr>
+                <a:t> 성취감과 소소한 행복을 느끼곤 합니다</a:t>
               </a:r>
               <a:r>
                 <a:rPr lang="en-US" altLang="ko-KR" dirty="0">
@@ -19681,12 +22656,44 @@
                 <a:buChar char="-"/>
               </a:pPr>
               <a:r>
+                <a:rPr lang="en-US" altLang="ko-KR" dirty="0">
+                  <a:solidFill>
+                    <a:schemeClr val="tx1"/>
+                  </a:solidFill>
+                </a:rPr>
+                <a:t>‘</a:t>
+              </a:r>
+              <a:r>
                 <a:rPr lang="ko-KR" altLang="en-US" dirty="0">
                   <a:solidFill>
                     <a:schemeClr val="tx1"/>
                   </a:solidFill>
                 </a:rPr>
-                <a:t>바쁜 현대인들은 일과 공부에 힘들게 삽니다</a:t>
+                <a:t>폴라로이드 다이어리</a:t>
+              </a:r>
+              <a:r>
+                <a:rPr lang="en-US" altLang="ko-KR" dirty="0">
+                  <a:solidFill>
+                    <a:schemeClr val="tx1"/>
+                  </a:solidFill>
+                </a:rPr>
+                <a:t>’</a:t>
+              </a:r>
+              <a:r>
+                <a:rPr lang="ko-KR" altLang="en-US" dirty="0" err="1">
+                  <a:solidFill>
+                    <a:schemeClr val="tx1"/>
+                  </a:solidFill>
+                </a:rPr>
+                <a:t>를</a:t>
+              </a:r>
+              <a:r>
+                <a:rPr lang="ko-KR" altLang="en-US" dirty="0">
+                  <a:solidFill>
+                    <a:schemeClr val="tx1"/>
+                  </a:solidFill>
+                </a:rPr>
+                <a:t> 통해 현대인들은 소소한 행복과 성취감을 얻음으로써 즐거운 일상을 보낼 수 있게 될 것입니다</a:t>
               </a:r>
               <a:r>
                 <a:rPr lang="en-US" altLang="ko-KR" dirty="0">
@@ -19696,116 +22703,6 @@
                 </a:rPr>
                 <a:t>.</a:t>
               </a:r>
-            </a:p>
-            <a:p>
-              <a:r>
-                <a:rPr lang="ko-KR" altLang="en-US" dirty="0">
-                  <a:solidFill>
-                    <a:schemeClr val="tx1"/>
-                  </a:solidFill>
-                </a:rPr>
-                <a:t>   그 와중에도 하나하나의 일을 완료해가며</a:t>
-              </a:r>
-              <a:r>
-                <a:rPr lang="en-US" altLang="ko-KR" dirty="0">
-                  <a:solidFill>
-                    <a:schemeClr val="tx1"/>
-                  </a:solidFill>
-                </a:rPr>
-                <a:t>,</a:t>
-              </a:r>
-              <a:r>
-                <a:rPr lang="ko-KR" altLang="en-US" dirty="0">
-                  <a:solidFill>
-                    <a:schemeClr val="tx1"/>
-                  </a:solidFill>
-                </a:rPr>
-                <a:t> 성취감과 소소한 행복함을 느낍니다</a:t>
-              </a:r>
-              <a:r>
-                <a:rPr lang="en-US" altLang="ko-KR" dirty="0">
-                  <a:solidFill>
-                    <a:schemeClr val="tx1"/>
-                  </a:solidFill>
-                </a:rPr>
-                <a:t>.</a:t>
-              </a:r>
-            </a:p>
-            <a:p>
-              <a:endParaRPr lang="en-US" altLang="ko-KR" dirty="0">
-                <a:solidFill>
-                  <a:schemeClr val="tx1"/>
-                </a:solidFill>
-              </a:endParaRPr>
-            </a:p>
-            <a:p>
-              <a:pPr marL="285750" indent="-285750">
-                <a:buFontTx/>
-                <a:buChar char="-"/>
-              </a:pPr>
-              <a:r>
-                <a:rPr lang="ko-KR" altLang="en-US" dirty="0">
-                  <a:solidFill>
-                    <a:schemeClr val="tx1"/>
-                  </a:solidFill>
-                </a:rPr>
-                <a:t>다이어리를 통해 사소한 추억을 쌓고 </a:t>
-              </a:r>
-              <a:r>
-                <a:rPr lang="ko-KR" altLang="en-US" dirty="0" err="1">
-                  <a:solidFill>
-                    <a:schemeClr val="tx1"/>
-                  </a:solidFill>
-                </a:rPr>
-                <a:t>투두를</a:t>
-              </a:r>
-              <a:r>
-                <a:rPr lang="ko-KR" altLang="en-US" dirty="0">
-                  <a:solidFill>
-                    <a:schemeClr val="tx1"/>
-                  </a:solidFill>
-                </a:rPr>
-                <a:t> 통해 사소한 성취감을 느낍니다</a:t>
-              </a:r>
-              <a:r>
-                <a:rPr lang="en-US" altLang="ko-KR" dirty="0">
-                  <a:solidFill>
-                    <a:schemeClr val="tx1"/>
-                  </a:solidFill>
-                </a:rPr>
-                <a:t>.</a:t>
-              </a:r>
-            </a:p>
-            <a:p>
-              <a:r>
-                <a:rPr lang="ko-KR" altLang="en-US" dirty="0">
-                  <a:solidFill>
-                    <a:schemeClr val="tx1"/>
-                  </a:solidFill>
-                </a:rPr>
-                <a:t>   사소하지만 매일 추억과 성취감을 얻음으로써 현대인들이 보다 나은 일상을 보낼 수 있습니다</a:t>
-              </a:r>
-              <a:r>
-                <a:rPr lang="en-US" altLang="ko-KR" dirty="0">
-                  <a:solidFill>
-                    <a:schemeClr val="tx1"/>
-                  </a:solidFill>
-                </a:rPr>
-                <a:t>.</a:t>
-              </a:r>
-              <a:r>
-                <a:rPr lang="ko-KR" altLang="en-US" dirty="0">
-                  <a:solidFill>
-                    <a:schemeClr val="tx1"/>
-                  </a:solidFill>
-                </a:rPr>
-                <a:t> </a:t>
-              </a:r>
-              <a:endParaRPr lang="en-US" altLang="ko-KR" dirty="0">
-                <a:solidFill>
-                  <a:schemeClr val="tx1"/>
-                </a:solidFill>
-              </a:endParaRPr>
             </a:p>
           </p:txBody>
         </p:sp>
@@ -25311,7 +28208,7 @@
               </a:lnSpc>
             </a:pPr>
             <a:r>
-              <a:rPr lang="ko-KR" altLang="en-US" sz="2800" b="1" dirty="0" err="1">
+              <a:rPr lang="ko-KR" altLang="en-US" sz="2800" b="1" dirty="0">
                 <a:solidFill>
                   <a:prstClr val="black">
                     <a:lumMod val="65000"/>
@@ -25319,7 +28216,7 @@
                   </a:prstClr>
                 </a:solidFill>
               </a:rPr>
-              <a:t>차별점</a:t>
+              <a:t>벤치마킹</a:t>
             </a:r>
             <a:endParaRPr lang="en-US" altLang="ko-KR" sz="2800" b="1" dirty="0">
               <a:solidFill>
@@ -25334,10 +28231,10 @@
       </p:sp>
       <p:sp>
         <p:nvSpPr>
-          <p:cNvPr id="3" name="직사각형 2">
+          <p:cNvPr id="29" name="object 3">
             <a:extLst>
               <a:ext uri="{FF2B5EF4-FFF2-40B4-BE49-F238E27FC236}">
-                <a16:creationId xmlns:a16="http://schemas.microsoft.com/office/drawing/2014/main" id="{AA9BC46C-0375-1048-9F28-EB560C95137E}"/>
+                <a16:creationId xmlns:a16="http://schemas.microsoft.com/office/drawing/2014/main" id="{0A2B84EF-3564-490B-9ADD-3B6D25666A12}"/>
               </a:ext>
             </a:extLst>
           </p:cNvPr>
@@ -25346,164 +28243,108 @@
         </p:nvSpPr>
         <p:spPr>
           <a:xfrm>
-            <a:off x="2147334" y="1765999"/>
-            <a:ext cx="8177841" cy="1299859"/>
+            <a:off x="6815897" y="5478678"/>
+            <a:ext cx="3600000" cy="1080000"/>
           </a:xfrm>
-          <a:prstGeom prst="rect">
+          <a:custGeom>
             <a:avLst/>
-          </a:prstGeom>
+            <a:gdLst/>
+            <a:ahLst/>
+            <a:cxnLst/>
+            <a:rect l="l" t="t" r="r" b="b"/>
+            <a:pathLst>
+              <a:path w="5342890" h="1316990">
+                <a:moveTo>
+                  <a:pt x="4875963" y="0"/>
+                </a:moveTo>
+                <a:lnTo>
+                  <a:pt x="222538" y="0"/>
+                </a:lnTo>
+                <a:lnTo>
+                  <a:pt x="177689" y="4521"/>
+                </a:lnTo>
+                <a:lnTo>
+                  <a:pt x="135916" y="17488"/>
+                </a:lnTo>
+                <a:lnTo>
+                  <a:pt x="98115" y="38006"/>
+                </a:lnTo>
+                <a:lnTo>
+                  <a:pt x="65180" y="65180"/>
+                </a:lnTo>
+                <a:lnTo>
+                  <a:pt x="38006" y="98116"/>
+                </a:lnTo>
+                <a:lnTo>
+                  <a:pt x="17488" y="135917"/>
+                </a:lnTo>
+                <a:lnTo>
+                  <a:pt x="4521" y="177690"/>
+                </a:lnTo>
+                <a:lnTo>
+                  <a:pt x="0" y="222540"/>
+                </a:lnTo>
+                <a:lnTo>
+                  <a:pt x="0" y="1316851"/>
+                </a:lnTo>
+                <a:lnTo>
+                  <a:pt x="5342338" y="1316851"/>
+                </a:lnTo>
+                <a:lnTo>
+                  <a:pt x="5342338" y="466376"/>
+                </a:lnTo>
+                <a:lnTo>
+                  <a:pt x="4875963" y="0"/>
+                </a:lnTo>
+                <a:close/>
+              </a:path>
+            </a:pathLst>
+          </a:custGeom>
           <a:solidFill>
             <a:srgbClr val="EAB574"/>
           </a:solidFill>
         </p:spPr>
-        <p:style>
-          <a:lnRef idx="2">
-            <a:schemeClr val="accent1">
-              <a:shade val="50000"/>
-            </a:schemeClr>
-          </a:lnRef>
-          <a:fillRef idx="1">
-            <a:schemeClr val="accent1"/>
-          </a:fillRef>
-          <a:effectRef idx="0">
-            <a:schemeClr val="accent1"/>
-          </a:effectRef>
-          <a:fontRef idx="minor">
-            <a:schemeClr val="lt1"/>
-          </a:fontRef>
-        </p:style>
         <p:txBody>
-          <a:bodyPr rtlCol="0" anchor="ctr"/>
+          <a:bodyPr wrap="square" lIns="0" tIns="0" rIns="0" bIns="0" rtlCol="0"/>
           <a:lstStyle/>
           <a:p>
-            <a:pPr marL="285750" indent="-285750">
+            <a:endParaRPr lang="ko-KR" altLang="en-US" sz="1200" b="1" dirty="0"/>
+          </a:p>
+          <a:p>
+            <a:r>
+              <a:rPr lang="en-US" altLang="ko-KR" sz="1200" b="1" dirty="0"/>
+              <a:t>&lt;</a:t>
+            </a:r>
+            <a:r>
+              <a:rPr lang="ko-KR" altLang="en-US" sz="1200" b="1" dirty="0"/>
+              <a:t>폴라로이드 사진</a:t>
+            </a:r>
+            <a:r>
+              <a:rPr lang="en-US" altLang="ko-KR" sz="1200" b="1" dirty="0"/>
+              <a:t>&gt;</a:t>
+            </a:r>
+          </a:p>
+          <a:p>
+            <a:endParaRPr lang="en-US" altLang="ko-KR" sz="1200" b="1" dirty="0"/>
+          </a:p>
+          <a:p>
+            <a:pPr marL="171450" indent="-171450">
               <a:buFontTx/>
               <a:buChar char="-"/>
             </a:pPr>
             <a:r>
-              <a:rPr kumimoji="1" lang="ko-Kore-KR" altLang="en-US" sz="1600" b="1" dirty="0">
-                <a:solidFill>
-                  <a:schemeClr val="tx1"/>
-                </a:solidFill>
-              </a:rPr>
-              <a:t>다이어리</a:t>
+              <a:rPr kumimoji="1" lang="ko-KR" altLang="en-US" sz="1200" b="1" dirty="0"/>
+              <a:t>감성 있는 디자인으로 추억 남기는 용도로 많이 사용하는 여행 필수 아이템</a:t>
             </a:r>
-            <a:r>
-              <a:rPr kumimoji="1" lang="ko-KR" altLang="en-US" sz="1600" b="1" dirty="0">
-                <a:solidFill>
-                  <a:schemeClr val="tx1"/>
-                </a:solidFill>
-              </a:rPr>
-              <a:t>만 존재한다거나</a:t>
-            </a:r>
-            <a:r>
-              <a:rPr kumimoji="1" lang="en-US" altLang="ko-KR" sz="1600" b="1" dirty="0">
-                <a:solidFill>
-                  <a:schemeClr val="tx1"/>
-                </a:solidFill>
-              </a:rPr>
-              <a:t>,</a:t>
-            </a:r>
-            <a:r>
-              <a:rPr kumimoji="1" lang="ko-KR" altLang="en-US" sz="1600" b="1" dirty="0">
-                <a:solidFill>
-                  <a:schemeClr val="tx1"/>
-                </a:solidFill>
-              </a:rPr>
-              <a:t> </a:t>
-            </a:r>
-            <a:r>
-              <a:rPr kumimoji="1" lang="ko-KR" altLang="en-US" sz="1600" b="1" dirty="0" err="1">
-                <a:solidFill>
-                  <a:schemeClr val="tx1"/>
-                </a:solidFill>
-              </a:rPr>
-              <a:t>투두만</a:t>
-            </a:r>
-            <a:r>
-              <a:rPr kumimoji="1" lang="ko-KR" altLang="en-US" sz="1600" b="1" dirty="0">
-                <a:solidFill>
-                  <a:schemeClr val="tx1"/>
-                </a:solidFill>
-              </a:rPr>
-              <a:t> 존재하는 </a:t>
-            </a:r>
-            <a:r>
-              <a:rPr kumimoji="1" lang="ko-KR" altLang="en-US" sz="1600" b="1" dirty="0" err="1">
-                <a:solidFill>
-                  <a:schemeClr val="tx1"/>
-                </a:solidFill>
-              </a:rPr>
-              <a:t>어플이</a:t>
-            </a:r>
-            <a:r>
-              <a:rPr kumimoji="1" lang="ko-KR" altLang="en-US" sz="1600" b="1" dirty="0">
-                <a:solidFill>
-                  <a:schemeClr val="tx1"/>
-                </a:solidFill>
-              </a:rPr>
-              <a:t> 대다수</a:t>
-            </a:r>
-            <a:endParaRPr kumimoji="1" lang="en-US" altLang="ko-KR" sz="1600" b="1" dirty="0">
-              <a:solidFill>
-                <a:schemeClr val="tx1"/>
-              </a:solidFill>
-            </a:endParaRPr>
-          </a:p>
-          <a:p>
-            <a:pPr marL="285750" indent="-285750">
-              <a:buFontTx/>
-              <a:buChar char="-"/>
-            </a:pPr>
-            <a:r>
-              <a:rPr kumimoji="1" lang="ko-KR" altLang="en-US" sz="1600" b="1" dirty="0" err="1">
-                <a:solidFill>
-                  <a:schemeClr val="tx1"/>
-                </a:solidFill>
-              </a:rPr>
-              <a:t>사진첨부를</a:t>
-            </a:r>
-            <a:r>
-              <a:rPr kumimoji="1" lang="ko-KR" altLang="en-US" sz="1600" b="1" dirty="0">
-                <a:solidFill>
-                  <a:schemeClr val="tx1"/>
-                </a:solidFill>
-              </a:rPr>
-              <a:t> 못하는 다이어리</a:t>
-            </a:r>
-            <a:endParaRPr kumimoji="1" lang="en-US" altLang="ko-KR" sz="1600" b="1" dirty="0">
-              <a:solidFill>
-                <a:schemeClr val="tx1"/>
-              </a:solidFill>
-            </a:endParaRPr>
-          </a:p>
-          <a:p>
-            <a:pPr marL="285750" indent="-285750">
-              <a:buFontTx/>
-              <a:buChar char="-"/>
-            </a:pPr>
-            <a:r>
-              <a:rPr kumimoji="1" lang="ko-KR" altLang="en-US" sz="1600" b="1" dirty="0">
-                <a:solidFill>
-                  <a:schemeClr val="tx1"/>
-                </a:solidFill>
-              </a:rPr>
-              <a:t>검색기능이 없는 다이어리</a:t>
-            </a:r>
-            <a:endParaRPr kumimoji="1" lang="ko-Kore-KR" altLang="en-US" sz="1600" b="1" dirty="0">
-              <a:solidFill>
-                <a:schemeClr val="tx1"/>
-              </a:solidFill>
-            </a:endParaRPr>
           </a:p>
         </p:txBody>
       </p:sp>
       <p:sp>
         <p:nvSpPr>
-          <p:cNvPr id="4" name="오각형[P] 3">
+          <p:cNvPr id="30" name="object 3">
             <a:extLst>
               <a:ext uri="{FF2B5EF4-FFF2-40B4-BE49-F238E27FC236}">
-                <a16:creationId xmlns:a16="http://schemas.microsoft.com/office/drawing/2014/main" id="{512BE87B-3F93-C346-8E58-FCFD451C9CB4}"/>
+                <a16:creationId xmlns:a16="http://schemas.microsoft.com/office/drawing/2014/main" id="{0F5349CE-0E3F-4F06-9B12-3CA16A8BDFA2}"/>
               </a:ext>
             </a:extLst>
           </p:cNvPr>
@@ -25512,255 +28353,167 @@
         </p:nvSpPr>
         <p:spPr>
           <a:xfrm>
-            <a:off x="1966823" y="1543979"/>
-            <a:ext cx="3746455" cy="441790"/>
+            <a:off x="2113278" y="5485229"/>
+            <a:ext cx="3600000" cy="1080000"/>
           </a:xfrm>
-          <a:prstGeom prst="homePlate">
+          <a:custGeom>
             <a:avLst/>
-          </a:prstGeom>
+            <a:gdLst/>
+            <a:ahLst/>
+            <a:cxnLst/>
+            <a:rect l="l" t="t" r="r" b="b"/>
+            <a:pathLst>
+              <a:path w="5342890" h="1316990">
+                <a:moveTo>
+                  <a:pt x="4875963" y="0"/>
+                </a:moveTo>
+                <a:lnTo>
+                  <a:pt x="222538" y="0"/>
+                </a:lnTo>
+                <a:lnTo>
+                  <a:pt x="177689" y="4521"/>
+                </a:lnTo>
+                <a:lnTo>
+                  <a:pt x="135916" y="17488"/>
+                </a:lnTo>
+                <a:lnTo>
+                  <a:pt x="98115" y="38006"/>
+                </a:lnTo>
+                <a:lnTo>
+                  <a:pt x="65180" y="65180"/>
+                </a:lnTo>
+                <a:lnTo>
+                  <a:pt x="38006" y="98116"/>
+                </a:lnTo>
+                <a:lnTo>
+                  <a:pt x="17488" y="135917"/>
+                </a:lnTo>
+                <a:lnTo>
+                  <a:pt x="4521" y="177690"/>
+                </a:lnTo>
+                <a:lnTo>
+                  <a:pt x="0" y="222540"/>
+                </a:lnTo>
+                <a:lnTo>
+                  <a:pt x="0" y="1316851"/>
+                </a:lnTo>
+                <a:lnTo>
+                  <a:pt x="5342338" y="1316851"/>
+                </a:lnTo>
+                <a:lnTo>
+                  <a:pt x="5342338" y="466376"/>
+                </a:lnTo>
+                <a:lnTo>
+                  <a:pt x="4875963" y="0"/>
+                </a:lnTo>
+                <a:close/>
+              </a:path>
+            </a:pathLst>
+          </a:custGeom>
           <a:solidFill>
-            <a:srgbClr val="CA9E67"/>
+            <a:srgbClr val="EAB574"/>
           </a:solidFill>
         </p:spPr>
-        <p:style>
-          <a:lnRef idx="2">
-            <a:schemeClr val="accent1">
-              <a:shade val="50000"/>
-            </a:schemeClr>
-          </a:lnRef>
-          <a:fillRef idx="1">
-            <a:schemeClr val="accent1"/>
-          </a:fillRef>
-          <a:effectRef idx="0">
-            <a:schemeClr val="accent1"/>
-          </a:effectRef>
-          <a:fontRef idx="minor">
-            <a:schemeClr val="lt1"/>
-          </a:fontRef>
-        </p:style>
         <p:txBody>
-          <a:bodyPr rtlCol="0" anchor="ctr"/>
+          <a:bodyPr wrap="square" lIns="0" tIns="0" rIns="0" bIns="0" rtlCol="0"/>
           <a:lstStyle/>
           <a:p>
-            <a:pPr algn="ctr"/>
+            <a:endParaRPr lang="en-US" altLang="ko-KR" sz="1200" b="1" dirty="0"/>
+          </a:p>
+          <a:p>
             <a:r>
-              <a:rPr kumimoji="1" lang="ko-Kore-KR" altLang="en-US" b="1" dirty="0">
-                <a:solidFill>
-                  <a:schemeClr val="tx1"/>
-                </a:solidFill>
-              </a:rPr>
-              <a:t>기존에</a:t>
+              <a:rPr lang="en-US" altLang="ko-KR" sz="1200" b="1" dirty="0"/>
+              <a:t>&lt;</a:t>
             </a:r>
             <a:r>
-              <a:rPr kumimoji="1" lang="ko-KR" altLang="en-US" b="1" dirty="0">
-                <a:solidFill>
-                  <a:schemeClr val="tx1"/>
-                </a:solidFill>
-              </a:rPr>
-              <a:t> 존재하는 앱</a:t>
+              <a:rPr lang="ko-KR" altLang="en-US" sz="1200" b="1" dirty="0"/>
+              <a:t>카드 다이어리</a:t>
             </a:r>
-            <a:endParaRPr kumimoji="1" lang="ko-Kore-KR" altLang="en-US" b="1" dirty="0">
-              <a:solidFill>
-                <a:schemeClr val="tx1"/>
-              </a:solidFill>
-            </a:endParaRPr>
+            <a:r>
+              <a:rPr lang="en-US" altLang="ko-KR" sz="1200" b="1" dirty="0"/>
+              <a:t>&gt;</a:t>
+            </a:r>
+          </a:p>
+          <a:p>
+            <a:endParaRPr lang="en-US" altLang="ko-KR" sz="1200" b="1" dirty="0"/>
+          </a:p>
+          <a:p>
+            <a:pPr marL="171450" indent="-171450">
+              <a:buFontTx/>
+              <a:buChar char="-"/>
+            </a:pPr>
+            <a:r>
+              <a:rPr lang="ko-KR" altLang="en-US" sz="1200" b="1" dirty="0"/>
+              <a:t>월별로 사진을 지정해 카드 형식의 다이어리를 만들어 작성</a:t>
+            </a:r>
+            <a:endParaRPr lang="en-US" altLang="ko-KR" sz="1200" b="1" dirty="0"/>
           </a:p>
         </p:txBody>
       </p:sp>
-      <p:sp>
-        <p:nvSpPr>
-          <p:cNvPr id="26" name="직사각형 25">
+      <p:pic>
+        <p:nvPicPr>
+          <p:cNvPr id="25" name="그림 24">
             <a:extLst>
               <a:ext uri="{FF2B5EF4-FFF2-40B4-BE49-F238E27FC236}">
-                <a16:creationId xmlns:a16="http://schemas.microsoft.com/office/drawing/2014/main" id="{88E9141E-E016-6D4D-9A41-F7E502C8A97E}"/>
+                <a16:creationId xmlns:a16="http://schemas.microsoft.com/office/drawing/2014/main" id="{508BFA84-C1BF-C34B-9699-83ADB049293C}"/>
               </a:ext>
             </a:extLst>
           </p:cNvPr>
-          <p:cNvSpPr/>
+          <p:cNvPicPr>
+            <a:picLocks/>
+          </p:cNvPicPr>
           <p:nvPr/>
-        </p:nvSpPr>
+        </p:nvPicPr>
+        <p:blipFill>
+          <a:blip r:embed="rId2"/>
+          <a:stretch>
+            <a:fillRect/>
+          </a:stretch>
+        </p:blipFill>
         <p:spPr>
           <a:xfrm>
-            <a:off x="2141200" y="4014162"/>
-            <a:ext cx="8177841" cy="1299859"/>
+            <a:off x="2653278" y="1158433"/>
+            <a:ext cx="2520000" cy="4320000"/>
           </a:xfrm>
           <a:prstGeom prst="rect">
             <a:avLst/>
           </a:prstGeom>
-          <a:solidFill>
-            <a:srgbClr val="EAB574"/>
-          </a:solidFill>
         </p:spPr>
-        <p:style>
-          <a:lnRef idx="2">
-            <a:schemeClr val="accent1">
-              <a:shade val="50000"/>
-            </a:schemeClr>
-          </a:lnRef>
-          <a:fillRef idx="1">
-            <a:schemeClr val="accent1"/>
-          </a:fillRef>
-          <a:effectRef idx="0">
-            <a:schemeClr val="accent1"/>
-          </a:effectRef>
-          <a:fontRef idx="minor">
-            <a:schemeClr val="lt1"/>
-          </a:fontRef>
-        </p:style>
-        <p:txBody>
-          <a:bodyPr rtlCol="0" anchor="ctr"/>
-          <a:lstStyle/>
-          <a:p>
-            <a:pPr marL="285750" indent="-285750">
-              <a:buFontTx/>
-              <a:buChar char="-"/>
-            </a:pPr>
-            <a:r>
-              <a:rPr kumimoji="1" lang="ko-Kore-KR" altLang="en-US" sz="1600" b="1" dirty="0">
-                <a:solidFill>
-                  <a:schemeClr val="tx1"/>
-                </a:solidFill>
-              </a:rPr>
-              <a:t>다이어리와</a:t>
-            </a:r>
-            <a:r>
-              <a:rPr kumimoji="1" lang="ko-KR" altLang="en-US" sz="1600" b="1" dirty="0">
-                <a:solidFill>
-                  <a:schemeClr val="tx1"/>
-                </a:solidFill>
-              </a:rPr>
-              <a:t> </a:t>
-            </a:r>
-            <a:r>
-              <a:rPr kumimoji="1" lang="ko-KR" altLang="en-US" sz="1600" b="1" dirty="0" err="1">
-                <a:solidFill>
-                  <a:schemeClr val="tx1"/>
-                </a:solidFill>
-              </a:rPr>
-              <a:t>투두를</a:t>
-            </a:r>
-            <a:r>
-              <a:rPr kumimoji="1" lang="ko-KR" altLang="en-US" sz="1600" b="1" dirty="0">
-                <a:solidFill>
-                  <a:schemeClr val="tx1"/>
-                </a:solidFill>
-              </a:rPr>
-              <a:t> 합친 앱</a:t>
-            </a:r>
-            <a:endParaRPr kumimoji="1" lang="en-US" altLang="ko-KR" sz="1600" b="1" dirty="0">
-              <a:solidFill>
-                <a:schemeClr val="tx1"/>
-              </a:solidFill>
-            </a:endParaRPr>
-          </a:p>
-          <a:p>
-            <a:pPr marL="285750" indent="-285750">
-              <a:buFontTx/>
-              <a:buChar char="-"/>
-            </a:pPr>
-            <a:r>
-              <a:rPr kumimoji="1" lang="ko-KR" altLang="en-US" sz="1600" b="1" dirty="0" err="1">
-                <a:solidFill>
-                  <a:schemeClr val="tx1"/>
-                </a:solidFill>
-              </a:rPr>
-              <a:t>사진첨부가</a:t>
-            </a:r>
-            <a:r>
-              <a:rPr kumimoji="1" lang="ko-KR" altLang="en-US" sz="1600" b="1" dirty="0">
-                <a:solidFill>
-                  <a:schemeClr val="tx1"/>
-                </a:solidFill>
-              </a:rPr>
-              <a:t> 가능한 앱</a:t>
-            </a:r>
-            <a:endParaRPr kumimoji="1" lang="en-US" altLang="ko-KR" sz="1600" b="1" dirty="0">
-              <a:solidFill>
-                <a:schemeClr val="tx1"/>
-              </a:solidFill>
-            </a:endParaRPr>
-          </a:p>
-          <a:p>
-            <a:pPr marL="285750" indent="-285750">
-              <a:buFontTx/>
-              <a:buChar char="-"/>
-            </a:pPr>
-            <a:r>
-              <a:rPr kumimoji="1" lang="ko-KR" altLang="en-US" sz="1600" b="1" dirty="0">
-                <a:solidFill>
-                  <a:schemeClr val="tx1"/>
-                </a:solidFill>
-              </a:rPr>
-              <a:t>검색기능이 존재하는 앱</a:t>
-            </a:r>
-            <a:endParaRPr kumimoji="1" lang="ko-Kore-KR" altLang="en-US" sz="1600" b="1" dirty="0">
-              <a:solidFill>
-                <a:schemeClr val="tx1"/>
-              </a:solidFill>
-            </a:endParaRPr>
-          </a:p>
-        </p:txBody>
-      </p:sp>
-      <p:sp>
-        <p:nvSpPr>
-          <p:cNvPr id="27" name="오각형[P] 26">
+      </p:pic>
+      <p:pic>
+        <p:nvPicPr>
+          <p:cNvPr id="26" name="그림 25" descr="텍스트, 갤러리, 가장, 다른이(가) 표시된 사진&#10;&#10;자동 생성된 설명">
             <a:extLst>
               <a:ext uri="{FF2B5EF4-FFF2-40B4-BE49-F238E27FC236}">
-                <a16:creationId xmlns:a16="http://schemas.microsoft.com/office/drawing/2014/main" id="{2090D257-1497-1C4E-BED2-DA6F34115590}"/>
+                <a16:creationId xmlns:a16="http://schemas.microsoft.com/office/drawing/2014/main" id="{DA9B2E65-CAEC-914D-851B-D5F3768689F3}"/>
               </a:ext>
             </a:extLst>
           </p:cNvPr>
-          <p:cNvSpPr/>
+          <p:cNvPicPr>
+            <a:picLocks noChangeAspect="1"/>
+          </p:cNvPicPr>
           <p:nvPr/>
-        </p:nvSpPr>
+        </p:nvPicPr>
+        <p:blipFill>
+          <a:blip r:embed="rId3"/>
+          <a:stretch>
+            <a:fillRect/>
+          </a:stretch>
+        </p:blipFill>
         <p:spPr>
           <a:xfrm>
-            <a:off x="1960689" y="3792142"/>
-            <a:ext cx="3746455" cy="441790"/>
+            <a:off x="6904944" y="2425229"/>
+            <a:ext cx="3060000" cy="3060000"/>
           </a:xfrm>
-          <a:prstGeom prst="homePlate">
+          <a:prstGeom prst="rect">
             <a:avLst/>
           </a:prstGeom>
-          <a:solidFill>
-            <a:srgbClr val="CA9E67"/>
-          </a:solidFill>
         </p:spPr>
-        <p:style>
-          <a:lnRef idx="2">
-            <a:schemeClr val="accent1">
-              <a:shade val="50000"/>
-            </a:schemeClr>
-          </a:lnRef>
-          <a:fillRef idx="1">
-            <a:schemeClr val="accent1"/>
-          </a:fillRef>
-          <a:effectRef idx="0">
-            <a:schemeClr val="accent1"/>
-          </a:effectRef>
-          <a:fontRef idx="minor">
-            <a:schemeClr val="lt1"/>
-          </a:fontRef>
-        </p:style>
-        <p:txBody>
-          <a:bodyPr rtlCol="0" anchor="ctr"/>
-          <a:lstStyle/>
-          <a:p>
-            <a:pPr algn="ctr"/>
-            <a:r>
-              <a:rPr kumimoji="1" lang="ko-Kore-KR" altLang="en-US" b="1" dirty="0">
-                <a:solidFill>
-                  <a:schemeClr val="tx1"/>
-                </a:solidFill>
-              </a:rPr>
-              <a:t>차별점</a:t>
-            </a:r>
-          </a:p>
-        </p:txBody>
-      </p:sp>
+      </p:pic>
     </p:spTree>
     <p:extLst>
       <p:ext uri="{BB962C8B-B14F-4D97-AF65-F5344CB8AC3E}">
-        <p14:creationId xmlns:p14="http://schemas.microsoft.com/office/powerpoint/2010/main" val="2130534139"/>
+        <p14:creationId xmlns:p14="http://schemas.microsoft.com/office/powerpoint/2010/main" val="649276861"/>
       </p:ext>
     </p:extLst>
   </p:cSld>
@@ -26754,7 +29507,7 @@
                   </a:prstClr>
                 </a:solidFill>
               </a:rPr>
-              <a:t>요구사항분석</a:t>
+              <a:t>벤치마킹</a:t>
             </a:r>
             <a:endParaRPr lang="en-US" altLang="ko-KR" sz="2800" b="1" dirty="0">
               <a:solidFill>
@@ -26769,341 +29522,326 @@
       </p:sp>
       <p:sp>
         <p:nvSpPr>
-          <p:cNvPr id="3" name="TextBox 2">
+          <p:cNvPr id="29" name="object 3">
             <a:extLst>
               <a:ext uri="{FF2B5EF4-FFF2-40B4-BE49-F238E27FC236}">
-                <a16:creationId xmlns:a16="http://schemas.microsoft.com/office/drawing/2014/main" id="{D7AAC12D-C00B-4A34-875D-4D88AA04B571}"/>
+                <a16:creationId xmlns:a16="http://schemas.microsoft.com/office/drawing/2014/main" id="{0A2B84EF-3564-490B-9ADD-3B6D25666A12}"/>
               </a:ext>
             </a:extLst>
           </p:cNvPr>
-          <p:cNvSpPr txBox="1"/>
+          <p:cNvSpPr/>
           <p:nvPr/>
         </p:nvSpPr>
         <p:spPr>
           <a:xfrm>
-            <a:off x="1719743" y="1333850"/>
-            <a:ext cx="9102055" cy="3416320"/>
+            <a:off x="6815897" y="5478678"/>
+            <a:ext cx="3600000" cy="1080000"/>
+          </a:xfrm>
+          <a:custGeom>
+            <a:avLst/>
+            <a:gdLst/>
+            <a:ahLst/>
+            <a:cxnLst/>
+            <a:rect l="l" t="t" r="r" b="b"/>
+            <a:pathLst>
+              <a:path w="5342890" h="1316990">
+                <a:moveTo>
+                  <a:pt x="4875963" y="0"/>
+                </a:moveTo>
+                <a:lnTo>
+                  <a:pt x="222538" y="0"/>
+                </a:lnTo>
+                <a:lnTo>
+                  <a:pt x="177689" y="4521"/>
+                </a:lnTo>
+                <a:lnTo>
+                  <a:pt x="135916" y="17488"/>
+                </a:lnTo>
+                <a:lnTo>
+                  <a:pt x="98115" y="38006"/>
+                </a:lnTo>
+                <a:lnTo>
+                  <a:pt x="65180" y="65180"/>
+                </a:lnTo>
+                <a:lnTo>
+                  <a:pt x="38006" y="98116"/>
+                </a:lnTo>
+                <a:lnTo>
+                  <a:pt x="17488" y="135917"/>
+                </a:lnTo>
+                <a:lnTo>
+                  <a:pt x="4521" y="177690"/>
+                </a:lnTo>
+                <a:lnTo>
+                  <a:pt x="0" y="222540"/>
+                </a:lnTo>
+                <a:lnTo>
+                  <a:pt x="0" y="1316851"/>
+                </a:lnTo>
+                <a:lnTo>
+                  <a:pt x="5342338" y="1316851"/>
+                </a:lnTo>
+                <a:lnTo>
+                  <a:pt x="5342338" y="466376"/>
+                </a:lnTo>
+                <a:lnTo>
+                  <a:pt x="4875963" y="0"/>
+                </a:lnTo>
+                <a:close/>
+              </a:path>
+            </a:pathLst>
+          </a:custGeom>
+          <a:solidFill>
+            <a:srgbClr val="EAB574"/>
+          </a:solidFill>
+        </p:spPr>
+        <p:txBody>
+          <a:bodyPr wrap="square" lIns="0" tIns="0" rIns="0" bIns="0" rtlCol="0"/>
+          <a:lstStyle/>
+          <a:p>
+            <a:endParaRPr lang="en-US" altLang="ko-KR" sz="1200" b="1" dirty="0"/>
+          </a:p>
+          <a:p>
+            <a:r>
+              <a:rPr lang="en-US" altLang="ko-KR" sz="1200" b="1" dirty="0">
+                <a:latin typeface="+mj-ea"/>
+              </a:rPr>
+              <a:t>&lt;git hub&gt;</a:t>
+            </a:r>
+          </a:p>
+          <a:p>
+            <a:endParaRPr lang="en-US" altLang="ko-KR" sz="1200" b="1" dirty="0"/>
+          </a:p>
+          <a:p>
+            <a:pPr marL="171450" indent="-171450">
+              <a:buFont typeface="시스템 서체 일반체"/>
+              <a:buChar char="-"/>
+            </a:pPr>
+            <a:r>
+              <a:rPr lang="ko-KR" altLang="en-US" sz="1200" b="1" dirty="0"/>
+              <a:t>성실도를 한 눈에 보기 쉽게 표현하여 얼마나 꾸준히 성실히 생활했는지 알아볼 수 있다</a:t>
+            </a:r>
+            <a:r>
+              <a:rPr lang="en-US" altLang="ko-KR" sz="1200" b="1" dirty="0"/>
+              <a:t>.</a:t>
+            </a:r>
+          </a:p>
+        </p:txBody>
+      </p:sp>
+      <p:sp>
+        <p:nvSpPr>
+          <p:cNvPr id="30" name="object 3">
+            <a:extLst>
+              <a:ext uri="{FF2B5EF4-FFF2-40B4-BE49-F238E27FC236}">
+                <a16:creationId xmlns:a16="http://schemas.microsoft.com/office/drawing/2014/main" id="{0F5349CE-0E3F-4F06-9B12-3CA16A8BDFA2}"/>
+              </a:ext>
+            </a:extLst>
+          </p:cNvPr>
+          <p:cNvSpPr/>
+          <p:nvPr/>
+        </p:nvSpPr>
+        <p:spPr>
+          <a:xfrm>
+            <a:off x="2113278" y="5485229"/>
+            <a:ext cx="3600000" cy="1080000"/>
+          </a:xfrm>
+          <a:custGeom>
+            <a:avLst/>
+            <a:gdLst/>
+            <a:ahLst/>
+            <a:cxnLst/>
+            <a:rect l="l" t="t" r="r" b="b"/>
+            <a:pathLst>
+              <a:path w="5342890" h="1316990">
+                <a:moveTo>
+                  <a:pt x="4875963" y="0"/>
+                </a:moveTo>
+                <a:lnTo>
+                  <a:pt x="222538" y="0"/>
+                </a:lnTo>
+                <a:lnTo>
+                  <a:pt x="177689" y="4521"/>
+                </a:lnTo>
+                <a:lnTo>
+                  <a:pt x="135916" y="17488"/>
+                </a:lnTo>
+                <a:lnTo>
+                  <a:pt x="98115" y="38006"/>
+                </a:lnTo>
+                <a:lnTo>
+                  <a:pt x="65180" y="65180"/>
+                </a:lnTo>
+                <a:lnTo>
+                  <a:pt x="38006" y="98116"/>
+                </a:lnTo>
+                <a:lnTo>
+                  <a:pt x="17488" y="135917"/>
+                </a:lnTo>
+                <a:lnTo>
+                  <a:pt x="4521" y="177690"/>
+                </a:lnTo>
+                <a:lnTo>
+                  <a:pt x="0" y="222540"/>
+                </a:lnTo>
+                <a:lnTo>
+                  <a:pt x="0" y="1316851"/>
+                </a:lnTo>
+                <a:lnTo>
+                  <a:pt x="5342338" y="1316851"/>
+                </a:lnTo>
+                <a:lnTo>
+                  <a:pt x="5342338" y="466376"/>
+                </a:lnTo>
+                <a:lnTo>
+                  <a:pt x="4875963" y="0"/>
+                </a:lnTo>
+                <a:close/>
+              </a:path>
+            </a:pathLst>
+          </a:custGeom>
+          <a:solidFill>
+            <a:srgbClr val="EAB574"/>
+          </a:solidFill>
+        </p:spPr>
+        <p:txBody>
+          <a:bodyPr wrap="square" lIns="0" tIns="0" rIns="0" bIns="0" rtlCol="0"/>
+          <a:lstStyle/>
+          <a:p>
+            <a:endParaRPr lang="en-US" altLang="ko-KR" sz="1200" b="1" dirty="0"/>
+          </a:p>
+          <a:p>
+            <a:r>
+              <a:rPr lang="en-US" altLang="ko-KR" sz="1200" b="1" dirty="0"/>
+              <a:t>&lt;</a:t>
+            </a:r>
+            <a:r>
+              <a:rPr lang="ko-KR" altLang="en-US" sz="1200" b="1" dirty="0" err="1"/>
+              <a:t>원모어</a:t>
+            </a:r>
+            <a:r>
+              <a:rPr lang="ko-KR" altLang="en-US" sz="1200" b="1" dirty="0"/>
+              <a:t> </a:t>
+            </a:r>
+            <a:r>
+              <a:rPr lang="en-US" altLang="ko-KR" sz="1200" b="1" dirty="0"/>
+              <a:t>–</a:t>
+            </a:r>
+            <a:r>
+              <a:rPr lang="ko-KR" altLang="en-US" sz="1200" b="1" dirty="0"/>
+              <a:t> 할일 </a:t>
+            </a:r>
+            <a:r>
+              <a:rPr lang="en-US" altLang="ko-KR" sz="1200" b="1" dirty="0" err="1"/>
+              <a:t>ToDo</a:t>
+            </a:r>
+            <a:r>
+              <a:rPr lang="en-US" altLang="ko-KR" sz="1200" b="1" dirty="0"/>
+              <a:t> </a:t>
+            </a:r>
+            <a:r>
+              <a:rPr lang="ko-KR" altLang="en-US" sz="1200" b="1" dirty="0"/>
+              <a:t>목표관리</a:t>
+            </a:r>
+            <a:r>
+              <a:rPr lang="en-US" altLang="ko-KR" sz="1200" b="1" dirty="0"/>
+              <a:t>&gt;</a:t>
+            </a:r>
+          </a:p>
+          <a:p>
+            <a:endParaRPr lang="en-US" altLang="ko-KR" sz="1200" b="1" dirty="0"/>
+          </a:p>
+          <a:p>
+            <a:pPr marL="171450" indent="-171450">
+              <a:buFont typeface="시스템 서체 일반체"/>
+              <a:buChar char="-"/>
+            </a:pPr>
+            <a:r>
+              <a:rPr lang="ko-KR" altLang="en-US" sz="1200" b="1" dirty="0"/>
+              <a:t>카테고리를 분류하여 </a:t>
+            </a:r>
+            <a:r>
+              <a:rPr lang="en-US" altLang="ko-KR" sz="1200" b="1" dirty="0" err="1"/>
+              <a:t>ToDo</a:t>
+            </a:r>
+            <a:r>
+              <a:rPr lang="ko-KR" altLang="en-US" sz="1200" b="1" dirty="0" err="1"/>
+              <a:t>를</a:t>
+            </a:r>
+            <a:r>
+              <a:rPr lang="ko-KR" altLang="en-US" sz="1200" b="1" dirty="0"/>
+              <a:t> 작성하고 카테고리마다 완료 퍼센트를 보여주어 성취감을 준다</a:t>
+            </a:r>
+            <a:r>
+              <a:rPr lang="en-US" altLang="ko-KR" sz="1200" b="1" dirty="0"/>
+              <a:t>.</a:t>
+            </a:r>
+          </a:p>
+        </p:txBody>
+      </p:sp>
+      <p:pic>
+        <p:nvPicPr>
+          <p:cNvPr id="27" name="그림 26">
+            <a:extLst>
+              <a:ext uri="{FF2B5EF4-FFF2-40B4-BE49-F238E27FC236}">
+                <a16:creationId xmlns:a16="http://schemas.microsoft.com/office/drawing/2014/main" id="{1F3421B2-140E-D44A-A2F0-12ADE5D00A35}"/>
+              </a:ext>
+            </a:extLst>
+          </p:cNvPr>
+          <p:cNvPicPr>
+            <a:picLocks noChangeAspect="1"/>
+          </p:cNvPicPr>
+          <p:nvPr/>
+        </p:nvPicPr>
+        <p:blipFill>
+          <a:blip r:embed="rId2"/>
+          <a:stretch>
+            <a:fillRect/>
+          </a:stretch>
+        </p:blipFill>
+        <p:spPr>
+          <a:xfrm>
+            <a:off x="2653278" y="1164415"/>
+            <a:ext cx="2520000" cy="4320000"/>
           </a:xfrm>
           <a:prstGeom prst="rect">
             <a:avLst/>
           </a:prstGeom>
-          <a:noFill/>
-          <a:ln>
-            <a:solidFill>
-              <a:schemeClr val="tx1"/>
-            </a:solidFill>
-          </a:ln>
         </p:spPr>
-        <p:txBody>
-          <a:bodyPr wrap="square" rtlCol="0">
-            <a:spAutoFit/>
-          </a:bodyPr>
-          <a:lstStyle/>
-          <a:p>
-            <a:pPr marL="228600" indent="-228600">
-              <a:buAutoNum type="arabicParenR"/>
-            </a:pPr>
-            <a:r>
-              <a:rPr lang="ko-KR" altLang="en-US" sz="1200" dirty="0"/>
-              <a:t>다이어리 입력기능</a:t>
-            </a:r>
-            <a:endParaRPr lang="en-US" altLang="ko-KR" sz="1200" dirty="0"/>
-          </a:p>
-          <a:p>
-            <a:pPr marL="171450" indent="-171450">
-              <a:buFontTx/>
-              <a:buChar char="-"/>
-            </a:pPr>
-            <a:r>
-              <a:rPr lang="ko-KR" altLang="en-US" sz="1200" dirty="0"/>
-              <a:t>사진 첨부</a:t>
-            </a:r>
-            <a:r>
-              <a:rPr lang="en-US" altLang="ko-KR" sz="1200" dirty="0"/>
-              <a:t>, </a:t>
-            </a:r>
-            <a:r>
-              <a:rPr lang="ko-KR" altLang="en-US" sz="1200" dirty="0"/>
-              <a:t>날짜 설정</a:t>
-            </a:r>
-            <a:r>
-              <a:rPr lang="en-US" altLang="ko-KR" sz="1200" dirty="0"/>
-              <a:t>, </a:t>
-            </a:r>
-            <a:r>
-              <a:rPr lang="ko-KR" altLang="en-US" sz="1200" dirty="0"/>
-              <a:t>내용 입력</a:t>
-            </a:r>
-            <a:r>
-              <a:rPr lang="en-US" altLang="ko-KR" sz="1200" dirty="0"/>
-              <a:t>, </a:t>
-            </a:r>
-            <a:r>
-              <a:rPr lang="ko-KR" altLang="en-US" sz="1200" dirty="0" err="1"/>
-              <a:t>해쉬태그</a:t>
-            </a:r>
-            <a:r>
-              <a:rPr lang="ko-KR" altLang="en-US" sz="1200" dirty="0"/>
-              <a:t> 입력</a:t>
-            </a:r>
-            <a:endParaRPr lang="en-US" altLang="ko-KR" sz="1200" dirty="0"/>
-          </a:p>
-          <a:p>
-            <a:pPr marL="171450" indent="-171450">
-              <a:buFontTx/>
-              <a:buChar char="-"/>
-            </a:pPr>
-            <a:r>
-              <a:rPr lang="ko-KR" altLang="en-US" sz="1200" dirty="0"/>
-              <a:t>항목 편집기능 </a:t>
-            </a:r>
-            <a:r>
-              <a:rPr lang="en-US" altLang="ko-KR" sz="1200" dirty="0"/>
-              <a:t>(</a:t>
-            </a:r>
-            <a:r>
-              <a:rPr lang="ko-KR" altLang="en-US" sz="1200" dirty="0"/>
-              <a:t>수정</a:t>
-            </a:r>
-            <a:r>
-              <a:rPr lang="en-US" altLang="ko-KR" sz="1200" dirty="0"/>
-              <a:t>, </a:t>
-            </a:r>
-            <a:r>
-              <a:rPr lang="ko-KR" altLang="en-US" sz="1200" dirty="0"/>
-              <a:t>삭제</a:t>
-            </a:r>
-            <a:r>
-              <a:rPr lang="en-US" altLang="ko-KR" sz="1200" dirty="0"/>
-              <a:t>)</a:t>
-            </a:r>
-          </a:p>
-          <a:p>
-            <a:endParaRPr lang="en-US" altLang="ko-KR" sz="1200" dirty="0"/>
-          </a:p>
-          <a:p>
-            <a:r>
-              <a:rPr lang="en-US" altLang="ko-KR" sz="1200" dirty="0"/>
-              <a:t>2) To-Do </a:t>
-            </a:r>
-            <a:r>
-              <a:rPr lang="ko-KR" altLang="en-US" sz="1200" dirty="0"/>
-              <a:t>입력기능</a:t>
-            </a:r>
-            <a:endParaRPr lang="en-US" altLang="ko-KR" sz="1200" dirty="0"/>
-          </a:p>
-          <a:p>
-            <a:pPr marL="171450" indent="-171450">
-              <a:buFontTx/>
-              <a:buChar char="-"/>
-            </a:pPr>
-            <a:r>
-              <a:rPr lang="ko-KR" altLang="en-US" sz="1200" dirty="0"/>
-              <a:t>제목</a:t>
-            </a:r>
-            <a:r>
-              <a:rPr lang="en-US" altLang="ko-KR" sz="1200" dirty="0"/>
-              <a:t>, </a:t>
-            </a:r>
-            <a:r>
-              <a:rPr lang="ko-KR" altLang="en-US" sz="1200" dirty="0"/>
-              <a:t>메모</a:t>
-            </a:r>
-            <a:r>
-              <a:rPr lang="en-US" altLang="ko-KR" sz="1200" dirty="0"/>
-              <a:t>, To-Do </a:t>
-            </a:r>
-            <a:r>
-              <a:rPr lang="ko-KR" altLang="en-US" sz="1200" dirty="0"/>
-              <a:t>체크 입력</a:t>
-            </a:r>
-            <a:endParaRPr lang="en-US" altLang="ko-KR" sz="1200" dirty="0"/>
-          </a:p>
-          <a:p>
-            <a:pPr marL="171450" indent="-171450">
-              <a:buFontTx/>
-              <a:buChar char="-"/>
-            </a:pPr>
-            <a:r>
-              <a:rPr lang="ko-KR" altLang="en-US" sz="1200" dirty="0"/>
-              <a:t>항목 편집기능 </a:t>
-            </a:r>
-            <a:r>
-              <a:rPr lang="en-US" altLang="ko-KR" sz="1200" dirty="0"/>
-              <a:t>(</a:t>
-            </a:r>
-            <a:r>
-              <a:rPr lang="ko-KR" altLang="en-US" sz="1200" dirty="0"/>
-              <a:t>수정</a:t>
-            </a:r>
-            <a:r>
-              <a:rPr lang="en-US" altLang="ko-KR" sz="1200" dirty="0"/>
-              <a:t>, </a:t>
-            </a:r>
-            <a:r>
-              <a:rPr lang="ko-KR" altLang="en-US" sz="1200" dirty="0"/>
-              <a:t>삭제</a:t>
-            </a:r>
-            <a:r>
-              <a:rPr lang="en-US" altLang="ko-KR" sz="1200" dirty="0"/>
-              <a:t>) </a:t>
-            </a:r>
-          </a:p>
-          <a:p>
-            <a:pPr marL="171450" indent="-171450">
-              <a:buFontTx/>
-              <a:buChar char="-"/>
-            </a:pPr>
-            <a:endParaRPr lang="en-US" altLang="ko-KR" sz="1200" dirty="0"/>
-          </a:p>
-          <a:p>
-            <a:r>
-              <a:rPr lang="en-US" altLang="ko-KR" sz="1200" dirty="0"/>
-              <a:t>3) </a:t>
-            </a:r>
-            <a:r>
-              <a:rPr lang="ko-KR" altLang="en-US" sz="1200" dirty="0"/>
-              <a:t>다이어리 출력기능</a:t>
-            </a:r>
-            <a:endParaRPr lang="en-US" altLang="ko-KR" sz="1200" dirty="0"/>
-          </a:p>
-          <a:p>
-            <a:pPr marL="171450" indent="-171450">
-              <a:buFontTx/>
-              <a:buChar char="-"/>
-            </a:pPr>
-            <a:r>
-              <a:rPr lang="ko-KR" altLang="en-US" sz="1200" dirty="0"/>
-              <a:t>사진</a:t>
-            </a:r>
-            <a:r>
-              <a:rPr lang="en-US" altLang="ko-KR" sz="1200" dirty="0"/>
-              <a:t>, </a:t>
-            </a:r>
-            <a:r>
-              <a:rPr lang="ko-KR" altLang="en-US" sz="1200" dirty="0"/>
-              <a:t>날짜</a:t>
-            </a:r>
-            <a:r>
-              <a:rPr lang="en-US" altLang="ko-KR" sz="1200" dirty="0"/>
-              <a:t>, </a:t>
-            </a:r>
-            <a:r>
-              <a:rPr lang="ko-KR" altLang="en-US" sz="1200" dirty="0"/>
-              <a:t>내용</a:t>
-            </a:r>
-            <a:r>
-              <a:rPr lang="en-US" altLang="ko-KR" sz="1200" dirty="0"/>
-              <a:t>, </a:t>
-            </a:r>
-            <a:r>
-              <a:rPr lang="ko-KR" altLang="en-US" sz="1200" dirty="0" err="1"/>
-              <a:t>해쉬태그</a:t>
-            </a:r>
-            <a:r>
-              <a:rPr lang="en-US" altLang="ko-KR" sz="1200" dirty="0"/>
-              <a:t>, </a:t>
-            </a:r>
-            <a:r>
-              <a:rPr lang="ko-KR" altLang="en-US" sz="1200" dirty="0"/>
-              <a:t>캘린더 출력</a:t>
-            </a:r>
-            <a:endParaRPr lang="en-US" altLang="ko-KR" sz="1200" dirty="0"/>
-          </a:p>
-          <a:p>
-            <a:pPr marL="171450" indent="-171450">
-              <a:buFontTx/>
-              <a:buChar char="-"/>
-            </a:pPr>
-            <a:r>
-              <a:rPr lang="ko-KR" altLang="en-US" sz="1200" dirty="0" err="1"/>
-              <a:t>해쉬태그</a:t>
-            </a:r>
-            <a:r>
-              <a:rPr lang="ko-KR" altLang="en-US" sz="1200" dirty="0"/>
-              <a:t> 검색기능을 통해 다이어리가 존재하는 날짜를 캘린더에 출력</a:t>
-            </a:r>
-            <a:endParaRPr lang="en-US" altLang="ko-KR" sz="1200" dirty="0"/>
-          </a:p>
-          <a:p>
-            <a:pPr marL="171450" indent="-171450">
-              <a:buFontTx/>
-              <a:buChar char="-"/>
-            </a:pPr>
-            <a:endParaRPr lang="en-US" altLang="ko-KR" sz="1200" dirty="0"/>
-          </a:p>
-          <a:p>
-            <a:r>
-              <a:rPr lang="en-US" altLang="ko-KR" sz="1200" dirty="0"/>
-              <a:t>4) To-Do </a:t>
-            </a:r>
-            <a:r>
-              <a:rPr lang="ko-KR" altLang="en-US" sz="1200" dirty="0"/>
-              <a:t>출력기능</a:t>
-            </a:r>
-            <a:endParaRPr lang="en-US" altLang="ko-KR" sz="1200" dirty="0"/>
-          </a:p>
-          <a:p>
-            <a:pPr marL="171450" indent="-171450">
-              <a:buFontTx/>
-              <a:buChar char="-"/>
-            </a:pPr>
-            <a:r>
-              <a:rPr lang="ko-KR" altLang="en-US" sz="1200" dirty="0"/>
-              <a:t>제목</a:t>
-            </a:r>
-            <a:r>
-              <a:rPr lang="en-US" altLang="ko-KR" sz="1200" dirty="0"/>
-              <a:t>, </a:t>
-            </a:r>
-            <a:r>
-              <a:rPr lang="ko-KR" altLang="en-US" sz="1200" dirty="0"/>
-              <a:t>메모</a:t>
-            </a:r>
-            <a:r>
-              <a:rPr lang="en-US" altLang="ko-KR" sz="1200" dirty="0"/>
-              <a:t>, To-Do </a:t>
-            </a:r>
-            <a:r>
-              <a:rPr lang="ko-KR" altLang="en-US" sz="1200" dirty="0"/>
-              <a:t>개수 출력</a:t>
-            </a:r>
-            <a:endParaRPr lang="en-US" altLang="ko-KR" sz="1200" dirty="0"/>
-          </a:p>
-          <a:p>
-            <a:pPr marL="171450" indent="-171450">
-              <a:buFontTx/>
-              <a:buChar char="-"/>
-            </a:pPr>
-            <a:r>
-              <a:rPr lang="ko-KR" altLang="en-US" sz="1200" dirty="0"/>
-              <a:t>체크버튼으로 인해 전체비중 현재 진행률 출력</a:t>
-            </a:r>
-            <a:endParaRPr lang="en-US" altLang="ko-KR" sz="1200" dirty="0"/>
-          </a:p>
-          <a:p>
-            <a:endParaRPr lang="en-US" altLang="ko-KR" sz="1200" dirty="0"/>
-          </a:p>
-          <a:p>
-            <a:pPr marL="171450" indent="-171450">
-              <a:buFontTx/>
-              <a:buChar char="-"/>
-            </a:pPr>
-            <a:endParaRPr lang="en-US" altLang="ko-KR" sz="1200" dirty="0"/>
-          </a:p>
-          <a:p>
-            <a:pPr marL="171450" indent="-171450">
-              <a:buFontTx/>
-              <a:buChar char="-"/>
-            </a:pPr>
-            <a:endParaRPr lang="ko-KR" altLang="en-US" sz="1200" dirty="0"/>
-          </a:p>
-        </p:txBody>
-      </p:sp>
+      </p:pic>
+      <p:pic>
+        <p:nvPicPr>
+          <p:cNvPr id="28" name="그림 27" descr="텍스트, 전자기기이(가) 표시된 사진&#10;&#10;자동 생성된 설명">
+            <a:extLst>
+              <a:ext uri="{FF2B5EF4-FFF2-40B4-BE49-F238E27FC236}">
+                <a16:creationId xmlns:a16="http://schemas.microsoft.com/office/drawing/2014/main" id="{FF46835D-8D9B-454D-A539-CB51D9CED58A}"/>
+              </a:ext>
+            </a:extLst>
+          </p:cNvPr>
+          <p:cNvPicPr>
+            <a:picLocks noChangeAspect="1"/>
+          </p:cNvPicPr>
+          <p:nvPr/>
+        </p:nvPicPr>
+        <p:blipFill>
+          <a:blip r:embed="rId3"/>
+          <a:stretch>
+            <a:fillRect/>
+          </a:stretch>
+        </p:blipFill>
+        <p:spPr>
+          <a:xfrm>
+            <a:off x="6253278" y="2535552"/>
+            <a:ext cx="4819419" cy="2949677"/>
+          </a:xfrm>
+          <a:prstGeom prst="rect">
+            <a:avLst/>
+          </a:prstGeom>
+        </p:spPr>
+      </p:pic>
     </p:spTree>
     <p:extLst>
       <p:ext uri="{BB962C8B-B14F-4D97-AF65-F5344CB8AC3E}">
-        <p14:creationId xmlns:p14="http://schemas.microsoft.com/office/powerpoint/2010/main" val="3526444062"/>
+        <p14:creationId xmlns:p14="http://schemas.microsoft.com/office/powerpoint/2010/main" val="2975827445"/>
       </p:ext>
     </p:extLst>
   </p:cSld>
@@ -28089,7 +30827,7 @@
               </a:lnSpc>
             </a:pPr>
             <a:r>
-              <a:rPr lang="ko-KR" altLang="en-US" sz="2800" b="1" dirty="0">
+              <a:rPr lang="ko-KR" altLang="en-US" sz="2800" b="1" dirty="0" err="1">
                 <a:solidFill>
                   <a:prstClr val="black">
                     <a:lumMod val="65000"/>
@@ -28097,7 +30835,7 @@
                   </a:prstClr>
                 </a:solidFill>
               </a:rPr>
-              <a:t>시스템 구성도</a:t>
+              <a:t>차별점</a:t>
             </a:r>
             <a:endParaRPr lang="en-US" altLang="ko-KR" sz="2800" b="1" dirty="0">
               <a:solidFill>
@@ -28110,415 +30848,12 @@
           </a:p>
         </p:txBody>
       </p:sp>
-      <p:grpSp>
-        <p:nvGrpSpPr>
-          <p:cNvPr id="4" name="그룹 3">
+      <p:sp>
+        <p:nvSpPr>
+          <p:cNvPr id="3" name="직사각형 2">
             <a:extLst>
               <a:ext uri="{FF2B5EF4-FFF2-40B4-BE49-F238E27FC236}">
-                <a16:creationId xmlns:a16="http://schemas.microsoft.com/office/drawing/2014/main" id="{C4258FD8-C15F-4F03-BA55-EA4201E58BB3}"/>
-              </a:ext>
-            </a:extLst>
-          </p:cNvPr>
-          <p:cNvGrpSpPr/>
-          <p:nvPr/>
-        </p:nvGrpSpPr>
-        <p:grpSpPr>
-          <a:xfrm>
-            <a:off x="5517197" y="4515738"/>
-            <a:ext cx="1157605" cy="946297"/>
-            <a:chOff x="3972505" y="3637419"/>
-            <a:chExt cx="1157605" cy="946297"/>
-          </a:xfrm>
-        </p:grpSpPr>
-        <p:sp>
-          <p:nvSpPr>
-            <p:cNvPr id="21" name="object 34">
-              <a:extLst>
-                <a:ext uri="{FF2B5EF4-FFF2-40B4-BE49-F238E27FC236}">
-                  <a16:creationId xmlns:a16="http://schemas.microsoft.com/office/drawing/2014/main" id="{FDE82A8E-F929-4C98-8AE6-558533B5917C}"/>
-                </a:ext>
-              </a:extLst>
-            </p:cNvPr>
-            <p:cNvSpPr/>
-            <p:nvPr/>
-          </p:nvSpPr>
-          <p:spPr>
-            <a:xfrm>
-              <a:off x="3972505" y="3755676"/>
-              <a:ext cx="1157605" cy="828040"/>
-            </a:xfrm>
-            <a:custGeom>
-              <a:avLst/>
-              <a:gdLst/>
-              <a:ahLst/>
-              <a:cxnLst/>
-              <a:rect l="l" t="t" r="r" b="b"/>
-              <a:pathLst>
-                <a:path w="1157604" h="828040">
-                  <a:moveTo>
-                    <a:pt x="0" y="0"/>
-                  </a:moveTo>
-                  <a:lnTo>
-                    <a:pt x="0" y="709537"/>
-                  </a:lnTo>
-                  <a:lnTo>
-                    <a:pt x="4507" y="724371"/>
-                  </a:lnTo>
-                  <a:lnTo>
-                    <a:pt x="38938" y="752278"/>
-                  </a:lnTo>
-                  <a:lnTo>
-                    <a:pt x="103646" y="777100"/>
-                  </a:lnTo>
-                  <a:lnTo>
-                    <a:pt x="145997" y="788076"/>
-                  </a:lnTo>
-                  <a:lnTo>
-                    <a:pt x="194291" y="797949"/>
-                  </a:lnTo>
-                  <a:lnTo>
-                    <a:pt x="247986" y="806606"/>
-                  </a:lnTo>
-                  <a:lnTo>
-                    <a:pt x="306539" y="813938"/>
-                  </a:lnTo>
-                  <a:lnTo>
-                    <a:pt x="369408" y="819834"/>
-                  </a:lnTo>
-                  <a:lnTo>
-                    <a:pt x="436051" y="824182"/>
-                  </a:lnTo>
-                  <a:lnTo>
-                    <a:pt x="505926" y="826872"/>
-                  </a:lnTo>
-                  <a:lnTo>
-                    <a:pt x="578491" y="827794"/>
-                  </a:lnTo>
-                  <a:lnTo>
-                    <a:pt x="651056" y="826872"/>
-                  </a:lnTo>
-                  <a:lnTo>
-                    <a:pt x="720931" y="824182"/>
-                  </a:lnTo>
-                  <a:lnTo>
-                    <a:pt x="787574" y="819834"/>
-                  </a:lnTo>
-                  <a:lnTo>
-                    <a:pt x="850443" y="813938"/>
-                  </a:lnTo>
-                  <a:lnTo>
-                    <a:pt x="908996" y="806606"/>
-                  </a:lnTo>
-                  <a:lnTo>
-                    <a:pt x="962691" y="797949"/>
-                  </a:lnTo>
-                  <a:lnTo>
-                    <a:pt x="1010985" y="788076"/>
-                  </a:lnTo>
-                  <a:lnTo>
-                    <a:pt x="1053337" y="777100"/>
-                  </a:lnTo>
-                  <a:lnTo>
-                    <a:pt x="1118044" y="752278"/>
-                  </a:lnTo>
-                  <a:lnTo>
-                    <a:pt x="1152476" y="724371"/>
-                  </a:lnTo>
-                  <a:lnTo>
-                    <a:pt x="1156983" y="709537"/>
-                  </a:lnTo>
-                  <a:lnTo>
-                    <a:pt x="1156983" y="118256"/>
-                  </a:lnTo>
-                  <a:lnTo>
-                    <a:pt x="578491" y="118256"/>
-                  </a:lnTo>
-                  <a:lnTo>
-                    <a:pt x="505926" y="117335"/>
-                  </a:lnTo>
-                  <a:lnTo>
-                    <a:pt x="436051" y="114645"/>
-                  </a:lnTo>
-                  <a:lnTo>
-                    <a:pt x="369408" y="110296"/>
-                  </a:lnTo>
-                  <a:lnTo>
-                    <a:pt x="306539" y="104401"/>
-                  </a:lnTo>
-                  <a:lnTo>
-                    <a:pt x="247986" y="97069"/>
-                  </a:lnTo>
-                  <a:lnTo>
-                    <a:pt x="194291" y="88411"/>
-                  </a:lnTo>
-                  <a:lnTo>
-                    <a:pt x="145997" y="78539"/>
-                  </a:lnTo>
-                  <a:lnTo>
-                    <a:pt x="103646" y="67562"/>
-                  </a:lnTo>
-                  <a:lnTo>
-                    <a:pt x="38938" y="42741"/>
-                  </a:lnTo>
-                  <a:lnTo>
-                    <a:pt x="4507" y="14833"/>
-                  </a:lnTo>
-                  <a:lnTo>
-                    <a:pt x="0" y="0"/>
-                  </a:lnTo>
-                  <a:close/>
-                </a:path>
-                <a:path w="1157604" h="828040">
-                  <a:moveTo>
-                    <a:pt x="1156983" y="0"/>
-                  </a:moveTo>
-                  <a:lnTo>
-                    <a:pt x="1118044" y="42741"/>
-                  </a:lnTo>
-                  <a:lnTo>
-                    <a:pt x="1053337" y="67562"/>
-                  </a:lnTo>
-                  <a:lnTo>
-                    <a:pt x="1010985" y="78539"/>
-                  </a:lnTo>
-                  <a:lnTo>
-                    <a:pt x="962691" y="88411"/>
-                  </a:lnTo>
-                  <a:lnTo>
-                    <a:pt x="908996" y="97069"/>
-                  </a:lnTo>
-                  <a:lnTo>
-                    <a:pt x="850443" y="104401"/>
-                  </a:lnTo>
-                  <a:lnTo>
-                    <a:pt x="787574" y="110296"/>
-                  </a:lnTo>
-                  <a:lnTo>
-                    <a:pt x="720931" y="114645"/>
-                  </a:lnTo>
-                  <a:lnTo>
-                    <a:pt x="651056" y="117335"/>
-                  </a:lnTo>
-                  <a:lnTo>
-                    <a:pt x="578491" y="118256"/>
-                  </a:lnTo>
-                  <a:lnTo>
-                    <a:pt x="1156983" y="118256"/>
-                  </a:lnTo>
-                  <a:lnTo>
-                    <a:pt x="1156983" y="0"/>
-                  </a:lnTo>
-                  <a:close/>
-                </a:path>
-              </a:pathLst>
-            </a:custGeom>
-            <a:solidFill>
-              <a:srgbClr val="CA9E67"/>
-            </a:solidFill>
-            <a:ln>
-              <a:solidFill>
-                <a:schemeClr val="tx1"/>
-              </a:solidFill>
-            </a:ln>
-          </p:spPr>
-          <p:txBody>
-            <a:bodyPr wrap="square" lIns="0" tIns="0" rIns="0" bIns="0" rtlCol="0" anchor="ctr"/>
-            <a:lstStyle/>
-            <a:p>
-              <a:pPr algn="ctr"/>
-              <a:r>
-                <a:rPr lang="en-US" altLang="ko-KR" b="1" dirty="0"/>
-                <a:t>DB</a:t>
-              </a:r>
-              <a:endParaRPr b="1" dirty="0"/>
-            </a:p>
-          </p:txBody>
-        </p:sp>
-        <p:sp>
-          <p:nvSpPr>
-            <p:cNvPr id="22" name="object 36">
-              <a:extLst>
-                <a:ext uri="{FF2B5EF4-FFF2-40B4-BE49-F238E27FC236}">
-                  <a16:creationId xmlns:a16="http://schemas.microsoft.com/office/drawing/2014/main" id="{C0F04F5D-2186-4556-8038-2D674EBB1327}"/>
-                </a:ext>
-              </a:extLst>
-            </p:cNvPr>
-            <p:cNvSpPr/>
-            <p:nvPr/>
-          </p:nvSpPr>
-          <p:spPr>
-            <a:xfrm>
-              <a:off x="3972505" y="3637419"/>
-              <a:ext cx="1157605" cy="236854"/>
-            </a:xfrm>
-            <a:custGeom>
-              <a:avLst/>
-              <a:gdLst/>
-              <a:ahLst/>
-              <a:cxnLst/>
-              <a:rect l="l" t="t" r="r" b="b"/>
-              <a:pathLst>
-                <a:path w="1157604" h="236854">
-                  <a:moveTo>
-                    <a:pt x="1156984" y="118256"/>
-                  </a:moveTo>
-                  <a:lnTo>
-                    <a:pt x="1118044" y="160998"/>
-                  </a:lnTo>
-                  <a:lnTo>
-                    <a:pt x="1053337" y="185819"/>
-                  </a:lnTo>
-                  <a:lnTo>
-                    <a:pt x="1010985" y="196796"/>
-                  </a:lnTo>
-                  <a:lnTo>
-                    <a:pt x="962691" y="206668"/>
-                  </a:lnTo>
-                  <a:lnTo>
-                    <a:pt x="908996" y="215326"/>
-                  </a:lnTo>
-                  <a:lnTo>
-                    <a:pt x="850444" y="222658"/>
-                  </a:lnTo>
-                  <a:lnTo>
-                    <a:pt x="787574" y="228553"/>
-                  </a:lnTo>
-                  <a:lnTo>
-                    <a:pt x="720931" y="232902"/>
-                  </a:lnTo>
-                  <a:lnTo>
-                    <a:pt x="651056" y="235592"/>
-                  </a:lnTo>
-                  <a:lnTo>
-                    <a:pt x="578492" y="236513"/>
-                  </a:lnTo>
-                  <a:lnTo>
-                    <a:pt x="505927" y="235592"/>
-                  </a:lnTo>
-                  <a:lnTo>
-                    <a:pt x="436052" y="232902"/>
-                  </a:lnTo>
-                  <a:lnTo>
-                    <a:pt x="369409" y="228553"/>
-                  </a:lnTo>
-                  <a:lnTo>
-                    <a:pt x="306540" y="222658"/>
-                  </a:lnTo>
-                  <a:lnTo>
-                    <a:pt x="247987" y="215326"/>
-                  </a:lnTo>
-                  <a:lnTo>
-                    <a:pt x="194292" y="206668"/>
-                  </a:lnTo>
-                  <a:lnTo>
-                    <a:pt x="145998" y="196796"/>
-                  </a:lnTo>
-                  <a:lnTo>
-                    <a:pt x="103646" y="185819"/>
-                  </a:lnTo>
-                  <a:lnTo>
-                    <a:pt x="38939" y="160998"/>
-                  </a:lnTo>
-                  <a:lnTo>
-                    <a:pt x="4507" y="133090"/>
-                  </a:lnTo>
-                  <a:lnTo>
-                    <a:pt x="0" y="118256"/>
-                  </a:lnTo>
-                  <a:lnTo>
-                    <a:pt x="4507" y="103423"/>
-                  </a:lnTo>
-                  <a:lnTo>
-                    <a:pt x="38939" y="75515"/>
-                  </a:lnTo>
-                  <a:lnTo>
-                    <a:pt x="103646" y="50694"/>
-                  </a:lnTo>
-                  <a:lnTo>
-                    <a:pt x="145998" y="39717"/>
-                  </a:lnTo>
-                  <a:lnTo>
-                    <a:pt x="194292" y="29845"/>
-                  </a:lnTo>
-                  <a:lnTo>
-                    <a:pt x="247987" y="21187"/>
-                  </a:lnTo>
-                  <a:lnTo>
-                    <a:pt x="306540" y="13855"/>
-                  </a:lnTo>
-                  <a:lnTo>
-                    <a:pt x="369409" y="7960"/>
-                  </a:lnTo>
-                  <a:lnTo>
-                    <a:pt x="436052" y="3611"/>
-                  </a:lnTo>
-                  <a:lnTo>
-                    <a:pt x="505927" y="921"/>
-                  </a:lnTo>
-                  <a:lnTo>
-                    <a:pt x="578492" y="0"/>
-                  </a:lnTo>
-                  <a:lnTo>
-                    <a:pt x="651056" y="921"/>
-                  </a:lnTo>
-                  <a:lnTo>
-                    <a:pt x="720931" y="3611"/>
-                  </a:lnTo>
-                  <a:lnTo>
-                    <a:pt x="787574" y="7960"/>
-                  </a:lnTo>
-                  <a:lnTo>
-                    <a:pt x="850444" y="13855"/>
-                  </a:lnTo>
-                  <a:lnTo>
-                    <a:pt x="908996" y="21187"/>
-                  </a:lnTo>
-                  <a:lnTo>
-                    <a:pt x="962691" y="29845"/>
-                  </a:lnTo>
-                  <a:lnTo>
-                    <a:pt x="1010985" y="39717"/>
-                  </a:lnTo>
-                  <a:lnTo>
-                    <a:pt x="1053337" y="50694"/>
-                  </a:lnTo>
-                  <a:lnTo>
-                    <a:pt x="1118044" y="75515"/>
-                  </a:lnTo>
-                  <a:lnTo>
-                    <a:pt x="1152476" y="103423"/>
-                  </a:lnTo>
-                  <a:lnTo>
-                    <a:pt x="1156984" y="118256"/>
-                  </a:lnTo>
-                  <a:close/>
-                </a:path>
-              </a:pathLst>
-            </a:custGeom>
-            <a:solidFill>
-              <a:srgbClr val="CA9E67"/>
-            </a:solidFill>
-            <a:ln w="12700">
-              <a:solidFill>
-                <a:schemeClr val="tx1"/>
-              </a:solidFill>
-            </a:ln>
-          </p:spPr>
-          <p:txBody>
-            <a:bodyPr wrap="square" lIns="0" tIns="0" rIns="0" bIns="0" rtlCol="0"/>
-            <a:lstStyle/>
-            <a:p>
-              <a:endParaRPr/>
-            </a:p>
-          </p:txBody>
-        </p:sp>
-      </p:grpSp>
-      <p:sp>
-        <p:nvSpPr>
-          <p:cNvPr id="7" name="직사각형 6">
-            <a:extLst>
-              <a:ext uri="{FF2B5EF4-FFF2-40B4-BE49-F238E27FC236}">
-                <a16:creationId xmlns:a16="http://schemas.microsoft.com/office/drawing/2014/main" id="{64068B38-E494-4DFB-B7E9-A3130A72FFC9}"/>
+                <a16:creationId xmlns:a16="http://schemas.microsoft.com/office/drawing/2014/main" id="{AA9BC46C-0375-1048-9F28-EB560C95137E}"/>
               </a:ext>
             </a:extLst>
           </p:cNvPr>
@@ -28527,8 +30862,8 @@
         </p:nvSpPr>
         <p:spPr>
           <a:xfrm>
-            <a:off x="3090384" y="4026716"/>
-            <a:ext cx="1246724" cy="489022"/>
+            <a:off x="2147334" y="1765999"/>
+            <a:ext cx="8177841" cy="1299859"/>
           </a:xfrm>
           <a:prstGeom prst="rect">
             <a:avLst/>
@@ -28536,9 +30871,172 @@
           <a:solidFill>
             <a:srgbClr val="EAB574"/>
           </a:solidFill>
-          <a:ln>
-            <a:noFill/>
-          </a:ln>
+        </p:spPr>
+        <p:style>
+          <a:lnRef idx="2">
+            <a:schemeClr val="accent1">
+              <a:shade val="50000"/>
+            </a:schemeClr>
+          </a:lnRef>
+          <a:fillRef idx="1">
+            <a:schemeClr val="accent1"/>
+          </a:fillRef>
+          <a:effectRef idx="0">
+            <a:schemeClr val="accent1"/>
+          </a:effectRef>
+          <a:fontRef idx="minor">
+            <a:schemeClr val="lt1"/>
+          </a:fontRef>
+        </p:style>
+        <p:txBody>
+          <a:bodyPr rtlCol="0" anchor="ctr"/>
+          <a:lstStyle/>
+          <a:p>
+            <a:pPr marL="285750" indent="-285750">
+              <a:buFontTx/>
+              <a:buChar char="-"/>
+            </a:pPr>
+            <a:r>
+              <a:rPr kumimoji="1" lang="ko-Kore-KR" altLang="en-US" sz="1600" b="1" dirty="0">
+                <a:solidFill>
+                  <a:schemeClr val="tx1"/>
+                </a:solidFill>
+              </a:rPr>
+              <a:t>다이어리</a:t>
+            </a:r>
+            <a:r>
+              <a:rPr kumimoji="1" lang="ko-KR" altLang="en-US" sz="1600" b="1" dirty="0">
+                <a:solidFill>
+                  <a:schemeClr val="tx1"/>
+                </a:solidFill>
+              </a:rPr>
+              <a:t>만 존재한다거나</a:t>
+            </a:r>
+            <a:r>
+              <a:rPr kumimoji="1" lang="en-US" altLang="ko-KR" sz="1600" b="1" dirty="0">
+                <a:solidFill>
+                  <a:schemeClr val="tx1"/>
+                </a:solidFill>
+              </a:rPr>
+              <a:t>,</a:t>
+            </a:r>
+            <a:r>
+              <a:rPr kumimoji="1" lang="ko-KR" altLang="en-US" sz="1600" b="1" dirty="0">
+                <a:solidFill>
+                  <a:schemeClr val="tx1"/>
+                </a:solidFill>
+              </a:rPr>
+              <a:t> </a:t>
+            </a:r>
+            <a:r>
+              <a:rPr kumimoji="1" lang="ko-KR" altLang="en-US" sz="1600" b="1" dirty="0" err="1">
+                <a:solidFill>
+                  <a:schemeClr val="tx1"/>
+                </a:solidFill>
+              </a:rPr>
+              <a:t>투두만</a:t>
+            </a:r>
+            <a:r>
+              <a:rPr kumimoji="1" lang="ko-KR" altLang="en-US" sz="1600" b="1" dirty="0">
+                <a:solidFill>
+                  <a:schemeClr val="tx1"/>
+                </a:solidFill>
+              </a:rPr>
+              <a:t> 존재하는 </a:t>
+            </a:r>
+            <a:r>
+              <a:rPr kumimoji="1" lang="ko-KR" altLang="en-US" sz="1600" b="1" dirty="0" err="1">
+                <a:solidFill>
+                  <a:schemeClr val="tx1"/>
+                </a:solidFill>
+              </a:rPr>
+              <a:t>어플이</a:t>
+            </a:r>
+            <a:r>
+              <a:rPr kumimoji="1" lang="ko-KR" altLang="en-US" sz="1600" b="1" dirty="0">
+                <a:solidFill>
+                  <a:schemeClr val="tx1"/>
+                </a:solidFill>
+              </a:rPr>
+              <a:t> 대다수</a:t>
+            </a:r>
+            <a:endParaRPr kumimoji="1" lang="en-US" altLang="ko-KR" sz="1600" b="1" dirty="0">
+              <a:solidFill>
+                <a:schemeClr val="tx1"/>
+              </a:solidFill>
+            </a:endParaRPr>
+          </a:p>
+          <a:p>
+            <a:pPr marL="285750" indent="-285750">
+              <a:buFontTx/>
+              <a:buChar char="-"/>
+            </a:pPr>
+            <a:r>
+              <a:rPr kumimoji="1" lang="ko-KR" altLang="en-US" sz="1600" b="1" dirty="0" err="1">
+                <a:solidFill>
+                  <a:schemeClr val="tx1"/>
+                </a:solidFill>
+              </a:rPr>
+              <a:t>사진첨부를</a:t>
+            </a:r>
+            <a:r>
+              <a:rPr kumimoji="1" lang="ko-KR" altLang="en-US" sz="1600" b="1" dirty="0">
+                <a:solidFill>
+                  <a:schemeClr val="tx1"/>
+                </a:solidFill>
+              </a:rPr>
+              <a:t> 못하는 다이어리</a:t>
+            </a:r>
+            <a:endParaRPr kumimoji="1" lang="en-US" altLang="ko-KR" sz="1600" b="1" dirty="0">
+              <a:solidFill>
+                <a:schemeClr val="tx1"/>
+              </a:solidFill>
+            </a:endParaRPr>
+          </a:p>
+          <a:p>
+            <a:pPr marL="285750" indent="-285750">
+              <a:buFontTx/>
+              <a:buChar char="-"/>
+            </a:pPr>
+            <a:r>
+              <a:rPr kumimoji="1" lang="ko-KR" altLang="en-US" sz="1600" b="1" dirty="0">
+                <a:solidFill>
+                  <a:schemeClr val="tx1"/>
+                </a:solidFill>
+              </a:rPr>
+              <a:t>검색기능이 없는 다이어리</a:t>
+            </a:r>
+            <a:endParaRPr kumimoji="1" lang="ko-Kore-KR" altLang="en-US" sz="1600" b="1" dirty="0">
+              <a:solidFill>
+                <a:schemeClr val="tx1"/>
+              </a:solidFill>
+            </a:endParaRPr>
+          </a:p>
+        </p:txBody>
+      </p:sp>
+      <p:sp>
+        <p:nvSpPr>
+          <p:cNvPr id="4" name="오각형[P] 3">
+            <a:extLst>
+              <a:ext uri="{FF2B5EF4-FFF2-40B4-BE49-F238E27FC236}">
+                <a16:creationId xmlns:a16="http://schemas.microsoft.com/office/drawing/2014/main" id="{512BE87B-3F93-C346-8E58-FCFD451C9CB4}"/>
+              </a:ext>
+            </a:extLst>
+          </p:cNvPr>
+          <p:cNvSpPr/>
+          <p:nvPr/>
+        </p:nvSpPr>
+        <p:spPr>
+          <a:xfrm>
+            <a:off x="1966823" y="1543979"/>
+            <a:ext cx="3746455" cy="441790"/>
+          </a:xfrm>
+          <a:prstGeom prst="homePlate">
+            <a:avLst/>
+          </a:prstGeom>
+          <a:solidFill>
+            <a:srgbClr val="CA9E67"/>
+          </a:solidFill>
         </p:spPr>
         <p:style>
           <a:lnRef idx="2">
@@ -28562,14 +31060,22 @@
           <a:p>
             <a:pPr algn="ctr"/>
             <a:r>
-              <a:rPr lang="en-US" altLang="ko-KR" b="1" dirty="0">
+              <a:rPr kumimoji="1" lang="ko-Kore-KR" altLang="en-US" b="1" dirty="0">
                 <a:solidFill>
                   <a:schemeClr val="tx1"/>
                 </a:solidFill>
               </a:rPr>
-              <a:t>Diary</a:t>
+              <a:t>기존에</a:t>
             </a:r>
-            <a:endParaRPr lang="ko-KR" altLang="en-US" b="1" dirty="0">
+            <a:r>
+              <a:rPr kumimoji="1" lang="ko-KR" altLang="en-US" b="1" dirty="0">
+                <a:solidFill>
+                  <a:schemeClr val="tx1"/>
+                </a:solidFill>
+              </a:rPr>
+              <a:t> 존재하는 앱</a:t>
+            </a:r>
+            <a:endParaRPr kumimoji="1" lang="ko-Kore-KR" altLang="en-US" b="1" dirty="0">
               <a:solidFill>
                 <a:schemeClr val="tx1"/>
               </a:solidFill>
@@ -28579,10 +31085,10 @@
       </p:sp>
       <p:sp>
         <p:nvSpPr>
-          <p:cNvPr id="28" name="직사각형 27">
+          <p:cNvPr id="26" name="직사각형 25">
             <a:extLst>
               <a:ext uri="{FF2B5EF4-FFF2-40B4-BE49-F238E27FC236}">
-                <a16:creationId xmlns:a16="http://schemas.microsoft.com/office/drawing/2014/main" id="{7767284E-E211-4806-AB5D-BD46597CE485}"/>
+                <a16:creationId xmlns:a16="http://schemas.microsoft.com/office/drawing/2014/main" id="{88E9141E-E016-6D4D-9A41-F7E502C8A97E}"/>
               </a:ext>
             </a:extLst>
           </p:cNvPr>
@@ -28591,8 +31097,8 @@
         </p:nvSpPr>
         <p:spPr>
           <a:xfrm>
-            <a:off x="7854894" y="4021688"/>
-            <a:ext cx="1246724" cy="489022"/>
+            <a:off x="2141200" y="4014162"/>
+            <a:ext cx="8177841" cy="1299859"/>
           </a:xfrm>
           <a:prstGeom prst="rect">
             <a:avLst/>
@@ -28600,9 +31106,140 @@
           <a:solidFill>
             <a:srgbClr val="EAB574"/>
           </a:solidFill>
-          <a:ln>
-            <a:noFill/>
-          </a:ln>
+        </p:spPr>
+        <p:style>
+          <a:lnRef idx="2">
+            <a:schemeClr val="accent1">
+              <a:shade val="50000"/>
+            </a:schemeClr>
+          </a:lnRef>
+          <a:fillRef idx="1">
+            <a:schemeClr val="accent1"/>
+          </a:fillRef>
+          <a:effectRef idx="0">
+            <a:schemeClr val="accent1"/>
+          </a:effectRef>
+          <a:fontRef idx="minor">
+            <a:schemeClr val="lt1"/>
+          </a:fontRef>
+        </p:style>
+        <p:txBody>
+          <a:bodyPr rtlCol="0" anchor="ctr"/>
+          <a:lstStyle/>
+          <a:p>
+            <a:pPr marL="285750" indent="-285750">
+              <a:buFontTx/>
+              <a:buChar char="-"/>
+            </a:pPr>
+            <a:r>
+              <a:rPr kumimoji="1" lang="ko-Kore-KR" altLang="en-US" sz="1600" b="1" dirty="0">
+                <a:solidFill>
+                  <a:schemeClr val="tx1"/>
+                </a:solidFill>
+              </a:rPr>
+              <a:t>다이어리와</a:t>
+            </a:r>
+            <a:r>
+              <a:rPr kumimoji="1" lang="ko-KR" altLang="en-US" sz="1600" b="1" dirty="0">
+                <a:solidFill>
+                  <a:schemeClr val="tx1"/>
+                </a:solidFill>
+              </a:rPr>
+              <a:t> </a:t>
+            </a:r>
+            <a:r>
+              <a:rPr kumimoji="1" lang="ko-KR" altLang="en-US" sz="1600" b="1" dirty="0" err="1">
+                <a:solidFill>
+                  <a:schemeClr val="tx1"/>
+                </a:solidFill>
+              </a:rPr>
+              <a:t>투두를</a:t>
+            </a:r>
+            <a:r>
+              <a:rPr kumimoji="1" lang="ko-KR" altLang="en-US" sz="1600" b="1" dirty="0">
+                <a:solidFill>
+                  <a:schemeClr val="tx1"/>
+                </a:solidFill>
+              </a:rPr>
+              <a:t> 합친 앱</a:t>
+            </a:r>
+            <a:endParaRPr kumimoji="1" lang="en-US" altLang="ko-KR" sz="1600" b="1" dirty="0">
+              <a:solidFill>
+                <a:schemeClr val="tx1"/>
+              </a:solidFill>
+            </a:endParaRPr>
+          </a:p>
+          <a:p>
+            <a:pPr marL="285750" indent="-285750">
+              <a:buFontTx/>
+              <a:buChar char="-"/>
+            </a:pPr>
+            <a:r>
+              <a:rPr kumimoji="1" lang="ko-KR" altLang="en-US" sz="1600" b="1" dirty="0" err="1">
+                <a:solidFill>
+                  <a:schemeClr val="tx1"/>
+                </a:solidFill>
+              </a:rPr>
+              <a:t>사진첨부가</a:t>
+            </a:r>
+            <a:r>
+              <a:rPr kumimoji="1" lang="ko-KR" altLang="en-US" sz="1600" b="1" dirty="0">
+                <a:solidFill>
+                  <a:schemeClr val="tx1"/>
+                </a:solidFill>
+              </a:rPr>
+              <a:t> 가능한 앱</a:t>
+            </a:r>
+            <a:endParaRPr kumimoji="1" lang="en-US" altLang="ko-KR" sz="1600" b="1" dirty="0">
+              <a:solidFill>
+                <a:schemeClr val="tx1"/>
+              </a:solidFill>
+            </a:endParaRPr>
+          </a:p>
+          <a:p>
+            <a:pPr marL="285750" indent="-285750">
+              <a:buFontTx/>
+              <a:buChar char="-"/>
+            </a:pPr>
+            <a:r>
+              <a:rPr kumimoji="1" lang="ko-KR" altLang="en-US" sz="1600" b="1" dirty="0">
+                <a:solidFill>
+                  <a:schemeClr val="tx1"/>
+                </a:solidFill>
+              </a:rPr>
+              <a:t>검색기능이 존재하는 앱</a:t>
+            </a:r>
+            <a:endParaRPr kumimoji="1" lang="ko-Kore-KR" altLang="en-US" sz="1600" b="1" dirty="0">
+              <a:solidFill>
+                <a:schemeClr val="tx1"/>
+              </a:solidFill>
+            </a:endParaRPr>
+          </a:p>
+        </p:txBody>
+      </p:sp>
+      <p:sp>
+        <p:nvSpPr>
+          <p:cNvPr id="27" name="오각형[P] 26">
+            <a:extLst>
+              <a:ext uri="{FF2B5EF4-FFF2-40B4-BE49-F238E27FC236}">
+                <a16:creationId xmlns:a16="http://schemas.microsoft.com/office/drawing/2014/main" id="{2090D257-1497-1C4E-BED2-DA6F34115590}"/>
+              </a:ext>
+            </a:extLst>
+          </p:cNvPr>
+          <p:cNvSpPr/>
+          <p:nvPr/>
+        </p:nvSpPr>
+        <p:spPr>
+          <a:xfrm>
+            <a:off x="1960689" y="3792142"/>
+            <a:ext cx="3746455" cy="441790"/>
+          </a:xfrm>
+          <a:prstGeom prst="homePlate">
+            <a:avLst/>
+          </a:prstGeom>
+          <a:solidFill>
+            <a:srgbClr val="CA9E67"/>
+          </a:solidFill>
         </p:spPr>
         <p:style>
           <a:lnRef idx="2">
@@ -28626,25 +31263,20 @@
           <a:p>
             <a:pPr algn="ctr"/>
             <a:r>
-              <a:rPr lang="en-US" altLang="ko-KR" b="1" dirty="0">
+              <a:rPr kumimoji="1" lang="ko-Kore-KR" altLang="en-US" b="1" dirty="0">
                 <a:solidFill>
                   <a:schemeClr val="tx1"/>
                 </a:solidFill>
               </a:rPr>
-              <a:t>To-Do</a:t>
+              <a:t>차별점</a:t>
             </a:r>
-            <a:endParaRPr lang="ko-KR" altLang="en-US" b="1" dirty="0">
-              <a:solidFill>
-                <a:schemeClr val="tx1"/>
-              </a:solidFill>
-            </a:endParaRPr>
           </a:p>
         </p:txBody>
       </p:sp>
     </p:spTree>
     <p:extLst>
       <p:ext uri="{BB962C8B-B14F-4D97-AF65-F5344CB8AC3E}">
-        <p14:creationId xmlns:p14="http://schemas.microsoft.com/office/powerpoint/2010/main" val="250681416"/>
+        <p14:creationId xmlns:p14="http://schemas.microsoft.com/office/powerpoint/2010/main" val="2130534139"/>
       </p:ext>
     </p:extLst>
   </p:cSld>
